--- a/3- Presentation/Recommendation Engine Project using MMoE.pptx
+++ b/3- Presentation/Recommendation Engine Project using MMoE.pptx
@@ -6253,8 +6253,8 @@
   <dgm:cxnLst>
     <dgm:cxn modelId="{4C542D08-4F2E-4E9F-A4F6-D6DC43180396}" type="presOf" srcId="{2EBC189B-0743-46AA-88A1-EF6908545E3C}" destId="{FBE67AA1-0D9C-4276-B3F3-53CD9DEA87EF}" srcOrd="0" destOrd="0" presId="urn:diagrams.loki3.com/VaryingWidthList"/>
     <dgm:cxn modelId="{64599E08-5F7F-46CD-8D4D-508B778D6166}" srcId="{6DF02354-F387-4DED-8EC0-ED5E96278A81}" destId="{2EBC189B-0743-46AA-88A1-EF6908545E3C}" srcOrd="0" destOrd="0" parTransId="{28CE5A0C-EE39-431E-8B34-F46D3DF094E2}" sibTransId="{01650D03-154F-4689-AE29-250A6B4B8944}"/>
+    <dgm:cxn modelId="{B188954E-2C28-4F77-B0AA-4B922EC009EE}" type="presOf" srcId="{F1AF59BE-E774-4A6E-8D77-6A2BB1EFD6F0}" destId="{F5CBC94F-2E75-4832-9B5C-454BD68991B0}" srcOrd="0" destOrd="0" presId="urn:diagrams.loki3.com/VaryingWidthList"/>
     <dgm:cxn modelId="{DC6E0566-F825-43DD-9EA5-9ACE9E2AE436}" srcId="{6DF02354-F387-4DED-8EC0-ED5E96278A81}" destId="{F1AF59BE-E774-4A6E-8D77-6A2BB1EFD6F0}" srcOrd="1" destOrd="0" parTransId="{48DDB929-F711-4971-AD10-6A0FB1889C3A}" sibTransId="{12F545FA-A7A8-499D-8C27-B612E712A9CE}"/>
-    <dgm:cxn modelId="{B188954E-2C28-4F77-B0AA-4B922EC009EE}" type="presOf" srcId="{F1AF59BE-E774-4A6E-8D77-6A2BB1EFD6F0}" destId="{F5CBC94F-2E75-4832-9B5C-454BD68991B0}" srcOrd="0" destOrd="0" presId="urn:diagrams.loki3.com/VaryingWidthList"/>
     <dgm:cxn modelId="{E99C82B7-3DBE-48C7-BDD5-059CB0452EBC}" type="presOf" srcId="{E248826A-19B3-40F2-96CC-3049714D4389}" destId="{33B1D1CF-F071-4B31-A648-D569DDE1FE1F}" srcOrd="0" destOrd="0" presId="urn:diagrams.loki3.com/VaryingWidthList"/>
     <dgm:cxn modelId="{65D8C1B7-45D3-4669-89D1-C0B36406E933}" srcId="{6DF02354-F387-4DED-8EC0-ED5E96278A81}" destId="{E248826A-19B3-40F2-96CC-3049714D4389}" srcOrd="2" destOrd="0" parTransId="{5E19C741-FDE0-4EBA-94C2-4F726E96B59B}" sibTransId="{A613D7F0-E6B5-42CE-942B-669F4C65A584}"/>
     <dgm:cxn modelId="{39DBAAFE-4D50-4AB8-960B-EAE1FFAB03E2}" type="presOf" srcId="{6DF02354-F387-4DED-8EC0-ED5E96278A81}" destId="{4F92E6D6-D086-4DB0-ACA2-629749E1833A}" srcOrd="0" destOrd="0" presId="urn:diagrams.loki3.com/VaryingWidthList"/>
@@ -6683,11 +6683,11 @@
     <dgm:cxn modelId="{64AE4529-9107-4899-AB5D-851C1CC40DDF}" type="presOf" srcId="{2F3B9CC7-7671-45EE-B37D-A957E5678082}" destId="{B525FD1A-F097-4F9A-850F-56D3EEAD5974}" srcOrd="0" destOrd="0" presId="urn:microsoft.com/office/officeart/2009/3/layout/OpposingIdeas"/>
     <dgm:cxn modelId="{0A05AC3C-F076-4B4E-8C28-E0A21FB86165}" srcId="{2F3B9CC7-7671-45EE-B37D-A957E5678082}" destId="{284B0A6C-1DF7-45DD-957F-D44E23483B9B}" srcOrd="2" destOrd="0" parTransId="{1E646CA2-541D-4E5F-9C9B-6AA1DE321512}" sibTransId="{F7C29C31-4AFC-4527-92E4-AD02EDD42536}"/>
     <dgm:cxn modelId="{D21F6445-F8C7-4AB9-818C-9002177D7D84}" srcId="{31960D48-AF13-4027-B4E8-3D2E7E04D30C}" destId="{F3F02CB0-AB06-4097-A629-54AC22F02882}" srcOrd="1" destOrd="0" parTransId="{DAD08F05-ECC7-488C-BF38-D3C2B167B944}" sibTransId="{E86C0D67-2720-4B53-A369-D40843F0610E}"/>
-    <dgm:cxn modelId="{3DADCB66-BF1B-4572-8423-42F4322A39C6}" type="presOf" srcId="{067B4EB0-BE6C-4338-9676-97F4AAF301E7}" destId="{32D74160-8D21-4232-980F-928E0A0C8E9D}" srcOrd="0" destOrd="1" presId="urn:microsoft.com/office/officeart/2009/3/layout/OpposingIdeas"/>
     <dgm:cxn modelId="{3DCBDF47-FFCE-4278-846F-CB9B187F0FE8}" type="presOf" srcId="{31960D48-AF13-4027-B4E8-3D2E7E04D30C}" destId="{F3BA55DA-4983-4A0A-8357-4CB95DFF2A9C}" srcOrd="0" destOrd="0" presId="urn:microsoft.com/office/officeart/2009/3/layout/OpposingIdeas"/>
     <dgm:cxn modelId="{C8CE3653-1824-4F7F-ABB4-9F1E39875115}" type="presOf" srcId="{767E5DD2-B818-435B-AC1D-6E557F83FD3B}" destId="{32D74160-8D21-4232-980F-928E0A0C8E9D}" srcOrd="0" destOrd="0" presId="urn:microsoft.com/office/officeart/2009/3/layout/OpposingIdeas"/>
+    <dgm:cxn modelId="{25EBB855-0BF1-4108-BF44-35DE2E68EAD4}" srcId="{83CAA6A5-1688-42AC-8012-406D164F145B}" destId="{4718CFD1-F3A9-4446-8E47-6D8E34A7480B}" srcOrd="2" destOrd="0" parTransId="{10BCDAA8-27D1-4CDA-AF30-EBBBC8421061}" sibTransId="{F95E2C74-8BB3-4F35-8852-3F6CF90677C3}"/>
+    <dgm:cxn modelId="{3DADCB66-BF1B-4572-8423-42F4322A39C6}" type="presOf" srcId="{067B4EB0-BE6C-4338-9676-97F4AAF301E7}" destId="{32D74160-8D21-4232-980F-928E0A0C8E9D}" srcOrd="0" destOrd="1" presId="urn:microsoft.com/office/officeart/2009/3/layout/OpposingIdeas"/>
     <dgm:cxn modelId="{91216975-67C9-47F1-8881-CEFD485094CC}" type="presOf" srcId="{83CAA6A5-1688-42AC-8012-406D164F145B}" destId="{BB37DF1E-A051-4526-8136-6232B7F21AFC}" srcOrd="0" destOrd="0" presId="urn:microsoft.com/office/officeart/2009/3/layout/OpposingIdeas"/>
-    <dgm:cxn modelId="{25EBB855-0BF1-4108-BF44-35DE2E68EAD4}" srcId="{83CAA6A5-1688-42AC-8012-406D164F145B}" destId="{4718CFD1-F3A9-4446-8E47-6D8E34A7480B}" srcOrd="2" destOrd="0" parTransId="{10BCDAA8-27D1-4CDA-AF30-EBBBC8421061}" sibTransId="{F95E2C74-8BB3-4F35-8852-3F6CF90677C3}"/>
     <dgm:cxn modelId="{7170C683-057C-4279-B680-27E04E41DA89}" srcId="{31960D48-AF13-4027-B4E8-3D2E7E04D30C}" destId="{55955C2D-D8E2-4016-BAFB-155A3777F5E7}" srcOrd="2" destOrd="0" parTransId="{5462AF15-9BC1-44F1-A9FB-83C39A829E24}" sibTransId="{5A403408-FA06-4AF8-BF25-D0A9477E12C7}"/>
     <dgm:cxn modelId="{52DDFD99-668D-4F16-93FA-5115B1B9CA47}" srcId="{31960D48-AF13-4027-B4E8-3D2E7E04D30C}" destId="{1A8526E1-CC99-47D8-B21A-36674F95ECFD}" srcOrd="0" destOrd="0" parTransId="{B5348002-0A0E-49D8-A22A-04D59E652EE3}" sibTransId="{ECBF9142-E167-4DD9-91A9-B8AA3A10FB29}"/>
     <dgm:cxn modelId="{5C585A9C-53C0-4CBB-A10D-4B73D491E1E7}" type="presOf" srcId="{2F3B9CC7-7671-45EE-B37D-A957E5678082}" destId="{A5B120FF-5226-4E20-AA79-C0801D421C3F}" srcOrd="1" destOrd="0" presId="urn:microsoft.com/office/officeart/2009/3/layout/OpposingIdeas"/>
@@ -6921,10 +6921,10 @@
   </dgm:ptLst>
   <dgm:cxnLst>
     <dgm:cxn modelId="{317EE939-F837-452E-A155-5F69670B609C}" srcId="{E265AB36-7880-48C6-9645-DBAA4A29610E}" destId="{D0E58DCE-F943-420F-A0DC-323BAC156F63}" srcOrd="0" destOrd="0" parTransId="{ECFDACF1-79E7-452A-A8C2-DD698C98A24E}" sibTransId="{ED0F2354-7A56-4A28-87A6-19AEB9779800}"/>
+    <dgm:cxn modelId="{B666394F-405C-480C-AADC-97701387BDAA}" type="presOf" srcId="{ED0F2354-7A56-4A28-87A6-19AEB9779800}" destId="{FF7E28C3-BAE1-42A2-A2F4-6608659D3218}" srcOrd="0" destOrd="0" presId="urn:microsoft.com/office/officeart/2008/layout/VerticalCurvedList"/>
     <dgm:cxn modelId="{18C8AD5C-E24B-42AD-919D-0653217F4383}" type="presOf" srcId="{ADD30961-592B-4BFB-88F2-42AA79CC2D99}" destId="{4EFE3F8E-F709-42FC-BEBF-0C9F99C17DB2}" srcOrd="0" destOrd="0" presId="urn:microsoft.com/office/officeart/2008/layout/VerticalCurvedList"/>
     <dgm:cxn modelId="{1F444D67-DE00-4BA6-BD86-89B010735147}" srcId="{E265AB36-7880-48C6-9645-DBAA4A29610E}" destId="{F79DD0DF-336C-448F-9DA8-8509464F6872}" srcOrd="1" destOrd="0" parTransId="{CA99834D-4DDA-4BA3-906C-86AA77771361}" sibTransId="{2ACCFD4B-BD00-4BAF-A756-826714BD1868}"/>
     <dgm:cxn modelId="{0AF0B66B-A4A4-428D-A24D-797BC3BD7858}" srcId="{E265AB36-7880-48C6-9645-DBAA4A29610E}" destId="{ADD30961-592B-4BFB-88F2-42AA79CC2D99}" srcOrd="2" destOrd="0" parTransId="{E605FEFD-5B8C-4F97-A18B-5F635D5572D1}" sibTransId="{19CB0BCB-4D9F-42E6-94E6-3B6145E1EB7C}"/>
-    <dgm:cxn modelId="{B666394F-405C-480C-AADC-97701387BDAA}" type="presOf" srcId="{ED0F2354-7A56-4A28-87A6-19AEB9779800}" destId="{FF7E28C3-BAE1-42A2-A2F4-6608659D3218}" srcOrd="0" destOrd="0" presId="urn:microsoft.com/office/officeart/2008/layout/VerticalCurvedList"/>
     <dgm:cxn modelId="{92F7B985-E612-4CF0-9161-8868430866EA}" type="presOf" srcId="{E265AB36-7880-48C6-9645-DBAA4A29610E}" destId="{086CB3DE-BDFF-49AC-8EE7-B6BBEA03416A}" srcOrd="0" destOrd="0" presId="urn:microsoft.com/office/officeart/2008/layout/VerticalCurvedList"/>
     <dgm:cxn modelId="{CD202DA7-DD1E-4EE3-9DC2-DBFBF3D808BA}" type="presOf" srcId="{F79DD0DF-336C-448F-9DA8-8509464F6872}" destId="{6D949B6C-8363-4F6F-81F9-C5CFF5718FC0}" srcOrd="0" destOrd="0" presId="urn:microsoft.com/office/officeart/2008/layout/VerticalCurvedList"/>
     <dgm:cxn modelId="{40F14FB2-5191-4207-8854-AF3B5BFC5DE0}" type="presOf" srcId="{D0E58DCE-F943-420F-A0DC-323BAC156F63}" destId="{163603F7-7CC4-407B-849C-DDB95E6D975B}" srcOrd="0" destOrd="0" presId="urn:microsoft.com/office/officeart/2008/layout/VerticalCurvedList"/>
@@ -8316,14 +8316,14 @@
     <dgm:cxn modelId="{3EF8FE29-AABF-431F-BDD4-6E14B1899547}" type="presOf" srcId="{6ADEE36E-E2D0-4888-B9E6-E289D0E2FF41}" destId="{8AFF05F4-E31E-476F-91F3-B8EC6AC1F0D8}" srcOrd="1" destOrd="0" presId="urn:microsoft.com/office/officeart/2005/8/layout/process5"/>
     <dgm:cxn modelId="{95D3122D-9591-49C1-9E48-DECA338D1254}" srcId="{06B1EF91-D16C-4EAA-B46B-B077EF6B124E}" destId="{907AA103-7BB1-4F59-96FB-B6A95EA8FDBB}" srcOrd="6" destOrd="0" parTransId="{B56E50E2-48BC-49D5-9A15-2106089C1341}" sibTransId="{ED94CCD5-66C5-4A04-A923-24CEB2DE15E8}"/>
     <dgm:cxn modelId="{0AC3DB37-D899-4C68-B690-BF8DA3B73D2D}" type="presOf" srcId="{02035B47-A95C-458D-BDAC-38A39B902428}" destId="{70A2A172-3AB0-4DB7-A5C7-B170973A8D23}" srcOrd="1" destOrd="0" presId="urn:microsoft.com/office/officeart/2005/8/layout/process5"/>
-    <dgm:cxn modelId="{B87D385C-69B1-46A2-9D63-F157C3F231DB}" type="presOf" srcId="{C578BB4A-792E-4D56-939D-4FF81DF6E252}" destId="{59006605-4B9A-46B8-9E25-FA654032E73D}" srcOrd="1" destOrd="0" presId="urn:microsoft.com/office/officeart/2005/8/layout/process5"/>
-    <dgm:cxn modelId="{91DCCD60-98AB-446B-9BB9-34673EF8AAEB}" srcId="{06B1EF91-D16C-4EAA-B46B-B077EF6B124E}" destId="{0FC8CC48-E5E2-47E4-B7E3-604D5950919C}" srcOrd="5" destOrd="0" parTransId="{F9118DEA-6033-4B7D-A351-7A27578E7CF6}" sibTransId="{A2ABAB42-114F-4936-A71D-67F77D4D7547}"/>
     <dgm:cxn modelId="{C5E87E44-EA86-48C0-A0A6-39B6644608F7}" type="presOf" srcId="{907AA103-7BB1-4F59-96FB-B6A95EA8FDBB}" destId="{70AFE845-7C19-4701-9E7B-D5CAF5B0D4C0}" srcOrd="0" destOrd="0" presId="urn:microsoft.com/office/officeart/2005/8/layout/process5"/>
     <dgm:cxn modelId="{01843747-C6B0-480F-8DBC-425C38577E63}" srcId="{06B1EF91-D16C-4EAA-B46B-B077EF6B124E}" destId="{956C9427-7FDF-44CA-96C4-2C7F6A94D5EC}" srcOrd="9" destOrd="0" parTransId="{E6E988E4-B01F-483D-8F94-9F9A1232E90B}" sibTransId="{E3328244-5993-4AB0-839E-62E44C911E8B}"/>
-    <dgm:cxn modelId="{18728574-D7B9-497F-82C9-4AF91946A75E}" type="presOf" srcId="{02035B47-A95C-458D-BDAC-38A39B902428}" destId="{495F8F67-61A1-4959-9BC5-859C575B8806}" srcOrd="0" destOrd="0" presId="urn:microsoft.com/office/officeart/2005/8/layout/process5"/>
     <dgm:cxn modelId="{8BD26655-295C-4A0B-B3B6-288AAC37D41F}" srcId="{06B1EF91-D16C-4EAA-B46B-B077EF6B124E}" destId="{21D825C6-F54E-466F-B0B8-6372C5306A7A}" srcOrd="8" destOrd="0" parTransId="{F60465E0-7353-4326-8F13-3585670F857F}" sibTransId="{02035B47-A95C-458D-BDAC-38A39B902428}"/>
     <dgm:cxn modelId="{92C31456-9CD0-4267-8BD0-298F2268CE1E}" srcId="{06B1EF91-D16C-4EAA-B46B-B077EF6B124E}" destId="{665A6904-77C9-47D3-AD87-4BDB0D44DFAA}" srcOrd="0" destOrd="0" parTransId="{A2576108-4E96-49A6-A0CE-9D6E3920024B}" sibTransId="{6ADEE36E-E2D0-4888-B9E6-E289D0E2FF41}"/>
     <dgm:cxn modelId="{6487885A-2EF7-493F-9B01-7011C6A76FD2}" type="presOf" srcId="{A2ABAB42-114F-4936-A71D-67F77D4D7547}" destId="{C2965FBC-AAAD-46A6-8B41-30AEBA350930}" srcOrd="1" destOrd="0" presId="urn:microsoft.com/office/officeart/2005/8/layout/process5"/>
+    <dgm:cxn modelId="{B87D385C-69B1-46A2-9D63-F157C3F231DB}" type="presOf" srcId="{C578BB4A-792E-4D56-939D-4FF81DF6E252}" destId="{59006605-4B9A-46B8-9E25-FA654032E73D}" srcOrd="1" destOrd="0" presId="urn:microsoft.com/office/officeart/2005/8/layout/process5"/>
+    <dgm:cxn modelId="{91DCCD60-98AB-446B-9BB9-34673EF8AAEB}" srcId="{06B1EF91-D16C-4EAA-B46B-B077EF6B124E}" destId="{0FC8CC48-E5E2-47E4-B7E3-604D5950919C}" srcOrd="5" destOrd="0" parTransId="{F9118DEA-6033-4B7D-A351-7A27578E7CF6}" sibTransId="{A2ABAB42-114F-4936-A71D-67F77D4D7547}"/>
+    <dgm:cxn modelId="{18728574-D7B9-497F-82C9-4AF91946A75E}" type="presOf" srcId="{02035B47-A95C-458D-BDAC-38A39B902428}" destId="{495F8F67-61A1-4959-9BC5-859C575B8806}" srcOrd="0" destOrd="0" presId="urn:microsoft.com/office/officeart/2005/8/layout/process5"/>
     <dgm:cxn modelId="{78184783-213F-4D07-B7C2-40FC0F020987}" type="presOf" srcId="{6ADEE36E-E2D0-4888-B9E6-E289D0E2FF41}" destId="{D4825868-152C-4634-8AB9-5925390E5DB8}" srcOrd="0" destOrd="0" presId="urn:microsoft.com/office/officeart/2005/8/layout/process5"/>
     <dgm:cxn modelId="{10FD0285-6AA7-40F8-BEBC-76A16AC3F589}" type="presOf" srcId="{907773B6-6C2F-427F-94C7-69DDFC9A9A56}" destId="{2AF9AFE5-5F2F-447D-A038-791E602EF8E5}" srcOrd="0" destOrd="0" presId="urn:microsoft.com/office/officeart/2005/8/layout/process5"/>
     <dgm:cxn modelId="{2B187485-086B-4209-8F29-B75EC7574785}" type="presOf" srcId="{0FC8CC48-E5E2-47E4-B7E3-604D5950919C}" destId="{8C49973B-6A85-49A8-B349-129BF0EBF890}" srcOrd="0" destOrd="0" presId="urn:microsoft.com/office/officeart/2005/8/layout/process5"/>
@@ -24309,7 +24309,7 @@
           <a:p>
             <a:fld id="{F622EC5B-BD18-4B8A-9B02-866A9762EB38}" type="datetimeFigureOut">
               <a:rPr lang="en-US" smtClean="0"/>
-              <a:t>12/7/2020</a:t>
+              <a:t>12/7/20</a:t>
             </a:fld>
             <a:endParaRPr lang="en-US"/>
           </a:p>
@@ -34042,6 +34042,22 @@
             </a:r>
             <a:endParaRPr lang="en-US" dirty="0"/>
           </a:p>
+          <a:p>
+            <a:r>
+              <a:rPr lang="en-US" dirty="0"/>
+              <a:t>Dataset: </a:t>
+            </a:r>
+            <a:r>
+              <a:rPr lang="en-US" dirty="0">
+                <a:hlinkClick r:id="rId5"/>
+              </a:rPr>
+              <a:t>https://www.kaggle.com/datasnaek/youtube-new</a:t>
+            </a:r>
+            <a:endParaRPr lang="en-US" dirty="0"/>
+          </a:p>
+          <a:p>
+            <a:endParaRPr lang="en-US" dirty="0"/>
+          </a:p>
         </p:txBody>
       </p:sp>
     </p:spTree>

--- a/3- Presentation/Recommendation Engine Project using MMoE.pptx
+++ b/3- Presentation/Recommendation Engine Project using MMoE.pptx
@@ -5,7 +5,7 @@
     <p:sldMasterId id="2147483660" r:id="rId1"/>
   </p:sldMasterIdLst>
   <p:notesMasterIdLst>
-    <p:notesMasterId r:id="rId18"/>
+    <p:notesMasterId r:id="rId23"/>
   </p:notesMasterIdLst>
   <p:sldIdLst>
     <p:sldId id="256" r:id="rId2"/>
@@ -13,17 +13,22 @@
     <p:sldId id="257" r:id="rId4"/>
     <p:sldId id="289" r:id="rId5"/>
     <p:sldId id="281" r:id="rId6"/>
-    <p:sldId id="282" r:id="rId7"/>
-    <p:sldId id="283" r:id="rId8"/>
-    <p:sldId id="284" r:id="rId9"/>
-    <p:sldId id="279" r:id="rId10"/>
-    <p:sldId id="280" r:id="rId11"/>
-    <p:sldId id="277" r:id="rId12"/>
-    <p:sldId id="285" r:id="rId13"/>
-    <p:sldId id="286" r:id="rId14"/>
-    <p:sldId id="287" r:id="rId15"/>
-    <p:sldId id="278" r:id="rId16"/>
-    <p:sldId id="288" r:id="rId17"/>
+    <p:sldId id="283" r:id="rId7"/>
+    <p:sldId id="282" r:id="rId8"/>
+    <p:sldId id="290" r:id="rId9"/>
+    <p:sldId id="292" r:id="rId10"/>
+    <p:sldId id="293" r:id="rId11"/>
+    <p:sldId id="284" r:id="rId12"/>
+    <p:sldId id="291" r:id="rId13"/>
+    <p:sldId id="279" r:id="rId14"/>
+    <p:sldId id="280" r:id="rId15"/>
+    <p:sldId id="277" r:id="rId16"/>
+    <p:sldId id="294" r:id="rId17"/>
+    <p:sldId id="285" r:id="rId18"/>
+    <p:sldId id="286" r:id="rId19"/>
+    <p:sldId id="287" r:id="rId20"/>
+    <p:sldId id="278" r:id="rId21"/>
+    <p:sldId id="288" r:id="rId22"/>
   </p:sldIdLst>
   <p:sldSz cx="12192000" cy="6858000"/>
   <p:notesSz cx="6858000" cy="9144000"/>
@@ -133,13 +138,517 @@
 <file path=ppt/revisionInfo.xml><?xml version="1.0" encoding="utf-8"?>
 <p1510:revInfo xmlns:a="http://schemas.openxmlformats.org/drawingml/2006/main" xmlns:r="http://schemas.openxmlformats.org/officeDocument/2006/relationships" xmlns:p1510="http://schemas.microsoft.com/office/powerpoint/2015/10/main">
   <p1510:revLst>
+    <p1510:client id="{0B8CB0D8-12DA-CD50-F2A4-3A320DA17CBD}" v="47" dt="2020-12-08T01:56:27.604"/>
     <p1510:client id="{190E8527-D680-4A17-8008-AF91859D5B46}" v="516" dt="2020-12-08T01:16:26.725"/>
+    <p1510:client id="{64B607B9-4BAB-F39D-2315-6290A22DC1EC}" v="829" dt="2020-12-08T04:08:14.722"/>
+    <p1510:client id="{CEE024A2-4CF9-D598-5109-264CC858F206}" v="59" dt="2020-12-08T03:55:44.312"/>
+    <p1510:client id="{EEE73A35-8F6F-4D8D-BE12-A830246F8371}" v="604" dt="2020-12-08T03:54:39.310"/>
   </p1510:revLst>
 </p1510:revInfo>
 </file>
 
 <file path=ppt/changesInfos/changesInfo1.xml><?xml version="1.0" encoding="utf-8"?>
 <pc:chgInfo xmlns:a="http://schemas.openxmlformats.org/drawingml/2006/main" xmlns:r="http://schemas.openxmlformats.org/officeDocument/2006/relationships" xmlns:ac="http://schemas.microsoft.com/office/drawing/2013/main/command" xmlns:pc="http://schemas.microsoft.com/office/powerpoint/2013/main/command">
+  <pc:docChgLst>
+    <pc:chgData name="Guest User" userId="S::urn:spo:anon#2f5923b33bd9d5063e8f78f18b22d65e855431465b2635b558dd1ccc8544538e::" providerId="AD" clId="Web-{0B8CB0D8-12DA-CD50-F2A4-3A320DA17CBD}"/>
+    <pc:docChg chg="modSld">
+      <pc:chgData name="Guest User" userId="S::urn:spo:anon#2f5923b33bd9d5063e8f78f18b22d65e855431465b2635b558dd1ccc8544538e::" providerId="AD" clId="Web-{0B8CB0D8-12DA-CD50-F2A4-3A320DA17CBD}" dt="2020-12-08T01:56:27.604" v="46" actId="20577"/>
+      <pc:docMkLst>
+        <pc:docMk/>
+      </pc:docMkLst>
+      <pc:sldChg chg="modSp">
+        <pc:chgData name="Guest User" userId="S::urn:spo:anon#2f5923b33bd9d5063e8f78f18b22d65e855431465b2635b558dd1ccc8544538e::" providerId="AD" clId="Web-{0B8CB0D8-12DA-CD50-F2A4-3A320DA17CBD}" dt="2020-12-08T01:56:27.604" v="46" actId="20577"/>
+        <pc:sldMkLst>
+          <pc:docMk/>
+          <pc:sldMk cId="1497588716" sldId="280"/>
+        </pc:sldMkLst>
+        <pc:graphicFrameChg chg="modGraphic">
+          <ac:chgData name="Guest User" userId="S::urn:spo:anon#2f5923b33bd9d5063e8f78f18b22d65e855431465b2635b558dd1ccc8544538e::" providerId="AD" clId="Web-{0B8CB0D8-12DA-CD50-F2A4-3A320DA17CBD}" dt="2020-12-08T01:56:27.604" v="46" actId="20577"/>
+          <ac:graphicFrameMkLst>
+            <pc:docMk/>
+            <pc:sldMk cId="1497588716" sldId="280"/>
+            <ac:graphicFrameMk id="4" creationId="{5B3A7893-9977-42D9-A591-693197302AFF}"/>
+          </ac:graphicFrameMkLst>
+        </pc:graphicFrameChg>
+      </pc:sldChg>
+    </pc:docChg>
+  </pc:docChgLst>
+  <pc:docChgLst>
+    <pc:chgData name="Varun Bhaseen" userId="893d2968-a2a8-4354-b413-029750d40987" providerId="ADAL" clId="{EEE73A35-8F6F-4D8D-BE12-A830246F8371}"/>
+    <pc:docChg chg="undo custSel addSld modSld sldOrd">
+      <pc:chgData name="Varun Bhaseen" userId="893d2968-a2a8-4354-b413-029750d40987" providerId="ADAL" clId="{EEE73A35-8F6F-4D8D-BE12-A830246F8371}" dt="2020-12-08T03:54:39.310" v="620"/>
+      <pc:docMkLst>
+        <pc:docMk/>
+      </pc:docMkLst>
+      <pc:sldChg chg="modSp mod">
+        <pc:chgData name="Varun Bhaseen" userId="893d2968-a2a8-4354-b413-029750d40987" providerId="ADAL" clId="{EEE73A35-8F6F-4D8D-BE12-A830246F8371}" dt="2020-12-08T01:25:00.736" v="20" actId="6549"/>
+        <pc:sldMkLst>
+          <pc:docMk/>
+          <pc:sldMk cId="4272597458" sldId="256"/>
+        </pc:sldMkLst>
+        <pc:spChg chg="mod">
+          <ac:chgData name="Varun Bhaseen" userId="893d2968-a2a8-4354-b413-029750d40987" providerId="ADAL" clId="{EEE73A35-8F6F-4D8D-BE12-A830246F8371}" dt="2020-12-08T01:25:00.736" v="20" actId="6549"/>
+          <ac:spMkLst>
+            <pc:docMk/>
+            <pc:sldMk cId="4272597458" sldId="256"/>
+            <ac:spMk id="7" creationId="{3D6E4834-EF0C-4BF4-B421-F1B8A959877C}"/>
+          </ac:spMkLst>
+        </pc:spChg>
+      </pc:sldChg>
+      <pc:sldChg chg="modSp">
+        <pc:chgData name="Varun Bhaseen" userId="893d2968-a2a8-4354-b413-029750d40987" providerId="ADAL" clId="{EEE73A35-8F6F-4D8D-BE12-A830246F8371}" dt="2020-12-08T01:50:44.138" v="418" actId="207"/>
+        <pc:sldMkLst>
+          <pc:docMk/>
+          <pc:sldMk cId="3473102551" sldId="279"/>
+        </pc:sldMkLst>
+        <pc:graphicFrameChg chg="mod">
+          <ac:chgData name="Varun Bhaseen" userId="893d2968-a2a8-4354-b413-029750d40987" providerId="ADAL" clId="{EEE73A35-8F6F-4D8D-BE12-A830246F8371}" dt="2020-12-08T01:50:44.138" v="418" actId="207"/>
+          <ac:graphicFrameMkLst>
+            <pc:docMk/>
+            <pc:sldMk cId="3473102551" sldId="279"/>
+            <ac:graphicFrameMk id="6" creationId="{2CD6A1D8-14EE-4A6B-B0BB-ED86240A16A0}"/>
+          </ac:graphicFrameMkLst>
+        </pc:graphicFrameChg>
+      </pc:sldChg>
+      <pc:sldChg chg="ord">
+        <pc:chgData name="Varun Bhaseen" userId="893d2968-a2a8-4354-b413-029750d40987" providerId="ADAL" clId="{EEE73A35-8F6F-4D8D-BE12-A830246F8371}" dt="2020-12-08T03:54:39.310" v="620"/>
+        <pc:sldMkLst>
+          <pc:docMk/>
+          <pc:sldMk cId="367749637" sldId="283"/>
+        </pc:sldMkLst>
+      </pc:sldChg>
+      <pc:sldChg chg="addSp modSp mod">
+        <pc:chgData name="Varun Bhaseen" userId="893d2968-a2a8-4354-b413-029750d40987" providerId="ADAL" clId="{EEE73A35-8F6F-4D8D-BE12-A830246F8371}" dt="2020-12-08T03:37:49.417" v="616" actId="17032"/>
+        <pc:sldMkLst>
+          <pc:docMk/>
+          <pc:sldMk cId="2568346607" sldId="286"/>
+        </pc:sldMkLst>
+        <pc:graphicFrameChg chg="add mod modGraphic">
+          <ac:chgData name="Varun Bhaseen" userId="893d2968-a2a8-4354-b413-029750d40987" providerId="ADAL" clId="{EEE73A35-8F6F-4D8D-BE12-A830246F8371}" dt="2020-12-08T03:37:24.365" v="615" actId="1076"/>
+          <ac:graphicFrameMkLst>
+            <pc:docMk/>
+            <pc:sldMk cId="2568346607" sldId="286"/>
+            <ac:graphicFrameMk id="3" creationId="{2C8BE11D-4358-47E4-9F59-3F56D586A901}"/>
+          </ac:graphicFrameMkLst>
+        </pc:graphicFrameChg>
+        <pc:graphicFrameChg chg="mod">
+          <ac:chgData name="Varun Bhaseen" userId="893d2968-a2a8-4354-b413-029750d40987" providerId="ADAL" clId="{EEE73A35-8F6F-4D8D-BE12-A830246F8371}" dt="2020-12-08T03:37:49.417" v="616" actId="17032"/>
+          <ac:graphicFrameMkLst>
+            <pc:docMk/>
+            <pc:sldMk cId="2568346607" sldId="286"/>
+            <ac:graphicFrameMk id="7" creationId="{26992904-A595-40B8-B72E-896F49F2C271}"/>
+          </ac:graphicFrameMkLst>
+        </pc:graphicFrameChg>
+      </pc:sldChg>
+      <pc:sldChg chg="modSp mod">
+        <pc:chgData name="Varun Bhaseen" userId="893d2968-a2a8-4354-b413-029750d40987" providerId="ADAL" clId="{EEE73A35-8F6F-4D8D-BE12-A830246F8371}" dt="2020-12-08T02:42:58.425" v="545" actId="20577"/>
+        <pc:sldMkLst>
+          <pc:docMk/>
+          <pc:sldMk cId="3264063009" sldId="287"/>
+        </pc:sldMkLst>
+        <pc:spChg chg="mod">
+          <ac:chgData name="Varun Bhaseen" userId="893d2968-a2a8-4354-b413-029750d40987" providerId="ADAL" clId="{EEE73A35-8F6F-4D8D-BE12-A830246F8371}" dt="2020-12-08T02:42:58.425" v="545" actId="20577"/>
+          <ac:spMkLst>
+            <pc:docMk/>
+            <pc:sldMk cId="3264063009" sldId="287"/>
+            <ac:spMk id="2" creationId="{4AB837BF-CB19-4577-8806-557440221AF6}"/>
+          </ac:spMkLst>
+        </pc:spChg>
+      </pc:sldChg>
+      <pc:sldChg chg="modSp mod">
+        <pc:chgData name="Varun Bhaseen" userId="893d2968-a2a8-4354-b413-029750d40987" providerId="ADAL" clId="{EEE73A35-8F6F-4D8D-BE12-A830246F8371}" dt="2020-12-08T01:52:30.572" v="523" actId="6549"/>
+        <pc:sldMkLst>
+          <pc:docMk/>
+          <pc:sldMk cId="3365252075" sldId="288"/>
+        </pc:sldMkLst>
+        <pc:spChg chg="mod">
+          <ac:chgData name="Varun Bhaseen" userId="893d2968-a2a8-4354-b413-029750d40987" providerId="ADAL" clId="{EEE73A35-8F6F-4D8D-BE12-A830246F8371}" dt="2020-12-08T01:52:30.572" v="523" actId="6549"/>
+          <ac:spMkLst>
+            <pc:docMk/>
+            <pc:sldMk cId="3365252075" sldId="288"/>
+            <ac:spMk id="5" creationId="{B3A09E25-87B7-41DD-B557-1743ACBB8C80}"/>
+          </ac:spMkLst>
+        </pc:spChg>
+      </pc:sldChg>
+      <pc:sldChg chg="modSp mod">
+        <pc:chgData name="Varun Bhaseen" userId="893d2968-a2a8-4354-b413-029750d40987" providerId="ADAL" clId="{EEE73A35-8F6F-4D8D-BE12-A830246F8371}" dt="2020-12-08T01:50:05.007" v="416" actId="20577"/>
+        <pc:sldMkLst>
+          <pc:docMk/>
+          <pc:sldMk cId="2825620102" sldId="289"/>
+        </pc:sldMkLst>
+        <pc:spChg chg="mod">
+          <ac:chgData name="Varun Bhaseen" userId="893d2968-a2a8-4354-b413-029750d40987" providerId="ADAL" clId="{EEE73A35-8F6F-4D8D-BE12-A830246F8371}" dt="2020-12-08T01:50:05.007" v="416" actId="20577"/>
+          <ac:spMkLst>
+            <pc:docMk/>
+            <pc:sldMk cId="2825620102" sldId="289"/>
+            <ac:spMk id="6" creationId="{CC6A3330-15A4-4E54-AF04-F353D2B851F7}"/>
+          </ac:spMkLst>
+        </pc:spChg>
+      </pc:sldChg>
+      <pc:sldChg chg="addSp delSp modSp new mod modClrScheme chgLayout">
+        <pc:chgData name="Varun Bhaseen" userId="893d2968-a2a8-4354-b413-029750d40987" providerId="ADAL" clId="{EEE73A35-8F6F-4D8D-BE12-A830246F8371}" dt="2020-12-08T01:51:43.831" v="520" actId="20577"/>
+        <pc:sldMkLst>
+          <pc:docMk/>
+          <pc:sldMk cId="2385084533" sldId="291"/>
+        </pc:sldMkLst>
+        <pc:spChg chg="del">
+          <ac:chgData name="Varun Bhaseen" userId="893d2968-a2a8-4354-b413-029750d40987" providerId="ADAL" clId="{EEE73A35-8F6F-4D8D-BE12-A830246F8371}" dt="2020-12-08T01:51:00.308" v="420" actId="700"/>
+          <ac:spMkLst>
+            <pc:docMk/>
+            <pc:sldMk cId="2385084533" sldId="291"/>
+            <ac:spMk id="2" creationId="{A1E485DA-29C4-4B36-B658-38954801E5DD}"/>
+          </ac:spMkLst>
+        </pc:spChg>
+        <pc:spChg chg="del mod ord">
+          <ac:chgData name="Varun Bhaseen" userId="893d2968-a2a8-4354-b413-029750d40987" providerId="ADAL" clId="{EEE73A35-8F6F-4D8D-BE12-A830246F8371}" dt="2020-12-08T01:51:00.308" v="420" actId="700"/>
+          <ac:spMkLst>
+            <pc:docMk/>
+            <pc:sldMk cId="2385084533" sldId="291"/>
+            <ac:spMk id="3" creationId="{B45DA0AE-EE53-44C6-BA32-4EAFDFDB3947}"/>
+          </ac:spMkLst>
+        </pc:spChg>
+        <pc:spChg chg="del">
+          <ac:chgData name="Varun Bhaseen" userId="893d2968-a2a8-4354-b413-029750d40987" providerId="ADAL" clId="{EEE73A35-8F6F-4D8D-BE12-A830246F8371}" dt="2020-12-08T01:51:00.308" v="420" actId="700"/>
+          <ac:spMkLst>
+            <pc:docMk/>
+            <pc:sldMk cId="2385084533" sldId="291"/>
+            <ac:spMk id="4" creationId="{69952F18-D118-47A1-8EC0-C28995062AC0}"/>
+          </ac:spMkLst>
+        </pc:spChg>
+        <pc:spChg chg="add mod ord">
+          <ac:chgData name="Varun Bhaseen" userId="893d2968-a2a8-4354-b413-029750d40987" providerId="ADAL" clId="{EEE73A35-8F6F-4D8D-BE12-A830246F8371}" dt="2020-12-08T01:51:07.644" v="441" actId="20577"/>
+          <ac:spMkLst>
+            <pc:docMk/>
+            <pc:sldMk cId="2385084533" sldId="291"/>
+            <ac:spMk id="5" creationId="{B36E2C18-A2E3-47CD-BEA1-2164A25FB7D3}"/>
+          </ac:spMkLst>
+        </pc:spChg>
+        <pc:spChg chg="add mod ord">
+          <ac:chgData name="Varun Bhaseen" userId="893d2968-a2a8-4354-b413-029750d40987" providerId="ADAL" clId="{EEE73A35-8F6F-4D8D-BE12-A830246F8371}" dt="2020-12-08T01:51:43.831" v="520" actId="20577"/>
+          <ac:spMkLst>
+            <pc:docMk/>
+            <pc:sldMk cId="2385084533" sldId="291"/>
+            <ac:spMk id="6" creationId="{A4E84401-3030-489B-AE0B-E9DE6FC68F14}"/>
+          </ac:spMkLst>
+        </pc:spChg>
+      </pc:sldChg>
+      <pc:sldChg chg="addSp delSp modSp mod modClrScheme chgLayout">
+        <pc:chgData name="Varun Bhaseen" userId="893d2968-a2a8-4354-b413-029750d40987" providerId="ADAL" clId="{EEE73A35-8F6F-4D8D-BE12-A830246F8371}" dt="2020-12-08T02:09:19.506" v="527" actId="27636"/>
+        <pc:sldMkLst>
+          <pc:docMk/>
+          <pc:sldMk cId="3726870543" sldId="292"/>
+        </pc:sldMkLst>
+        <pc:spChg chg="mod ord">
+          <ac:chgData name="Varun Bhaseen" userId="893d2968-a2a8-4354-b413-029750d40987" providerId="ADAL" clId="{EEE73A35-8F6F-4D8D-BE12-A830246F8371}" dt="2020-12-08T02:09:19.506" v="527" actId="27636"/>
+          <ac:spMkLst>
+            <pc:docMk/>
+            <pc:sldMk cId="3726870543" sldId="292"/>
+            <ac:spMk id="3" creationId="{F055F83E-66F4-4A94-9345-121C15B0A2C0}"/>
+          </ac:spMkLst>
+        </pc:spChg>
+        <pc:spChg chg="add del mod">
+          <ac:chgData name="Varun Bhaseen" userId="893d2968-a2a8-4354-b413-029750d40987" providerId="ADAL" clId="{EEE73A35-8F6F-4D8D-BE12-A830246F8371}" dt="2020-12-08T02:09:13.094" v="524" actId="6264"/>
+          <ac:spMkLst>
+            <pc:docMk/>
+            <pc:sldMk cId="3726870543" sldId="292"/>
+            <ac:spMk id="6" creationId="{92E2D89F-B507-4E22-A746-D85975C59FDE}"/>
+          </ac:spMkLst>
+        </pc:spChg>
+        <pc:spChg chg="add del mod">
+          <ac:chgData name="Varun Bhaseen" userId="893d2968-a2a8-4354-b413-029750d40987" providerId="ADAL" clId="{EEE73A35-8F6F-4D8D-BE12-A830246F8371}" dt="2020-12-08T02:09:13.094" v="524" actId="6264"/>
+          <ac:spMkLst>
+            <pc:docMk/>
+            <pc:sldMk cId="3726870543" sldId="292"/>
+            <ac:spMk id="7" creationId="{B67922F6-BABB-427F-9325-13858D851C87}"/>
+          </ac:spMkLst>
+        </pc:spChg>
+        <pc:spChg chg="add del mod ord">
+          <ac:chgData name="Varun Bhaseen" userId="893d2968-a2a8-4354-b413-029750d40987" providerId="ADAL" clId="{EEE73A35-8F6F-4D8D-BE12-A830246F8371}" dt="2020-12-08T02:09:19.479" v="526" actId="700"/>
+          <ac:spMkLst>
+            <pc:docMk/>
+            <pc:sldMk cId="3726870543" sldId="292"/>
+            <ac:spMk id="8" creationId="{9CC7FED1-6FC8-4205-9C71-48FBA974F025}"/>
+          </ac:spMkLst>
+        </pc:spChg>
+        <pc:picChg chg="mod ord">
+          <ac:chgData name="Varun Bhaseen" userId="893d2968-a2a8-4354-b413-029750d40987" providerId="ADAL" clId="{EEE73A35-8F6F-4D8D-BE12-A830246F8371}" dt="2020-12-08T02:09:19.479" v="526" actId="700"/>
+          <ac:picMkLst>
+            <pc:docMk/>
+            <pc:sldMk cId="3726870543" sldId="292"/>
+            <ac:picMk id="5" creationId="{A52FD510-4737-4D51-A832-8390EE62A677}"/>
+          </ac:picMkLst>
+        </pc:picChg>
+      </pc:sldChg>
+    </pc:docChg>
+  </pc:docChgLst>
+  <pc:docChgLst>
+    <pc:chgData name="Mirsaeid Abolghasemi" userId="S::mirsaeid.abolghasemi@sjsu.edu::cbad107e-6512-447b-903e-9b50e7612f85" providerId="AD" clId="Web-{64B607B9-4BAB-F39D-2315-6290A22DC1EC}"/>
+    <pc:docChg chg="addSld modSld sldOrd">
+      <pc:chgData name="Mirsaeid Abolghasemi" userId="S::mirsaeid.abolghasemi@sjsu.edu::cbad107e-6512-447b-903e-9b50e7612f85" providerId="AD" clId="Web-{64B607B9-4BAB-F39D-2315-6290A22DC1EC}" dt="2020-12-08T04:08:14.722" v="818" actId="20577"/>
+      <pc:docMkLst>
+        <pc:docMk/>
+      </pc:docMkLst>
+      <pc:sldChg chg="addSp delSp modSp ord">
+        <pc:chgData name="Mirsaeid Abolghasemi" userId="S::mirsaeid.abolghasemi@sjsu.edu::cbad107e-6512-447b-903e-9b50e7612f85" providerId="AD" clId="Web-{64B607B9-4BAB-F39D-2315-6290A22DC1EC}" dt="2020-12-08T04:01:27.930" v="796" actId="1076"/>
+        <pc:sldMkLst>
+          <pc:docMk/>
+          <pc:sldMk cId="367749637" sldId="283"/>
+        </pc:sldMkLst>
+        <pc:spChg chg="add del mod">
+          <ac:chgData name="Mirsaeid Abolghasemi" userId="S::mirsaeid.abolghasemi@sjsu.edu::cbad107e-6512-447b-903e-9b50e7612f85" providerId="AD" clId="Web-{64B607B9-4BAB-F39D-2315-6290A22DC1EC}" dt="2020-12-08T03:59:49.209" v="793"/>
+          <ac:spMkLst>
+            <pc:docMk/>
+            <pc:sldMk cId="367749637" sldId="283"/>
+            <ac:spMk id="3" creationId="{D3BE4E9C-B306-4030-9CB9-9D060985F6CB}"/>
+          </ac:spMkLst>
+        </pc:spChg>
+        <pc:spChg chg="mod">
+          <ac:chgData name="Mirsaeid Abolghasemi" userId="S::mirsaeid.abolghasemi@sjsu.edu::cbad107e-6512-447b-903e-9b50e7612f85" providerId="AD" clId="Web-{64B607B9-4BAB-F39D-2315-6290A22DC1EC}" dt="2020-12-08T03:11:30.619" v="354" actId="20577"/>
+          <ac:spMkLst>
+            <pc:docMk/>
+            <pc:sldMk cId="367749637" sldId="283"/>
+            <ac:spMk id="4" creationId="{6826A5E1-0CCC-48C4-9672-2F0BFD07AA8A}"/>
+          </ac:spMkLst>
+        </pc:spChg>
+        <pc:spChg chg="mod">
+          <ac:chgData name="Mirsaeid Abolghasemi" userId="S::mirsaeid.abolghasemi@sjsu.edu::cbad107e-6512-447b-903e-9b50e7612f85" providerId="AD" clId="Web-{64B607B9-4BAB-F39D-2315-6290A22DC1EC}" dt="2020-12-08T01:27:46.006" v="26" actId="20577"/>
+          <ac:spMkLst>
+            <pc:docMk/>
+            <pc:sldMk cId="367749637" sldId="283"/>
+            <ac:spMk id="19" creationId="{C4DECFA7-E6D2-4B1F-9B8C-76A047B68E20}"/>
+          </ac:spMkLst>
+        </pc:spChg>
+        <pc:picChg chg="add mod ord">
+          <ac:chgData name="Mirsaeid Abolghasemi" userId="S::mirsaeid.abolghasemi@sjsu.edu::cbad107e-6512-447b-903e-9b50e7612f85" providerId="AD" clId="Web-{64B607B9-4BAB-F39D-2315-6290A22DC1EC}" dt="2020-12-08T04:01:27.930" v="796" actId="1076"/>
+          <ac:picMkLst>
+            <pc:docMk/>
+            <pc:sldMk cId="367749637" sldId="283"/>
+            <ac:picMk id="5" creationId="{F2259625-BDDC-43B2-AE94-17E1196E5F17}"/>
+          </ac:picMkLst>
+        </pc:picChg>
+        <pc:picChg chg="del">
+          <ac:chgData name="Mirsaeid Abolghasemi" userId="S::mirsaeid.abolghasemi@sjsu.edu::cbad107e-6512-447b-903e-9b50e7612f85" providerId="AD" clId="Web-{64B607B9-4BAB-F39D-2315-6290A22DC1EC}" dt="2020-12-08T03:59:35.881" v="792"/>
+          <ac:picMkLst>
+            <pc:docMk/>
+            <pc:sldMk cId="367749637" sldId="283"/>
+            <ac:picMk id="8" creationId="{5E34DB90-101B-470C-95EA-D4BBE67C8C2E}"/>
+          </ac:picMkLst>
+        </pc:picChg>
+      </pc:sldChg>
+      <pc:sldChg chg="modSp">
+        <pc:chgData name="Mirsaeid Abolghasemi" userId="S::mirsaeid.abolghasemi@sjsu.edu::cbad107e-6512-447b-903e-9b50e7612f85" providerId="AD" clId="Web-{64B607B9-4BAB-F39D-2315-6290A22DC1EC}" dt="2020-12-08T03:30:59.306" v="753" actId="20577"/>
+        <pc:sldMkLst>
+          <pc:docMk/>
+          <pc:sldMk cId="616932360" sldId="284"/>
+        </pc:sldMkLst>
+        <pc:spChg chg="mod">
+          <ac:chgData name="Mirsaeid Abolghasemi" userId="S::mirsaeid.abolghasemi@sjsu.edu::cbad107e-6512-447b-903e-9b50e7612f85" providerId="AD" clId="Web-{64B607B9-4BAB-F39D-2315-6290A22DC1EC}" dt="2020-12-08T03:11:11.291" v="349" actId="1076"/>
+          <ac:spMkLst>
+            <pc:docMk/>
+            <pc:sldMk cId="616932360" sldId="284"/>
+            <ac:spMk id="5" creationId="{0C55D05C-717C-4256-8C19-3A162F57FD0C}"/>
+          </ac:spMkLst>
+        </pc:spChg>
+        <pc:spChg chg="mod">
+          <ac:chgData name="Mirsaeid Abolghasemi" userId="S::mirsaeid.abolghasemi@sjsu.edu::cbad107e-6512-447b-903e-9b50e7612f85" providerId="AD" clId="Web-{64B607B9-4BAB-F39D-2315-6290A22DC1EC}" dt="2020-12-08T03:30:59.306" v="753" actId="20577"/>
+          <ac:spMkLst>
+            <pc:docMk/>
+            <pc:sldMk cId="616932360" sldId="284"/>
+            <ac:spMk id="6" creationId="{D67BFE4F-A0D4-4D41-AF2E-C0A647E45B45}"/>
+          </ac:spMkLst>
+        </pc:spChg>
+      </pc:sldChg>
+      <pc:sldChg chg="delSp modSp new">
+        <pc:chgData name="Mirsaeid Abolghasemi" userId="S::mirsaeid.abolghasemi@sjsu.edu::cbad107e-6512-447b-903e-9b50e7612f85" providerId="AD" clId="Web-{64B607B9-4BAB-F39D-2315-6290A22DC1EC}" dt="2020-12-08T04:08:14.722" v="818" actId="20577"/>
+        <pc:sldMkLst>
+          <pc:docMk/>
+          <pc:sldMk cId="1795105771" sldId="290"/>
+        </pc:sldMkLst>
+        <pc:spChg chg="mod">
+          <ac:chgData name="Mirsaeid Abolghasemi" userId="S::mirsaeid.abolghasemi@sjsu.edu::cbad107e-6512-447b-903e-9b50e7612f85" providerId="AD" clId="Web-{64B607B9-4BAB-F39D-2315-6290A22DC1EC}" dt="2020-12-08T04:08:14.722" v="818" actId="20577"/>
+          <ac:spMkLst>
+            <pc:docMk/>
+            <pc:sldMk cId="1795105771" sldId="290"/>
+            <ac:spMk id="2" creationId="{DD73F764-834E-4E6A-A97F-C8DFF575B073}"/>
+          </ac:spMkLst>
+        </pc:spChg>
+        <pc:spChg chg="mod">
+          <ac:chgData name="Mirsaeid Abolghasemi" userId="S::mirsaeid.abolghasemi@sjsu.edu::cbad107e-6512-447b-903e-9b50e7612f85" providerId="AD" clId="Web-{64B607B9-4BAB-F39D-2315-6290A22DC1EC}" dt="2020-12-08T04:07:38.971" v="813" actId="20577"/>
+          <ac:spMkLst>
+            <pc:docMk/>
+            <pc:sldMk cId="1795105771" sldId="290"/>
+            <ac:spMk id="3" creationId="{D08929BE-5CF3-4BD9-8691-64C986660DA8}"/>
+          </ac:spMkLst>
+        </pc:spChg>
+        <pc:spChg chg="del">
+          <ac:chgData name="Mirsaeid Abolghasemi" userId="S::mirsaeid.abolghasemi@sjsu.edu::cbad107e-6512-447b-903e-9b50e7612f85" providerId="AD" clId="Web-{64B607B9-4BAB-F39D-2315-6290A22DC1EC}" dt="2020-12-08T01:44:03.063" v="78"/>
+          <ac:spMkLst>
+            <pc:docMk/>
+            <pc:sldMk cId="1795105771" sldId="290"/>
+            <ac:spMk id="4" creationId="{E87A7894-1E92-46AC-8A71-631EA99FD8C3}"/>
+          </ac:spMkLst>
+        </pc:spChg>
+      </pc:sldChg>
+      <pc:sldChg chg="addSp delSp modSp new">
+        <pc:chgData name="Mirsaeid Abolghasemi" userId="S::mirsaeid.abolghasemi@sjsu.edu::cbad107e-6512-447b-903e-9b50e7612f85" providerId="AD" clId="Web-{64B607B9-4BAB-F39D-2315-6290A22DC1EC}" dt="2020-12-08T04:06:55.345" v="797" actId="14100"/>
+        <pc:sldMkLst>
+          <pc:docMk/>
+          <pc:sldMk cId="3726870543" sldId="292"/>
+        </pc:sldMkLst>
+        <pc:spChg chg="del">
+          <ac:chgData name="Mirsaeid Abolghasemi" userId="S::mirsaeid.abolghasemi@sjsu.edu::cbad107e-6512-447b-903e-9b50e7612f85" providerId="AD" clId="Web-{64B607B9-4BAB-F39D-2315-6290A22DC1EC}" dt="2020-12-08T02:06:26.299" v="129"/>
+          <ac:spMkLst>
+            <pc:docMk/>
+            <pc:sldMk cId="3726870543" sldId="292"/>
+            <ac:spMk id="2" creationId="{56DF2615-F022-4C91-8802-F652C7AE110B}"/>
+          </ac:spMkLst>
+        </pc:spChg>
+        <pc:spChg chg="mod">
+          <ac:chgData name="Mirsaeid Abolghasemi" userId="S::mirsaeid.abolghasemi@sjsu.edu::cbad107e-6512-447b-903e-9b50e7612f85" providerId="AD" clId="Web-{64B607B9-4BAB-F39D-2315-6290A22DC1EC}" dt="2020-12-08T03:11:42.104" v="355" actId="1076"/>
+          <ac:spMkLst>
+            <pc:docMk/>
+            <pc:sldMk cId="3726870543" sldId="292"/>
+            <ac:spMk id="3" creationId="{F055F83E-66F4-4A94-9345-121C15B0A2C0}"/>
+          </ac:spMkLst>
+        </pc:spChg>
+        <pc:spChg chg="add del mod">
+          <ac:chgData name="Mirsaeid Abolghasemi" userId="S::mirsaeid.abolghasemi@sjsu.edu::cbad107e-6512-447b-903e-9b50e7612f85" providerId="AD" clId="Web-{64B607B9-4BAB-F39D-2315-6290A22DC1EC}" dt="2020-12-08T03:05:24.047" v="276"/>
+          <ac:spMkLst>
+            <pc:docMk/>
+            <pc:sldMk cId="3726870543" sldId="292"/>
+            <ac:spMk id="4" creationId="{ECCBCE68-81D6-40C2-AF7B-6589AC3F592E}"/>
+          </ac:spMkLst>
+        </pc:spChg>
+        <pc:spChg chg="del">
+          <ac:chgData name="Mirsaeid Abolghasemi" userId="S::mirsaeid.abolghasemi@sjsu.edu::cbad107e-6512-447b-903e-9b50e7612f85" providerId="AD" clId="Web-{64B607B9-4BAB-F39D-2315-6290A22DC1EC}" dt="2020-12-08T02:06:41.956" v="131"/>
+          <ac:spMkLst>
+            <pc:docMk/>
+            <pc:sldMk cId="3726870543" sldId="292"/>
+            <ac:spMk id="4" creationId="{FEF7CC43-0CDA-4F02-9AD9-B76008F7D761}"/>
+          </ac:spMkLst>
+        </pc:spChg>
+        <pc:spChg chg="add del mod">
+          <ac:chgData name="Mirsaeid Abolghasemi" userId="S::mirsaeid.abolghasemi@sjsu.edu::cbad107e-6512-447b-903e-9b50e7612f85" providerId="AD" clId="Web-{64B607B9-4BAB-F39D-2315-6290A22DC1EC}" dt="2020-12-08T02:10:49.924" v="167"/>
+          <ac:spMkLst>
+            <pc:docMk/>
+            <pc:sldMk cId="3726870543" sldId="292"/>
+            <ac:spMk id="7" creationId="{173A8E84-19B6-4F93-A9A8-19BB1C5D531A}"/>
+          </ac:spMkLst>
+        </pc:spChg>
+        <pc:picChg chg="add mod ord">
+          <ac:chgData name="Mirsaeid Abolghasemi" userId="S::mirsaeid.abolghasemi@sjsu.edu::cbad107e-6512-447b-903e-9b50e7612f85" providerId="AD" clId="Web-{64B607B9-4BAB-F39D-2315-6290A22DC1EC}" dt="2020-12-08T04:06:55.345" v="797" actId="14100"/>
+          <ac:picMkLst>
+            <pc:docMk/>
+            <pc:sldMk cId="3726870543" sldId="292"/>
+            <ac:picMk id="5" creationId="{22420DC8-96FB-4FCB-A020-C3EB15668600}"/>
+          </ac:picMkLst>
+        </pc:picChg>
+        <pc:picChg chg="add del mod ord">
+          <ac:chgData name="Mirsaeid Abolghasemi" userId="S::mirsaeid.abolghasemi@sjsu.edu::cbad107e-6512-447b-903e-9b50e7612f85" providerId="AD" clId="Web-{64B607B9-4BAB-F39D-2315-6290A22DC1EC}" dt="2020-12-08T02:10:37.751" v="166"/>
+          <ac:picMkLst>
+            <pc:docMk/>
+            <pc:sldMk cId="3726870543" sldId="292"/>
+            <ac:picMk id="5" creationId="{A52FD510-4737-4D51-A832-8390EE62A677}"/>
+          </ac:picMkLst>
+        </pc:picChg>
+        <pc:picChg chg="add del mod ord">
+          <ac:chgData name="Mirsaeid Abolghasemi" userId="S::mirsaeid.abolghasemi@sjsu.edu::cbad107e-6512-447b-903e-9b50e7612f85" providerId="AD" clId="Web-{64B607B9-4BAB-F39D-2315-6290A22DC1EC}" dt="2020-12-08T03:05:13.500" v="275"/>
+          <ac:picMkLst>
+            <pc:docMk/>
+            <pc:sldMk cId="3726870543" sldId="292"/>
+            <ac:picMk id="9" creationId="{FBFE7D48-C05C-4895-8301-6C5069CAAE86}"/>
+          </ac:picMkLst>
+        </pc:picChg>
+      </pc:sldChg>
+      <pc:sldChg chg="addSp delSp modSp add replId">
+        <pc:chgData name="Mirsaeid Abolghasemi" userId="S::mirsaeid.abolghasemi@sjsu.edu::cbad107e-6512-447b-903e-9b50e7612f85" providerId="AD" clId="Web-{64B607B9-4BAB-F39D-2315-6290A22DC1EC}" dt="2020-12-08T03:41:56.354" v="778" actId="20577"/>
+        <pc:sldMkLst>
+          <pc:docMk/>
+          <pc:sldMk cId="1329679889" sldId="293"/>
+        </pc:sldMkLst>
+        <pc:spChg chg="add mod">
+          <ac:chgData name="Mirsaeid Abolghasemi" userId="S::mirsaeid.abolghasemi@sjsu.edu::cbad107e-6512-447b-903e-9b50e7612f85" providerId="AD" clId="Web-{64B607B9-4BAB-F39D-2315-6290A22DC1EC}" dt="2020-12-08T03:07:41.629" v="292" actId="14100"/>
+          <ac:spMkLst>
+            <pc:docMk/>
+            <pc:sldMk cId="1329679889" sldId="293"/>
+            <ac:spMk id="2" creationId="{DFFAB23C-623E-437D-ACC0-99DE8610E9B7}"/>
+          </ac:spMkLst>
+        </pc:spChg>
+        <pc:spChg chg="mod">
+          <ac:chgData name="Mirsaeid Abolghasemi" userId="S::mirsaeid.abolghasemi@sjsu.edu::cbad107e-6512-447b-903e-9b50e7612f85" providerId="AD" clId="Web-{64B607B9-4BAB-F39D-2315-6290A22DC1EC}" dt="2020-12-08T03:41:56.354" v="778" actId="20577"/>
+          <ac:spMkLst>
+            <pc:docMk/>
+            <pc:sldMk cId="1329679889" sldId="293"/>
+            <ac:spMk id="5" creationId="{0C55D05C-717C-4256-8C19-3A162F57FD0C}"/>
+          </ac:spMkLst>
+        </pc:spChg>
+        <pc:spChg chg="mod">
+          <ac:chgData name="Mirsaeid Abolghasemi" userId="S::mirsaeid.abolghasemi@sjsu.edu::cbad107e-6512-447b-903e-9b50e7612f85" providerId="AD" clId="Web-{64B607B9-4BAB-F39D-2315-6290A22DC1EC}" dt="2020-12-08T03:18:33.067" v="589" actId="20577"/>
+          <ac:spMkLst>
+            <pc:docMk/>
+            <pc:sldMk cId="1329679889" sldId="293"/>
+            <ac:spMk id="6" creationId="{D67BFE4F-A0D4-4D41-AF2E-C0A647E45B45}"/>
+          </ac:spMkLst>
+        </pc:spChg>
+        <pc:spChg chg="mod">
+          <ac:chgData name="Mirsaeid Abolghasemi" userId="S::mirsaeid.abolghasemi@sjsu.edu::cbad107e-6512-447b-903e-9b50e7612f85" providerId="AD" clId="Web-{64B607B9-4BAB-F39D-2315-6290A22DC1EC}" dt="2020-12-08T03:10:09.055" v="348" actId="14100"/>
+          <ac:spMkLst>
+            <pc:docMk/>
+            <pc:sldMk cId="1329679889" sldId="293"/>
+            <ac:spMk id="7" creationId="{92F39675-07DF-4716-85F2-83DF37218784}"/>
+          </ac:spMkLst>
+        </pc:spChg>
+        <pc:spChg chg="del">
+          <ac:chgData name="Mirsaeid Abolghasemi" userId="S::mirsaeid.abolghasemi@sjsu.edu::cbad107e-6512-447b-903e-9b50e7612f85" providerId="AD" clId="Web-{64B607B9-4BAB-F39D-2315-6290A22DC1EC}" dt="2020-12-08T03:06:37.377" v="281"/>
+          <ac:spMkLst>
+            <pc:docMk/>
+            <pc:sldMk cId="1329679889" sldId="293"/>
+            <ac:spMk id="8" creationId="{DB38A6BE-7593-4093-B180-F237970DE530}"/>
+          </ac:spMkLst>
+        </pc:spChg>
+      </pc:sldChg>
+    </pc:docChg>
+  </pc:docChgLst>
+  <pc:docChgLst>
+    <pc:chgData name="Guest User" userId="S::urn:spo:anon#2f5923b33bd9d5063e8f78f18b22d65e855431465b2635b558dd1ccc8544538e::" providerId="AD" clId="Web-{CEE024A2-4CF9-D598-5109-264CC858F206}"/>
+    <pc:docChg chg="addSld modSld">
+      <pc:chgData name="Guest User" userId="S::urn:spo:anon#2f5923b33bd9d5063e8f78f18b22d65e855431465b2635b558dd1ccc8544538e::" providerId="AD" clId="Web-{CEE024A2-4CF9-D598-5109-264CC858F206}" dt="2020-12-08T03:55:44.312" v="55" actId="14100"/>
+      <pc:docMkLst>
+        <pc:docMk/>
+      </pc:docMkLst>
+      <pc:sldChg chg="addSp modSp new">
+        <pc:chgData name="Guest User" userId="S::urn:spo:anon#2f5923b33bd9d5063e8f78f18b22d65e855431465b2635b558dd1ccc8544538e::" providerId="AD" clId="Web-{CEE024A2-4CF9-D598-5109-264CC858F206}" dt="2020-12-08T03:55:44.312" v="55" actId="14100"/>
+        <pc:sldMkLst>
+          <pc:docMk/>
+          <pc:sldMk cId="1973050822" sldId="294"/>
+        </pc:sldMkLst>
+        <pc:spChg chg="mod">
+          <ac:chgData name="Guest User" userId="S::urn:spo:anon#2f5923b33bd9d5063e8f78f18b22d65e855431465b2635b558dd1ccc8544538e::" providerId="AD" clId="Web-{CEE024A2-4CF9-D598-5109-264CC858F206}" dt="2020-12-08T03:46:45.363" v="43" actId="20577"/>
+          <ac:spMkLst>
+            <pc:docMk/>
+            <pc:sldMk cId="1973050822" sldId="294"/>
+            <ac:spMk id="2" creationId="{558EED3B-F77A-425D-BC6C-8D7ADFE61985}"/>
+          </ac:spMkLst>
+        </pc:spChg>
+        <pc:picChg chg="add mod">
+          <ac:chgData name="Guest User" userId="S::urn:spo:anon#2f5923b33bd9d5063e8f78f18b22d65e855431465b2635b558dd1ccc8544538e::" providerId="AD" clId="Web-{CEE024A2-4CF9-D598-5109-264CC858F206}" dt="2020-12-08T03:55:34.171" v="52" actId="14100"/>
+          <ac:picMkLst>
+            <pc:docMk/>
+            <pc:sldMk cId="1973050822" sldId="294"/>
+            <ac:picMk id="4" creationId="{51BFD076-74B3-44A9-9EC1-0ACB55030125}"/>
+          </ac:picMkLst>
+        </pc:picChg>
+        <pc:picChg chg="add mod">
+          <ac:chgData name="Guest User" userId="S::urn:spo:anon#2f5923b33bd9d5063e8f78f18b22d65e855431465b2635b558dd1ccc8544538e::" providerId="AD" clId="Web-{CEE024A2-4CF9-D598-5109-264CC858F206}" dt="2020-12-08T03:55:44.312" v="55" actId="14100"/>
+          <ac:picMkLst>
+            <pc:docMk/>
+            <pc:sldMk cId="1973050822" sldId="294"/>
+            <ac:picMk id="5" creationId="{1DFF0103-0B46-4F6B-8DA8-13AA7B64D439}"/>
+          </ac:picMkLst>
+        </pc:picChg>
+      </pc:sldChg>
+    </pc:docChg>
+  </pc:docChgLst>
   <pc:docChgLst>
     <pc:chgData name="Varun Bhaseen" userId="915dde25618e8deb" providerId="LiveId" clId="{190E8527-D680-4A17-8008-AF91859D5B46}"/>
     <pc:docChg chg="undo custSel addSld modSld sldOrd">
@@ -6109,7 +6618,7 @@
         <a:lstStyle/>
         <a:p>
           <a:r>
-            <a:rPr lang="en-US" dirty="0"/>
+            <a:rPr lang="en-US"/>
             <a:t>There are often different and sometimes conflicting objectives which we want to optimize for. For example, we may want to recommend videos that users rate highly and share with their friends, in addition to watching</a:t>
           </a:r>
         </a:p>
@@ -6145,7 +6654,7 @@
         <a:lstStyle/>
         <a:p>
           <a:r>
-            <a:rPr lang="en-US" dirty="0"/>
+            <a:rPr lang="en-US"/>
             <a:t>There is often implicit bias in the system. For example, a user might have clicked and watched a video simply because it was being ranked high, not because it was the one that the user liked the most. Therefore, models trained using data generated from the current system will be biased, causing a feedback loop</a:t>
           </a:r>
         </a:p>
@@ -6181,7 +6690,7 @@
         <a:lstStyle/>
         <a:p>
           <a:r>
-            <a:rPr lang="en-US" dirty="0"/>
+            <a:rPr lang="en-US"/>
             <a:t>Another main challenge of recommendation systems is scalability.</a:t>
           </a:r>
         </a:p>
@@ -6289,7 +6798,7 @@
         <a:lstStyle/>
         <a:p>
           <a:r>
-            <a:rPr lang="en-US" dirty="0"/>
+            <a:rPr lang="en-US"/>
             <a:t>Candidate List</a:t>
           </a:r>
         </a:p>
@@ -6325,7 +6834,7 @@
         <a:lstStyle/>
         <a:p>
           <a:r>
-            <a:rPr lang="en-US" dirty="0"/>
+            <a:rPr lang="en-US"/>
             <a:t>Ranking Generation</a:t>
           </a:r>
         </a:p>
@@ -6356,6 +6865,13 @@
     <dgm:pt modelId="{4718CFD1-F3A9-4446-8E47-6D8E34A7480B}">
       <dgm:prSet phldrT="[Text]"/>
       <dgm:spPr/>
+      <dgm:t>
+        <a:bodyPr/>
+        <a:lstStyle/>
+        <a:p>
+          <a:endParaRPr lang="en-US"/>
+        </a:p>
+      </dgm:t>
     </dgm:pt>
     <dgm:pt modelId="{10BCDAA8-27D1-4CDA-AF30-EBBBC8421061}" type="parTrans" cxnId="{25EBB855-0BF1-4108-BF44-35DE2E68EAD4}">
       <dgm:prSet/>
@@ -6387,7 +6903,11 @@
         <a:lstStyle/>
         <a:p>
           <a:r>
-            <a:rPr lang="en-US" dirty="0"/>
+            <a:rPr lang="en-US">
+              <a:solidFill>
+                <a:schemeClr val="bg1"/>
+              </a:solidFill>
+            </a:rPr>
             <a:t>Potential candidates using Cosine Similarity</a:t>
           </a:r>
         </a:p>
@@ -6423,7 +6943,11 @@
         <a:lstStyle/>
         <a:p>
           <a:r>
-            <a:rPr lang="en-US" dirty="0"/>
+            <a:rPr lang="en-US">
+              <a:solidFill>
+                <a:schemeClr val="bg1"/>
+              </a:solidFill>
+            </a:rPr>
             <a:t>Content Based</a:t>
           </a:r>
         </a:p>
@@ -6459,7 +6983,11 @@
         <a:lstStyle/>
         <a:p>
           <a:r>
-            <a:rPr lang="en-US" dirty="0"/>
+            <a:rPr lang="en-US">
+              <a:solidFill>
+                <a:schemeClr val="bg1"/>
+              </a:solidFill>
+            </a:rPr>
             <a:t>Query Entered from user</a:t>
           </a:r>
         </a:p>
@@ -6495,15 +7023,27 @@
         <a:lstStyle/>
         <a:p>
           <a:r>
-            <a:rPr lang="en-US" dirty="0"/>
+            <a:rPr lang="en-US">
+              <a:solidFill>
+                <a:schemeClr val="bg1"/>
+              </a:solidFill>
+            </a:rPr>
             <a:t>Using </a:t>
           </a:r>
           <a:r>
-            <a:rPr lang="en-US" dirty="0" err="1"/>
+            <a:rPr lang="en-US" err="1">
+              <a:solidFill>
+                <a:schemeClr val="bg1"/>
+              </a:solidFill>
+            </a:rPr>
             <a:t>MMoE</a:t>
           </a:r>
           <a:r>
-            <a:rPr lang="en-US" dirty="0"/>
+            <a:rPr lang="en-US">
+              <a:solidFill>
+                <a:schemeClr val="bg1"/>
+              </a:solidFill>
+            </a:rPr>
             <a:t> to support two objectives</a:t>
           </a:r>
         </a:p>
@@ -6539,7 +7079,11 @@
         <a:lstStyle/>
         <a:p>
           <a:r>
-            <a:rPr lang="en-US" dirty="0"/>
+            <a:rPr lang="en-US">
+              <a:solidFill>
+                <a:schemeClr val="bg1"/>
+              </a:solidFill>
+            </a:rPr>
             <a:t>Satisfaction Score</a:t>
           </a:r>
         </a:p>
@@ -6575,7 +7119,11 @@
         <a:lstStyle/>
         <a:p>
           <a:r>
-            <a:rPr lang="en-US" dirty="0"/>
+            <a:rPr lang="en-US">
+              <a:solidFill>
+                <a:schemeClr val="bg1"/>
+              </a:solidFill>
+            </a:rPr>
             <a:t>Engagement Score</a:t>
           </a:r>
         </a:p>
@@ -6735,9 +7283,20 @@
         <a:bodyPr/>
         <a:lstStyle/>
         <a:p>
+          <a:pPr rtl="0"/>
           <a:r>
-            <a:rPr lang="en-US" dirty="0"/>
-            <a:t>Using Cosine Similarity to generate candidate list</a:t>
+            <a:rPr lang="en-US"/>
+            <a:t>Using </a:t>
+          </a:r>
+          <a:r>
+            <a:rPr lang="en-US">
+              <a:latin typeface="Calibri"/>
+            </a:rPr>
+            <a:t>Content based approach</a:t>
+          </a:r>
+          <a:r>
+            <a:rPr lang="en-US"/>
+            <a:t> to generate candidate list</a:t>
           </a:r>
         </a:p>
       </dgm:t>
@@ -6771,10 +7330,28 @@
         <a:bodyPr/>
         <a:lstStyle/>
         <a:p>
+          <a:pPr rtl="0"/>
           <a:r>
-            <a:rPr lang="en-US" dirty="0"/>
-            <a:t>At the candidate generation stage, we retrieve a few hundred candidates from a huge corpus. Our ranking system provides a score for each candidate and generates the final ranked list. </a:t>
+            <a:rPr lang="en-US"/>
+            <a:t>At the candidate generation stage, we retrieve </a:t>
           </a:r>
+          <a:r>
+            <a:rPr lang="en-US">
+              <a:latin typeface="Calibri"/>
+            </a:rPr>
+            <a:t>50 candidates </a:t>
+          </a:r>
+          <a:r>
+            <a:rPr lang="en-US"/>
+            <a:t>from a huge corpus. Our ranking system provides a score for each candidate and generates the final ranked list.</a:t>
+          </a:r>
+          <a:r>
+            <a:rPr lang="en-US">
+              <a:latin typeface="Calibri"/>
+            </a:rPr>
+            <a:t> </a:t>
+          </a:r>
+          <a:endParaRPr lang="en-US"/>
         </a:p>
       </dgm:t>
     </dgm:pt>
@@ -6807,10 +7384,18 @@
         <a:bodyPr/>
         <a:lstStyle/>
         <a:p>
+          <a:pPr rtl="0"/>
           <a:r>
-            <a:rPr lang="en-US" dirty="0"/>
-            <a:t>At the end, all candidates are pooled into a set and subsequently scored by the ranking system. </a:t>
+            <a:rPr lang="en-US"/>
+            <a:t>At the end, all candidates are pooled into a set and subsequently scored by the ranking system.</a:t>
           </a:r>
+          <a:r>
+            <a:rPr lang="en-US">
+              <a:latin typeface="Calibri"/>
+            </a:rPr>
+            <a:t> </a:t>
+          </a:r>
+          <a:endParaRPr lang="en-US"/>
         </a:p>
       </dgm:t>
     </dgm:pt>
@@ -6975,7 +7560,7 @@
         <a:bodyPr/>
         <a:lstStyle/>
         <a:p>
-          <a:endParaRPr lang="en-US" dirty="0">
+          <a:endParaRPr lang="en-US">
             <a:solidFill>
               <a:schemeClr val="accent4">
                 <a:lumMod val="75000"/>
@@ -7437,7 +8022,7 @@
         <a:lstStyle/>
         <a:p>
           <a:r>
-            <a:rPr lang="en-US" dirty="0"/>
+            <a:rPr lang="en-US"/>
             <a:t>Model Deployment</a:t>
           </a:r>
         </a:p>
@@ -7473,7 +8058,7 @@
         <a:lstStyle/>
         <a:p>
           <a:r>
-            <a:rPr lang="en-US" dirty="0"/>
+            <a:rPr lang="en-US"/>
             <a:t>Web Application</a:t>
           </a:r>
         </a:p>
@@ -7509,7 +8094,7 @@
         <a:lstStyle/>
         <a:p>
           <a:r>
-            <a:rPr lang="en-US" dirty="0"/>
+            <a:rPr lang="en-US"/>
             <a:t>Challenge: Bad Data</a:t>
           </a:r>
         </a:p>
@@ -7545,7 +8130,7 @@
         <a:lstStyle/>
         <a:p>
           <a:r>
-            <a:rPr lang="en-US" dirty="0"/>
+            <a:rPr lang="en-US"/>
             <a:t>Challenge: Cold Start</a:t>
           </a:r>
         </a:p>
@@ -7668,11 +8253,11 @@
         <a:lstStyle/>
         <a:p>
           <a:r>
-            <a:rPr lang="en-US" dirty="0" err="1"/>
+            <a:rPr lang="en-US" err="1"/>
             <a:t>ExampleGen</a:t>
           </a:r>
           <a:r>
-            <a:rPr lang="en-US" dirty="0"/>
+            <a:rPr lang="en-US"/>
             <a:t> ingests and splits the input dataset.</a:t>
           </a:r>
         </a:p>
@@ -7704,30 +8289,37 @@
       <dgm:prSet>
         <dgm:style>
           <a:lnRef idx="0">
-            <a:schemeClr val="accent4"/>
+            <a:scrgbClr r="0" g="0" b="0"/>
           </a:lnRef>
-          <a:fillRef idx="3">
-            <a:schemeClr val="accent4"/>
+          <a:fillRef idx="0">
+            <a:scrgbClr r="0" g="0" b="0"/>
           </a:fillRef>
-          <a:effectRef idx="3">
-            <a:schemeClr val="accent4"/>
+          <a:effectRef idx="0">
+            <a:scrgbClr r="0" g="0" b="0"/>
           </a:effectRef>
           <a:fontRef idx="minor">
             <a:schemeClr val="lt1"/>
           </a:fontRef>
         </dgm:style>
       </dgm:prSet>
-      <dgm:spPr/>
+      <dgm:spPr>
+        <a:solidFill>
+          <a:schemeClr val="accent5"/>
+        </a:solidFill>
+        <a:ln>
+          <a:noFill/>
+        </a:ln>
+      </dgm:spPr>
       <dgm:t>
         <a:bodyPr/>
         <a:lstStyle/>
         <a:p>
           <a:r>
-            <a:rPr lang="en-US" dirty="0" err="1"/>
+            <a:rPr lang="en-US" err="1"/>
             <a:t>StatisticsGen</a:t>
           </a:r>
           <a:r>
-            <a:rPr lang="en-US" dirty="0"/>
+            <a:rPr lang="en-US"/>
             <a:t> calculates statistics for the dataset.</a:t>
           </a:r>
         </a:p>
@@ -7778,11 +8370,11 @@
         <a:lstStyle/>
         <a:p>
           <a:r>
-            <a:rPr lang="en-US" dirty="0" err="1"/>
+            <a:rPr lang="en-US" err="1"/>
             <a:t>SchemaGen</a:t>
           </a:r>
           <a:r>
-            <a:rPr lang="en-US" dirty="0"/>
+            <a:rPr lang="en-US"/>
             <a:t> examines the statistics and creates a data schema.</a:t>
           </a:r>
         </a:p>
@@ -7833,7 +8425,7 @@
         <a:lstStyle/>
         <a:p>
           <a:r>
-            <a:rPr lang="en-US" dirty="0"/>
+            <a:rPr lang="en-US"/>
             <a:t>ExampleValidator looks for anomalies and missing values in the dataset.</a:t>
           </a:r>
         </a:p>
@@ -7869,7 +8461,7 @@
         <a:lstStyle/>
         <a:p>
           <a:r>
-            <a:rPr lang="en-US" dirty="0"/>
+            <a:rPr lang="en-US"/>
             <a:t>Transform performs feature engineering on the dataset.</a:t>
           </a:r>
         </a:p>
@@ -7905,7 +8497,7 @@
         <a:lstStyle/>
         <a:p>
           <a:r>
-            <a:rPr lang="en-US" dirty="0"/>
+            <a:rPr lang="en-US"/>
             <a:t>Trainer trains the model using TensorFlow Estimators or Keras.</a:t>
           </a:r>
         </a:p>
@@ -7941,7 +8533,7 @@
         <a:lstStyle/>
         <a:p>
           <a:r>
-            <a:rPr lang="en-US" dirty="0"/>
+            <a:rPr lang="en-US"/>
             <a:t>Evaluator performs deep analysis of the training results.</a:t>
           </a:r>
         </a:p>
@@ -7977,11 +8569,11 @@
         <a:lstStyle/>
         <a:p>
           <a:r>
-            <a:rPr lang="en-US" dirty="0" err="1"/>
+            <a:rPr lang="en-US" err="1"/>
             <a:t>InfraValidator</a:t>
           </a:r>
           <a:r>
-            <a:rPr lang="en-US" dirty="0"/>
+            <a:rPr lang="en-US"/>
             <a:t> checks the model is actually servable from the infrastructure, and prevents bad model from being pushed.</a:t>
           </a:r>
         </a:p>
@@ -8017,7 +8609,7 @@
         <a:lstStyle/>
         <a:p>
           <a:r>
-            <a:rPr lang="en-US" dirty="0"/>
+            <a:rPr lang="en-US"/>
             <a:t>Pusher deploys the model to a serving infrastructure.</a:t>
           </a:r>
         </a:p>
@@ -8053,19 +8645,19 @@
         <a:lstStyle/>
         <a:p>
           <a:r>
-            <a:rPr lang="en-US" dirty="0" err="1"/>
+            <a:rPr lang="en-US" err="1"/>
             <a:t>BulkInferrer</a:t>
           </a:r>
           <a:r>
-            <a:rPr lang="en-US" dirty="0"/>
+            <a:rPr lang="en-US"/>
             <a:t> batch inference on the model with </a:t>
           </a:r>
           <a:r>
-            <a:rPr lang="en-US" dirty="0" err="1"/>
+            <a:rPr lang="en-US" err="1"/>
             <a:t>unlabelled</a:t>
           </a:r>
           <a:r>
-            <a:rPr lang="en-US" dirty="0"/>
+            <a:rPr lang="en-US"/>
             <a:t> examples.</a:t>
           </a:r>
         </a:p>
@@ -8101,7 +8693,7 @@
         <a:lstStyle/>
         <a:p>
           <a:r>
-            <a:rPr lang="en-US" dirty="0"/>
+            <a:rPr lang="en-US"/>
             <a:t>TensorFlow Serving for serving.</a:t>
           </a:r>
         </a:p>
@@ -8415,7 +9007,7 @@
         <a:lstStyle/>
         <a:p>
           <a:r>
-            <a:rPr lang="en-US" dirty="0"/>
+            <a:rPr lang="en-US"/>
             <a:t>Trello Board for Project Management</a:t>
           </a:r>
         </a:p>
@@ -8451,7 +9043,7 @@
         <a:lstStyle/>
         <a:p>
           <a:r>
-            <a:rPr lang="en-US" dirty="0"/>
+            <a:rPr lang="en-US"/>
             <a:t>Google Drive for Content Sharing</a:t>
           </a:r>
         </a:p>
@@ -8487,7 +9079,7 @@
         <a:lstStyle/>
         <a:p>
           <a:r>
-            <a:rPr lang="en-US" dirty="0"/>
+            <a:rPr lang="en-US"/>
             <a:t>Zoom for Meeting</a:t>
           </a:r>
         </a:p>
@@ -8751,7 +9343,7 @@
             <a:buNone/>
           </a:pPr>
           <a:r>
-            <a:rPr lang="en-US" sz="2500" kern="1200" dirty="0"/>
+            <a:rPr lang="en-US" sz="2500" kern="1200"/>
             <a:t>There are often different and sometimes conflicting objectives which we want to optimize for. For example, we may want to recommend videos that users rate highly and share with their friends, in addition to watching</a:t>
           </a:r>
         </a:p>
@@ -8828,7 +9420,7 @@
             <a:buNone/>
           </a:pPr>
           <a:r>
-            <a:rPr lang="en-US" sz="2500" kern="1200" dirty="0"/>
+            <a:rPr lang="en-US" sz="2500" kern="1200"/>
             <a:t>There is often implicit bias in the system. For example, a user might have clicked and watched a video simply because it was being ranked high, not because it was the one that the user liked the most. Therefore, models trained using data generated from the current system will be biased, causing a feedback loop</a:t>
           </a:r>
         </a:p>
@@ -8905,7 +9497,7 @@
             <a:buNone/>
           </a:pPr>
           <a:r>
-            <a:rPr lang="en-US" sz="2500" kern="1200" dirty="0"/>
+            <a:rPr lang="en-US" sz="2500" kern="1200"/>
             <a:t>Another main challenge of recommendation systems is scalability.</a:t>
           </a:r>
         </a:p>
@@ -9078,7 +9670,11 @@
             <a:buNone/>
           </a:pPr>
           <a:r>
-            <a:rPr lang="en-US" sz="2600" kern="1200" dirty="0"/>
+            <a:rPr lang="en-US" sz="2600" kern="1200">
+              <a:solidFill>
+                <a:schemeClr val="bg1"/>
+              </a:solidFill>
+            </a:rPr>
             <a:t>Query Entered from user</a:t>
           </a:r>
         </a:p>
@@ -9096,7 +9692,11 @@
             <a:buNone/>
           </a:pPr>
           <a:r>
-            <a:rPr lang="en-US" sz="2600" kern="1200" dirty="0"/>
+            <a:rPr lang="en-US" sz="2600" kern="1200">
+              <a:solidFill>
+                <a:schemeClr val="bg1"/>
+              </a:solidFill>
+            </a:rPr>
             <a:t>Potential candidates using Cosine Similarity</a:t>
           </a:r>
         </a:p>
@@ -9114,7 +9714,11 @@
             <a:buNone/>
           </a:pPr>
           <a:r>
-            <a:rPr lang="en-US" sz="2600" kern="1200" dirty="0"/>
+            <a:rPr lang="en-US" sz="2600" kern="1200">
+              <a:solidFill>
+                <a:schemeClr val="bg1"/>
+              </a:solidFill>
+            </a:rPr>
             <a:t>Content Based</a:t>
           </a:r>
         </a:p>
@@ -9175,15 +9779,27 @@
             <a:buNone/>
           </a:pPr>
           <a:r>
-            <a:rPr lang="en-US" sz="2600" kern="1200" dirty="0"/>
+            <a:rPr lang="en-US" sz="2600" kern="1200">
+              <a:solidFill>
+                <a:schemeClr val="bg1"/>
+              </a:solidFill>
+            </a:rPr>
             <a:t>Using </a:t>
           </a:r>
           <a:r>
-            <a:rPr lang="en-US" sz="2600" kern="1200" dirty="0" err="1"/>
+            <a:rPr lang="en-US" sz="2600" kern="1200" err="1">
+              <a:solidFill>
+                <a:schemeClr val="bg1"/>
+              </a:solidFill>
+            </a:rPr>
             <a:t>MMoE</a:t>
           </a:r>
           <a:r>
-            <a:rPr lang="en-US" sz="2600" kern="1200" dirty="0"/>
+            <a:rPr lang="en-US" sz="2600" kern="1200">
+              <a:solidFill>
+                <a:schemeClr val="bg1"/>
+              </a:solidFill>
+            </a:rPr>
             <a:t> to support two objectives</a:t>
           </a:r>
         </a:p>
@@ -9201,7 +9817,11 @@
             <a:buNone/>
           </a:pPr>
           <a:r>
-            <a:rPr lang="en-US" sz="2600" kern="1200" dirty="0"/>
+            <a:rPr lang="en-US" sz="2600" kern="1200">
+              <a:solidFill>
+                <a:schemeClr val="bg1"/>
+              </a:solidFill>
+            </a:rPr>
             <a:t>Satisfaction Score</a:t>
           </a:r>
         </a:p>
@@ -9219,7 +9839,11 @@
             <a:buNone/>
           </a:pPr>
           <a:r>
-            <a:rPr lang="en-US" sz="2600" kern="1200" dirty="0"/>
+            <a:rPr lang="en-US" sz="2600" kern="1200">
+              <a:solidFill>
+                <a:schemeClr val="bg1"/>
+              </a:solidFill>
+            </a:rPr>
             <a:t>Engagement Score</a:t>
           </a:r>
         </a:p>
@@ -9298,7 +9922,7 @@
             <a:buNone/>
           </a:pPr>
           <a:r>
-            <a:rPr lang="en-US" sz="2200" kern="1200" dirty="0"/>
+            <a:rPr lang="en-US" sz="2200" kern="1200"/>
             <a:t>Candidate List</a:t>
           </a:r>
         </a:p>
@@ -9377,7 +10001,7 @@
             <a:buNone/>
           </a:pPr>
           <a:r>
-            <a:rPr lang="en-US" sz="2200" kern="1200" dirty="0"/>
+            <a:rPr lang="en-US" sz="2200" kern="1200"/>
             <a:t>Ranking Generation</a:t>
           </a:r>
         </a:p>
@@ -9498,7 +10122,7 @@
         </a:bodyPr>
         <a:lstStyle/>
         <a:p>
-          <a:pPr marL="0" lvl="0" indent="0" algn="l" defTabSz="889000">
+          <a:pPr marL="0" lvl="0" indent="0" algn="l" defTabSz="889000" rtl="0">
             <a:lnSpc>
               <a:spcPct val="90000"/>
             </a:lnSpc>
@@ -9511,8 +10135,18 @@
             <a:buNone/>
           </a:pPr>
           <a:r>
-            <a:rPr lang="en-US" sz="2000" kern="1200" dirty="0"/>
-            <a:t>Using Cosine Similarity to generate candidate list</a:t>
+            <a:rPr lang="en-US" sz="2000" kern="1200"/>
+            <a:t>Using </a:t>
+          </a:r>
+          <a:r>
+            <a:rPr lang="en-US" sz="2000" kern="1200">
+              <a:latin typeface="Calibri"/>
+            </a:rPr>
+            <a:t>Content based approach</a:t>
+          </a:r>
+          <a:r>
+            <a:rPr lang="en-US" sz="2000" kern="1200"/>
+            <a:t> to generate candidate list</a:t>
           </a:r>
         </a:p>
       </dsp:txBody>
@@ -9622,7 +10256,7 @@
         </a:bodyPr>
         <a:lstStyle/>
         <a:p>
-          <a:pPr marL="0" lvl="0" indent="0" algn="l" defTabSz="889000">
+          <a:pPr marL="0" lvl="0" indent="0" algn="l" defTabSz="889000" rtl="0">
             <a:lnSpc>
               <a:spcPct val="90000"/>
             </a:lnSpc>
@@ -9635,9 +10269,26 @@
             <a:buNone/>
           </a:pPr>
           <a:r>
-            <a:rPr lang="en-US" sz="2000" kern="1200" dirty="0"/>
-            <a:t>At the candidate generation stage, we retrieve a few hundred candidates from a huge corpus. Our ranking system provides a score for each candidate and generates the final ranked list. </a:t>
+            <a:rPr lang="en-US" sz="2000" kern="1200"/>
+            <a:t>At the candidate generation stage, we retrieve </a:t>
           </a:r>
+          <a:r>
+            <a:rPr lang="en-US" sz="2000" kern="1200">
+              <a:latin typeface="Calibri"/>
+            </a:rPr>
+            <a:t>50 candidates </a:t>
+          </a:r>
+          <a:r>
+            <a:rPr lang="en-US" sz="2000" kern="1200"/>
+            <a:t>from a huge corpus. Our ranking system provides a score for each candidate and generates the final ranked list.</a:t>
+          </a:r>
+          <a:r>
+            <a:rPr lang="en-US" sz="2000" kern="1200">
+              <a:latin typeface="Calibri"/>
+            </a:rPr>
+            <a:t> </a:t>
+          </a:r>
+          <a:endParaRPr lang="en-US" sz="2000" kern="1200"/>
         </a:p>
       </dsp:txBody>
       <dsp:txXfrm>
@@ -9746,7 +10397,7 @@
         </a:bodyPr>
         <a:lstStyle/>
         <a:p>
-          <a:pPr marL="0" lvl="0" indent="0" algn="l" defTabSz="889000">
+          <a:pPr marL="0" lvl="0" indent="0" algn="l" defTabSz="889000" rtl="0">
             <a:lnSpc>
               <a:spcPct val="90000"/>
             </a:lnSpc>
@@ -9759,9 +10410,16 @@
             <a:buNone/>
           </a:pPr>
           <a:r>
-            <a:rPr lang="en-US" sz="2000" kern="1200" dirty="0"/>
-            <a:t>At the end, all candidates are pooled into a set and subsequently scored by the ranking system. </a:t>
+            <a:rPr lang="en-US" sz="2000" kern="1200"/>
+            <a:t>At the end, all candidates are pooled into a set and subsequently scored by the ranking system.</a:t>
           </a:r>
+          <a:r>
+            <a:rPr lang="en-US" sz="2000" kern="1200">
+              <a:latin typeface="Calibri"/>
+            </a:rPr>
+            <a:t> </a:t>
+          </a:r>
+          <a:endParaRPr lang="en-US" sz="2000" kern="1200"/>
         </a:p>
       </dsp:txBody>
       <dsp:txXfrm>
@@ -9979,7 +10637,7 @@
             </a:spcAft>
             <a:buNone/>
           </a:pPr>
-          <a:endParaRPr lang="en-US" sz="3100" kern="1200" dirty="0">
+          <a:endParaRPr lang="en-US" sz="3100" kern="1200">
             <a:solidFill>
               <a:schemeClr val="accent4">
                 <a:lumMod val="75000"/>
@@ -10892,7 +11550,7 @@
             <a:buNone/>
           </a:pPr>
           <a:r>
-            <a:rPr lang="en-US" sz="3500" kern="1200" dirty="0"/>
+            <a:rPr lang="en-US" sz="3500" kern="1200"/>
             <a:t>Model Deployment</a:t>
           </a:r>
         </a:p>
@@ -10910,7 +11568,7 @@
             <a:buChar char="•"/>
           </a:pPr>
           <a:r>
-            <a:rPr lang="en-US" sz="2700" kern="1200" dirty="0"/>
+            <a:rPr lang="en-US" sz="2700" kern="1200"/>
             <a:t>Challenge: Bad Data</a:t>
           </a:r>
         </a:p>
@@ -11019,7 +11677,7 @@
             <a:buNone/>
           </a:pPr>
           <a:r>
-            <a:rPr lang="en-US" sz="3500" kern="1200" dirty="0"/>
+            <a:rPr lang="en-US" sz="3500" kern="1200"/>
             <a:t>Web Application</a:t>
           </a:r>
         </a:p>
@@ -11037,7 +11695,7 @@
             <a:buChar char="•"/>
           </a:pPr>
           <a:r>
-            <a:rPr lang="en-US" sz="2700" kern="1200" dirty="0"/>
+            <a:rPr lang="en-US" sz="2700" kern="1200"/>
             <a:t>Challenge: Cold Start</a:t>
           </a:r>
         </a:p>
@@ -11152,11 +11810,11 @@
             <a:buNone/>
           </a:pPr>
           <a:r>
-            <a:rPr lang="en-US" sz="1000" kern="1200" dirty="0" err="1"/>
+            <a:rPr lang="en-US" sz="1000" kern="1200" err="1"/>
             <a:t>ExampleGen</a:t>
           </a:r>
           <a:r>
-            <a:rPr lang="en-US" sz="1000" kern="1200" dirty="0"/>
+            <a:rPr lang="en-US" sz="1000" kern="1200"/>
             <a:t> ingests and splits the input dataset.</a:t>
           </a:r>
         </a:p>
@@ -11251,60 +11909,23 @@
             <a:gd name="adj" fmla="val 10000"/>
           </a:avLst>
         </a:prstGeom>
-        <a:gradFill rotWithShape="1">
-          <a:gsLst>
-            <a:gs pos="0">
-              <a:schemeClr val="accent4">
-                <a:shade val="51000"/>
-                <a:satMod val="130000"/>
-              </a:schemeClr>
-            </a:gs>
-            <a:gs pos="80000">
-              <a:schemeClr val="accent4">
-                <a:shade val="93000"/>
-                <a:satMod val="130000"/>
-              </a:schemeClr>
-            </a:gs>
-            <a:gs pos="100000">
-              <a:schemeClr val="accent4">
-                <a:shade val="94000"/>
-                <a:satMod val="135000"/>
-              </a:schemeClr>
-            </a:gs>
-          </a:gsLst>
-          <a:lin ang="16200000" scaled="0"/>
-        </a:gradFill>
+        <a:solidFill>
+          <a:schemeClr val="accent5"/>
+        </a:solidFill>
         <a:ln>
           <a:noFill/>
         </a:ln>
-        <a:effectLst>
-          <a:outerShdw blurRad="40000" dist="23000" dir="5400000" rotWithShape="0">
-            <a:srgbClr val="000000">
-              <a:alpha val="35000"/>
-            </a:srgbClr>
-          </a:outerShdw>
-        </a:effectLst>
-        <a:scene3d>
-          <a:camera prst="orthographicFront">
-            <a:rot lat="0" lon="0" rev="0"/>
-          </a:camera>
-          <a:lightRig rig="threePt" dir="t">
-            <a:rot lat="0" lon="0" rev="1200000"/>
-          </a:lightRig>
-        </a:scene3d>
-        <a:sp3d>
-          <a:bevelT w="63500" h="25400"/>
-        </a:sp3d>
+        <a:effectLst/>
       </dsp:spPr>
       <dsp:style>
         <a:lnRef idx="0">
-          <a:schemeClr val="accent4"/>
+          <a:scrgbClr r="0" g="0" b="0"/>
         </a:lnRef>
-        <a:fillRef idx="3">
-          <a:schemeClr val="accent4"/>
+        <a:fillRef idx="0">
+          <a:scrgbClr r="0" g="0" b="0"/>
         </a:fillRef>
-        <a:effectRef idx="3">
-          <a:schemeClr val="accent4"/>
+        <a:effectRef idx="0">
+          <a:scrgbClr r="0" g="0" b="0"/>
         </a:effectRef>
         <a:fontRef idx="minor">
           <a:schemeClr val="lt1"/>
@@ -11329,11 +11950,11 @@
             <a:buNone/>
           </a:pPr>
           <a:r>
-            <a:rPr lang="en-US" sz="1000" kern="1200" dirty="0" err="1"/>
+            <a:rPr lang="en-US" sz="1000" kern="1200" err="1"/>
             <a:t>StatisticsGen</a:t>
           </a:r>
           <a:r>
-            <a:rPr lang="en-US" sz="1000" kern="1200" dirty="0"/>
+            <a:rPr lang="en-US" sz="1000" kern="1200"/>
             <a:t> calculates statistics for the dataset.</a:t>
           </a:r>
         </a:p>
@@ -11506,11 +12127,11 @@
             <a:buNone/>
           </a:pPr>
           <a:r>
-            <a:rPr lang="en-US" sz="1000" kern="1200" dirty="0" err="1"/>
+            <a:rPr lang="en-US" sz="1000" kern="1200" err="1"/>
             <a:t>SchemaGen</a:t>
           </a:r>
           <a:r>
-            <a:rPr lang="en-US" sz="1000" kern="1200" dirty="0"/>
+            <a:rPr lang="en-US" sz="1000" kern="1200"/>
             <a:t> examines the statistics and creates a data schema.</a:t>
           </a:r>
         </a:p>
@@ -11683,7 +12304,7 @@
             <a:buNone/>
           </a:pPr>
           <a:r>
-            <a:rPr lang="en-US" sz="1000" kern="1200" dirty="0"/>
+            <a:rPr lang="en-US" sz="1000" kern="1200"/>
             <a:t>ExampleValidator looks for anomalies and missing values in the dataset.</a:t>
           </a:r>
         </a:p>
@@ -11832,7 +12453,7 @@
             <a:buNone/>
           </a:pPr>
           <a:r>
-            <a:rPr lang="en-US" sz="1000" kern="1200" dirty="0"/>
+            <a:rPr lang="en-US" sz="1000" kern="1200"/>
             <a:t>Transform performs feature engineering on the dataset.</a:t>
           </a:r>
         </a:p>
@@ -11981,7 +12602,7 @@
             <a:buNone/>
           </a:pPr>
           <a:r>
-            <a:rPr lang="en-US" sz="1000" kern="1200" dirty="0"/>
+            <a:rPr lang="en-US" sz="1000" kern="1200"/>
             <a:t>Trainer trains the model using TensorFlow Estimators or Keras.</a:t>
           </a:r>
         </a:p>
@@ -12130,7 +12751,7 @@
             <a:buNone/>
           </a:pPr>
           <a:r>
-            <a:rPr lang="en-US" sz="1000" kern="1200" dirty="0"/>
+            <a:rPr lang="en-US" sz="1000" kern="1200"/>
             <a:t>Evaluator performs deep analysis of the training results.</a:t>
           </a:r>
         </a:p>
@@ -12279,11 +12900,11 @@
             <a:buNone/>
           </a:pPr>
           <a:r>
-            <a:rPr lang="en-US" sz="1000" kern="1200" dirty="0" err="1"/>
+            <a:rPr lang="en-US" sz="1000" kern="1200" err="1"/>
             <a:t>InfraValidator</a:t>
           </a:r>
           <a:r>
-            <a:rPr lang="en-US" sz="1000" kern="1200" dirty="0"/>
+            <a:rPr lang="en-US" sz="1000" kern="1200"/>
             <a:t> checks the model is actually servable from the infrastructure, and prevents bad model from being pushed.</a:t>
           </a:r>
         </a:p>
@@ -12432,7 +13053,7 @@
             <a:buNone/>
           </a:pPr>
           <a:r>
-            <a:rPr lang="en-US" sz="1000" kern="1200" dirty="0"/>
+            <a:rPr lang="en-US" sz="1000" kern="1200"/>
             <a:t>Pusher deploys the model to a serving infrastructure.</a:t>
           </a:r>
         </a:p>
@@ -12581,19 +13202,19 @@
             <a:buNone/>
           </a:pPr>
           <a:r>
-            <a:rPr lang="en-US" sz="1000" kern="1200" dirty="0" err="1"/>
+            <a:rPr lang="en-US" sz="1000" kern="1200" err="1"/>
             <a:t>BulkInferrer</a:t>
           </a:r>
           <a:r>
-            <a:rPr lang="en-US" sz="1000" kern="1200" dirty="0"/>
+            <a:rPr lang="en-US" sz="1000" kern="1200"/>
             <a:t> batch inference on the model with </a:t>
           </a:r>
           <a:r>
-            <a:rPr lang="en-US" sz="1000" kern="1200" dirty="0" err="1"/>
+            <a:rPr lang="en-US" sz="1000" kern="1200" err="1"/>
             <a:t>unlabelled</a:t>
           </a:r>
           <a:r>
-            <a:rPr lang="en-US" sz="1000" kern="1200" dirty="0"/>
+            <a:rPr lang="en-US" sz="1000" kern="1200"/>
             <a:t> examples.</a:t>
           </a:r>
         </a:p>
@@ -12742,7 +13363,7 @@
             <a:buNone/>
           </a:pPr>
           <a:r>
-            <a:rPr lang="en-US" sz="1000" kern="1200" dirty="0"/>
+            <a:rPr lang="en-US" sz="1000" kern="1200"/>
             <a:t>TensorFlow Serving for serving.</a:t>
           </a:r>
         </a:p>
@@ -12959,7 +13580,7 @@
             <a:buNone/>
           </a:pPr>
           <a:r>
-            <a:rPr lang="en-US" sz="1400" kern="1200" dirty="0"/>
+            <a:rPr lang="en-US" sz="1400" kern="1200"/>
             <a:t>Trello Board for Project Management</a:t>
           </a:r>
         </a:p>
@@ -13164,7 +13785,7 @@
             <a:buNone/>
           </a:pPr>
           <a:r>
-            <a:rPr lang="en-US" sz="1400" kern="1200" dirty="0"/>
+            <a:rPr lang="en-US" sz="1400" kern="1200"/>
             <a:t>Google Drive for Content Sharing</a:t>
           </a:r>
         </a:p>
@@ -13369,7 +13990,7 @@
             <a:buNone/>
           </a:pPr>
           <a:r>
-            <a:rPr lang="en-US" sz="1400" kern="1200" dirty="0"/>
+            <a:rPr lang="en-US" sz="1400" kern="1200"/>
             <a:t>Zoom for Meeting</a:t>
           </a:r>
         </a:p>
@@ -24620,7 +25241,7 @@
           <a:bodyPr/>
           <a:lstStyle/>
           <a:p>
-            <a:endParaRPr lang="en-US" dirty="0"/>
+            <a:endParaRPr lang="en-US"/>
           </a:p>
         </p:txBody>
       </p:sp>
@@ -24706,11 +25327,11 @@
           <a:p>
             <a:pPr algn="l"/>
             <a:r>
-              <a:rPr lang="en-US" dirty="0"/>
+              <a:rPr lang="en-US"/>
               <a:t>We approach the above challenges using the Multi gate mixture of experts. </a:t>
             </a:r>
             <a:r>
-              <a:rPr lang="en-US" sz="1800" b="0" i="0" u="none" strike="noStrike" baseline="0" dirty="0">
+              <a:rPr lang="en-US" sz="1800" b="0" i="0" u="none" strike="noStrike" baseline="0">
                 <a:solidFill>
                   <a:srgbClr val="000000"/>
                 </a:solidFill>
@@ -24718,14 +25339,14 @@
               </a:rPr>
               <a:t> it introduces a shallow tower to model and remove selection bias. The system can handle multiple queries at once</a:t>
             </a:r>
-            <a:endParaRPr lang="en-US" dirty="0"/>
+            <a:endParaRPr lang="en-US"/>
           </a:p>
           <a:p>
-            <a:endParaRPr lang="en-US" dirty="0"/>
+            <a:endParaRPr lang="en-US"/>
           </a:p>
           <a:p>
             <a:r>
-              <a:rPr lang="en-US" dirty="0"/>
+              <a:rPr lang="en-US"/>
               <a:t>Our recommendation Engine contains two stages:</a:t>
             </a:r>
           </a:p>
@@ -24735,7 +25356,7 @@
               <a:buChar char="•"/>
             </a:pPr>
             <a:r>
-              <a:rPr lang="en-US" dirty="0"/>
+              <a:rPr lang="en-US"/>
               <a:t>Candidate Generation</a:t>
             </a:r>
           </a:p>
@@ -24745,7 +25366,7 @@
               <a:buChar char="•"/>
             </a:pPr>
             <a:r>
-              <a:rPr lang="en-US" dirty="0"/>
+              <a:rPr lang="en-US"/>
               <a:t>Ranking: Two objectives</a:t>
             </a:r>
           </a:p>
@@ -24768,7 +25389,7 @@
               <a:defRPr/>
             </a:pPr>
             <a:r>
-              <a:rPr lang="en-US" dirty="0"/>
+              <a:rPr lang="en-US"/>
               <a:t>Satisfaction Score : satisfaction objectives, such as user liking a video on YouTube, and leaving a rating on the recommendation</a:t>
             </a:r>
           </a:p>
@@ -24791,7 +25412,7 @@
               <a:defRPr/>
             </a:pPr>
             <a:r>
-              <a:rPr lang="en-US" dirty="0"/>
+              <a:rPr lang="en-US"/>
               <a:t>Ranking Score: engagement objectives, such as user clicks, and degree of engagement with recommended videos</a:t>
             </a:r>
           </a:p>
@@ -24800,7 +25421,7 @@
               <a:buFont typeface="Arial" panose="020B0604020202020204" pitchFamily="34" charset="0"/>
               <a:buChar char="•"/>
             </a:pPr>
-            <a:endParaRPr lang="en-US" dirty="0"/>
+            <a:endParaRPr lang="en-US"/>
           </a:p>
         </p:txBody>
       </p:sp>
@@ -24821,7 +25442,7 @@
           <a:p>
             <a:fld id="{EC942CAD-B061-41DD-818A-310BA677D939}" type="slidenum">
               <a:rPr lang="en-US" smtClean="0"/>
-              <a:t>9</a:t>
+              <a:t>13</a:t>
             </a:fld>
             <a:endParaRPr lang="en-US"/>
           </a:p>
@@ -33208,14 +33829,14 @@
           <a:lstStyle/>
           <a:p>
             <a:r>
-              <a:rPr lang="en-US" sz="4400" dirty="0"/>
-              <a:t>Video and Movie Recommendation Engine using </a:t>
+              <a:rPr lang="en-US" sz="4400"/>
+              <a:t>Video Recommendation Engine using </a:t>
             </a:r>
             <a:r>
-              <a:rPr lang="en-US" sz="4400" dirty="0" err="1"/>
+              <a:rPr lang="en-US" sz="4400" err="1"/>
               <a:t>MMoE</a:t>
             </a:r>
-            <a:endParaRPr lang="en-US" sz="4400" dirty="0"/>
+            <a:endParaRPr lang="en-US" sz="4400"/>
           </a:p>
         </p:txBody>
       </p:sp>
@@ -33348,979 +33969,12 @@
           <a:chExt cx="0" cy="0"/>
         </a:xfrm>
       </p:grpSpPr>
-      <p:sp>
-        <p:nvSpPr>
-          <p:cNvPr id="2" name="Text Placeholder 1">
+      <p:pic>
+        <p:nvPicPr>
+          <p:cNvPr id="4" name="Content Placeholder 15" descr="Diagram&#10;&#10;Description automatically generated">
             <a:extLst>
               <a:ext uri="{FF2B5EF4-FFF2-40B4-BE49-F238E27FC236}">
-                <a16:creationId xmlns:a16="http://schemas.microsoft.com/office/drawing/2014/main" id="{3334973E-E54B-4703-89AA-CC195FAE67A2}"/>
-              </a:ext>
-            </a:extLst>
-          </p:cNvPr>
-          <p:cNvSpPr>
-            <a:spLocks noGrp="1"/>
-          </p:cNvSpPr>
-          <p:nvPr>
-            <p:ph type="body" sz="quarter" idx="10"/>
-          </p:nvPr>
-        </p:nvSpPr>
-        <p:spPr/>
-        <p:txBody>
-          <a:bodyPr/>
-          <a:lstStyle/>
-          <a:p>
-            <a:r>
-              <a:rPr lang="en-US" dirty="0"/>
-              <a:t>Candidate List</a:t>
-            </a:r>
-          </a:p>
-        </p:txBody>
-      </p:sp>
-      <p:graphicFrame>
-        <p:nvGraphicFramePr>
-          <p:cNvPr id="4" name="Content Placeholder 3">
-            <a:extLst>
-              <a:ext uri="{FF2B5EF4-FFF2-40B4-BE49-F238E27FC236}">
-                <a16:creationId xmlns:a16="http://schemas.microsoft.com/office/drawing/2014/main" id="{5B3A7893-9977-42D9-A591-693197302AFF}"/>
-              </a:ext>
-            </a:extLst>
-          </p:cNvPr>
-          <p:cNvGraphicFramePr>
-            <a:graphicFrameLocks noGrp="1"/>
-          </p:cNvGraphicFramePr>
-          <p:nvPr>
-            <p:ph sz="quarter" idx="11"/>
-            <p:extLst>
-              <p:ext uri="{D42A27DB-BD31-4B8C-83A1-F6EECF244321}">
-                <p14:modId xmlns:p14="http://schemas.microsoft.com/office/powerpoint/2010/main" val="288810024"/>
-              </p:ext>
-            </p:extLst>
-          </p:nvPr>
-        </p:nvGraphicFramePr>
-        <p:xfrm>
-          <a:off x="812800" y="1600200"/>
-          <a:ext cx="10668000" cy="4822825"/>
-        </p:xfrm>
-        <a:graphic>
-          <a:graphicData uri="http://schemas.openxmlformats.org/drawingml/2006/diagram">
-            <dgm:relIds xmlns:dgm="http://schemas.openxmlformats.org/drawingml/2006/diagram" xmlns:r="http://schemas.openxmlformats.org/officeDocument/2006/relationships" r:dm="rId2" r:lo="rId3" r:qs="rId4" r:cs="rId5"/>
-          </a:graphicData>
-        </a:graphic>
-      </p:graphicFrame>
-    </p:spTree>
-    <p:extLst>
-      <p:ext uri="{BB962C8B-B14F-4D97-AF65-F5344CB8AC3E}">
-        <p14:creationId xmlns:p14="http://schemas.microsoft.com/office/powerpoint/2010/main" val="1497588716"/>
-      </p:ext>
-    </p:extLst>
-  </p:cSld>
-  <p:clrMapOvr>
-    <a:masterClrMapping/>
-  </p:clrMapOvr>
-</p:sld>
-</file>
-
-<file path=ppt/slides/slide11.xml><?xml version="1.0" encoding="utf-8"?>
-<p:sld xmlns:a="http://schemas.openxmlformats.org/drawingml/2006/main" xmlns:r="http://schemas.openxmlformats.org/officeDocument/2006/relationships" xmlns:p="http://schemas.openxmlformats.org/presentationml/2006/main">
-  <p:cSld>
-    <p:spTree>
-      <p:nvGrpSpPr>
-        <p:cNvPr id="1" name=""/>
-        <p:cNvGrpSpPr/>
-        <p:nvPr/>
-      </p:nvGrpSpPr>
-      <p:grpSpPr>
-        <a:xfrm>
-          <a:off x="0" y="0"/>
-          <a:ext cx="0" cy="0"/>
-          <a:chOff x="0" y="0"/>
-          <a:chExt cx="0" cy="0"/>
-        </a:xfrm>
-      </p:grpSpPr>
-      <p:sp>
-        <p:nvSpPr>
-          <p:cNvPr id="23" name="Text Placeholder 22">
-            <a:extLst>
-              <a:ext uri="{FF2B5EF4-FFF2-40B4-BE49-F238E27FC236}">
-                <a16:creationId xmlns:a16="http://schemas.microsoft.com/office/drawing/2014/main" id="{E03A5053-9AB2-482A-B6AC-0AE2BD4D3447}"/>
-              </a:ext>
-            </a:extLst>
-          </p:cNvPr>
-          <p:cNvSpPr>
-            <a:spLocks noGrp="1"/>
-          </p:cNvSpPr>
-          <p:nvPr>
-            <p:ph type="body" sz="quarter" idx="10"/>
-          </p:nvPr>
-        </p:nvSpPr>
-        <p:spPr/>
-        <p:txBody>
-          <a:bodyPr/>
-          <a:lstStyle/>
-          <a:p>
-            <a:r>
-              <a:rPr lang="en-US" dirty="0" err="1"/>
-              <a:t>Colab</a:t>
-            </a:r>
-            <a:r>
-              <a:rPr lang="en-US" dirty="0"/>
-              <a:t> Demo</a:t>
-            </a:r>
-          </a:p>
-        </p:txBody>
-      </p:sp>
-      <p:graphicFrame>
-        <p:nvGraphicFramePr>
-          <p:cNvPr id="6" name="Content Placeholder 5">
-            <a:extLst>
-              <a:ext uri="{FF2B5EF4-FFF2-40B4-BE49-F238E27FC236}">
-                <a16:creationId xmlns:a16="http://schemas.microsoft.com/office/drawing/2014/main" id="{215D1ED2-2276-4F00-AE52-872A08D30321}"/>
-              </a:ext>
-            </a:extLst>
-          </p:cNvPr>
-          <p:cNvGraphicFramePr>
-            <a:graphicFrameLocks noGrp="1"/>
-          </p:cNvGraphicFramePr>
-          <p:nvPr>
-            <p:ph sz="quarter" idx="11"/>
-            <p:extLst>
-              <p:ext uri="{D42A27DB-BD31-4B8C-83A1-F6EECF244321}">
-                <p14:modId xmlns:p14="http://schemas.microsoft.com/office/powerpoint/2010/main" val="3937469889"/>
-              </p:ext>
-            </p:extLst>
-          </p:nvPr>
-        </p:nvGraphicFramePr>
-        <p:xfrm>
-          <a:off x="812800" y="1600200"/>
-          <a:ext cx="10668000" cy="4822825"/>
-        </p:xfrm>
-        <a:graphic>
-          <a:graphicData uri="http://schemas.openxmlformats.org/drawingml/2006/diagram">
-            <dgm:relIds xmlns:dgm="http://schemas.openxmlformats.org/drawingml/2006/diagram" xmlns:r="http://schemas.openxmlformats.org/officeDocument/2006/relationships" r:dm="rId2" r:lo="rId3" r:qs="rId4" r:cs="rId5"/>
-          </a:graphicData>
-        </a:graphic>
-      </p:graphicFrame>
-    </p:spTree>
-    <p:extLst>
-      <p:ext uri="{BB962C8B-B14F-4D97-AF65-F5344CB8AC3E}">
-        <p14:creationId xmlns:p14="http://schemas.microsoft.com/office/powerpoint/2010/main" val="4047241573"/>
-      </p:ext>
-    </p:extLst>
-  </p:cSld>
-  <p:clrMapOvr>
-    <a:masterClrMapping/>
-  </p:clrMapOvr>
-</p:sld>
-</file>
-
-<file path=ppt/slides/slide12.xml><?xml version="1.0" encoding="utf-8"?>
-<p:sld xmlns:a="http://schemas.openxmlformats.org/drawingml/2006/main" xmlns:r="http://schemas.openxmlformats.org/officeDocument/2006/relationships" xmlns:p="http://schemas.openxmlformats.org/presentationml/2006/main">
-  <p:cSld>
-    <p:spTree>
-      <p:nvGrpSpPr>
-        <p:cNvPr id="1" name=""/>
-        <p:cNvGrpSpPr/>
-        <p:nvPr/>
-      </p:nvGrpSpPr>
-      <p:grpSpPr>
-        <a:xfrm>
-          <a:off x="0" y="0"/>
-          <a:ext cx="0" cy="0"/>
-          <a:chOff x="0" y="0"/>
-          <a:chExt cx="0" cy="0"/>
-        </a:xfrm>
-      </p:grpSpPr>
-      <p:sp>
-        <p:nvSpPr>
-          <p:cNvPr id="2" name="Text Placeholder 1">
-            <a:extLst>
-              <a:ext uri="{FF2B5EF4-FFF2-40B4-BE49-F238E27FC236}">
-                <a16:creationId xmlns:a16="http://schemas.microsoft.com/office/drawing/2014/main" id="{24D057D6-3D9C-4C4E-825D-44CC1F8D5D59}"/>
-              </a:ext>
-            </a:extLst>
-          </p:cNvPr>
-          <p:cNvSpPr>
-            <a:spLocks noGrp="1"/>
-          </p:cNvSpPr>
-          <p:nvPr>
-            <p:ph type="body" sz="quarter" idx="10"/>
-          </p:nvPr>
-        </p:nvSpPr>
-        <p:spPr/>
-        <p:txBody>
-          <a:bodyPr/>
-          <a:lstStyle/>
-          <a:p>
-            <a:r>
-              <a:rPr lang="en-US" dirty="0"/>
-              <a:t>Application Demo</a:t>
-            </a:r>
-          </a:p>
-        </p:txBody>
-      </p:sp>
-      <p:graphicFrame>
-        <p:nvGraphicFramePr>
-          <p:cNvPr id="4" name="Content Placeholder 3">
-            <a:extLst>
-              <a:ext uri="{FF2B5EF4-FFF2-40B4-BE49-F238E27FC236}">
-                <a16:creationId xmlns:a16="http://schemas.microsoft.com/office/drawing/2014/main" id="{14C42B7B-E664-42A5-A2BE-DD9EFE8223D4}"/>
-              </a:ext>
-            </a:extLst>
-          </p:cNvPr>
-          <p:cNvGraphicFramePr>
-            <a:graphicFrameLocks noGrp="1"/>
-          </p:cNvGraphicFramePr>
-          <p:nvPr>
-            <p:ph sz="quarter" idx="11"/>
-            <p:extLst>
-              <p:ext uri="{D42A27DB-BD31-4B8C-83A1-F6EECF244321}">
-                <p14:modId xmlns:p14="http://schemas.microsoft.com/office/powerpoint/2010/main" val="2425475037"/>
-              </p:ext>
-            </p:extLst>
-          </p:nvPr>
-        </p:nvGraphicFramePr>
-        <p:xfrm>
-          <a:off x="219788" y="1448578"/>
-          <a:ext cx="11261012" cy="5126070"/>
-        </p:xfrm>
-        <a:graphic>
-          <a:graphicData uri="http://schemas.openxmlformats.org/drawingml/2006/diagram">
-            <dgm:relIds xmlns:dgm="http://schemas.openxmlformats.org/drawingml/2006/diagram" xmlns:r="http://schemas.openxmlformats.org/officeDocument/2006/relationships" r:dm="rId2" r:lo="rId3" r:qs="rId4" r:cs="rId5"/>
-          </a:graphicData>
-        </a:graphic>
-      </p:graphicFrame>
-      <p:sp>
-        <p:nvSpPr>
-          <p:cNvPr id="6" name="Rectangle 5">
-            <a:extLst>
-              <a:ext uri="{FF2B5EF4-FFF2-40B4-BE49-F238E27FC236}">
-                <a16:creationId xmlns:a16="http://schemas.microsoft.com/office/drawing/2014/main" id="{9A4C6C14-88B2-4560-9459-31DCAE9A3528}"/>
-              </a:ext>
-            </a:extLst>
-          </p:cNvPr>
-          <p:cNvSpPr/>
-          <p:nvPr/>
-        </p:nvSpPr>
-        <p:spPr>
-          <a:xfrm rot="1169698">
-            <a:off x="2908163" y="3549948"/>
-            <a:ext cx="7521996" cy="923330"/>
-          </a:xfrm>
-          <a:prstGeom prst="rect">
-            <a:avLst/>
-          </a:prstGeom>
-          <a:solidFill>
-            <a:schemeClr val="accent4">
-              <a:lumMod val="50000"/>
-            </a:schemeClr>
-          </a:solidFill>
-        </p:spPr>
-        <p:style>
-          <a:lnRef idx="0">
-            <a:schemeClr val="accent4"/>
-          </a:lnRef>
-          <a:fillRef idx="3">
-            <a:schemeClr val="accent4"/>
-          </a:fillRef>
-          <a:effectRef idx="3">
-            <a:schemeClr val="accent4"/>
-          </a:effectRef>
-          <a:fontRef idx="minor">
-            <a:schemeClr val="lt1"/>
-          </a:fontRef>
-        </p:style>
-        <p:txBody>
-          <a:bodyPr wrap="none" lIns="91440" tIns="45720" rIns="91440" bIns="45720">
-            <a:spAutoFit/>
-          </a:bodyPr>
-          <a:lstStyle/>
-          <a:p>
-            <a:r>
-              <a:rPr lang="en-US" sz="5400" b="1" dirty="0">
-                <a:ln w="10160">
-                  <a:solidFill>
-                    <a:schemeClr val="accent5"/>
-                  </a:solidFill>
-                  <a:prstDash val="solid"/>
-                </a:ln>
-                <a:solidFill>
-                  <a:srgbClr val="FFFFFF"/>
-                </a:solidFill>
-                <a:effectLst>
-                  <a:outerShdw blurRad="38100" dist="22860" dir="5400000" algn="tl" rotWithShape="0">
-                    <a:srgbClr val="000000">
-                      <a:alpha val="30000"/>
-                    </a:srgbClr>
-                  </a:outerShdw>
-                </a:effectLst>
-              </a:rPr>
-              <a:t>WEB APPLICATION DEMO</a:t>
-            </a:r>
-          </a:p>
-        </p:txBody>
-      </p:sp>
-    </p:spTree>
-    <p:extLst>
-      <p:ext uri="{BB962C8B-B14F-4D97-AF65-F5344CB8AC3E}">
-        <p14:creationId xmlns:p14="http://schemas.microsoft.com/office/powerpoint/2010/main" val="1761205809"/>
-      </p:ext>
-    </p:extLst>
-  </p:cSld>
-  <p:clrMapOvr>
-    <a:masterClrMapping/>
-  </p:clrMapOvr>
-</p:sld>
-</file>
-
-<file path=ppt/slides/slide13.xml><?xml version="1.0" encoding="utf-8"?>
-<p:sld xmlns:a="http://schemas.openxmlformats.org/drawingml/2006/main" xmlns:r="http://schemas.openxmlformats.org/officeDocument/2006/relationships" xmlns:p="http://schemas.openxmlformats.org/presentationml/2006/main">
-  <p:cSld>
-    <p:spTree>
-      <p:nvGrpSpPr>
-        <p:cNvPr id="1" name=""/>
-        <p:cNvGrpSpPr/>
-        <p:nvPr/>
-      </p:nvGrpSpPr>
-      <p:grpSpPr>
-        <a:xfrm>
-          <a:off x="0" y="0"/>
-          <a:ext cx="0" cy="0"/>
-          <a:chOff x="0" y="0"/>
-          <a:chExt cx="0" cy="0"/>
-        </a:xfrm>
-      </p:grpSpPr>
-      <p:sp>
-        <p:nvSpPr>
-          <p:cNvPr id="2" name="Text Placeholder 1">
-            <a:extLst>
-              <a:ext uri="{FF2B5EF4-FFF2-40B4-BE49-F238E27FC236}">
-                <a16:creationId xmlns:a16="http://schemas.microsoft.com/office/drawing/2014/main" id="{2883A6B3-011A-4457-8ADA-E5501456D9B6}"/>
-              </a:ext>
-            </a:extLst>
-          </p:cNvPr>
-          <p:cNvSpPr>
-            <a:spLocks noGrp="1"/>
-          </p:cNvSpPr>
-          <p:nvPr>
-            <p:ph type="body" sz="quarter" idx="10"/>
-          </p:nvPr>
-        </p:nvSpPr>
-        <p:spPr>
-          <a:xfrm>
-            <a:off x="812800" y="889000"/>
-            <a:ext cx="10668000" cy="711200"/>
-          </a:xfrm>
-        </p:spPr>
-        <p:txBody>
-          <a:bodyPr/>
-          <a:lstStyle/>
-          <a:p>
-            <a:r>
-              <a:rPr lang="en-US" dirty="0"/>
-              <a:t>TFX Pipelines</a:t>
-            </a:r>
-          </a:p>
-        </p:txBody>
-      </p:sp>
-      <p:graphicFrame>
-        <p:nvGraphicFramePr>
-          <p:cNvPr id="7" name="Content Placeholder 6">
-            <a:extLst>
-              <a:ext uri="{FF2B5EF4-FFF2-40B4-BE49-F238E27FC236}">
-                <a16:creationId xmlns:a16="http://schemas.microsoft.com/office/drawing/2014/main" id="{26992904-A595-40B8-B72E-896F49F2C271}"/>
-              </a:ext>
-            </a:extLst>
-          </p:cNvPr>
-          <p:cNvGraphicFramePr>
-            <a:graphicFrameLocks noGrp="1"/>
-          </p:cNvGraphicFramePr>
-          <p:nvPr>
-            <p:ph sz="quarter" idx="11"/>
-            <p:extLst>
-              <p:ext uri="{D42A27DB-BD31-4B8C-83A1-F6EECF244321}">
-                <p14:modId xmlns:p14="http://schemas.microsoft.com/office/powerpoint/2010/main" val="3592327490"/>
-              </p:ext>
-            </p:extLst>
-          </p:nvPr>
-        </p:nvGraphicFramePr>
-        <p:xfrm>
-          <a:off x="812800" y="1600200"/>
-          <a:ext cx="10668000" cy="4822825"/>
-        </p:xfrm>
-        <a:graphic>
-          <a:graphicData uri="http://schemas.openxmlformats.org/drawingml/2006/diagram">
-            <dgm:relIds xmlns:dgm="http://schemas.openxmlformats.org/drawingml/2006/diagram" xmlns:r="http://schemas.openxmlformats.org/officeDocument/2006/relationships" r:dm="rId2" r:lo="rId3" r:qs="rId4" r:cs="rId5"/>
-          </a:graphicData>
-        </a:graphic>
-      </p:graphicFrame>
-    </p:spTree>
-    <p:extLst>
-      <p:ext uri="{BB962C8B-B14F-4D97-AF65-F5344CB8AC3E}">
-        <p14:creationId xmlns:p14="http://schemas.microsoft.com/office/powerpoint/2010/main" val="2568346607"/>
-      </p:ext>
-    </p:extLst>
-  </p:cSld>
-  <p:clrMapOvr>
-    <a:masterClrMapping/>
-  </p:clrMapOvr>
-</p:sld>
-</file>
-
-<file path=ppt/slides/slide14.xml><?xml version="1.0" encoding="utf-8"?>
-<p:sld xmlns:a="http://schemas.openxmlformats.org/drawingml/2006/main" xmlns:r="http://schemas.openxmlformats.org/officeDocument/2006/relationships" xmlns:p="http://schemas.openxmlformats.org/presentationml/2006/main">
-  <p:cSld>
-    <p:spTree>
-      <p:nvGrpSpPr>
-        <p:cNvPr id="1" name=""/>
-        <p:cNvGrpSpPr/>
-        <p:nvPr/>
-      </p:nvGrpSpPr>
-      <p:grpSpPr>
-        <a:xfrm>
-          <a:off x="0" y="0"/>
-          <a:ext cx="0" cy="0"/>
-          <a:chOff x="0" y="0"/>
-          <a:chExt cx="0" cy="0"/>
-        </a:xfrm>
-      </p:grpSpPr>
-      <p:sp>
-        <p:nvSpPr>
-          <p:cNvPr id="2" name="Text Placeholder 1">
-            <a:extLst>
-              <a:ext uri="{FF2B5EF4-FFF2-40B4-BE49-F238E27FC236}">
-                <a16:creationId xmlns:a16="http://schemas.microsoft.com/office/drawing/2014/main" id="{4AB837BF-CB19-4577-8806-557440221AF6}"/>
-              </a:ext>
-            </a:extLst>
-          </p:cNvPr>
-          <p:cNvSpPr>
-            <a:spLocks noGrp="1"/>
-          </p:cNvSpPr>
-          <p:nvPr>
-            <p:ph type="body" sz="quarter" idx="10"/>
-          </p:nvPr>
-        </p:nvSpPr>
-        <p:spPr/>
-        <p:txBody>
-          <a:bodyPr/>
-          <a:lstStyle/>
-          <a:p>
-            <a:r>
-              <a:rPr lang="en-US" dirty="0"/>
-              <a:t>ML Operations</a:t>
-            </a:r>
-          </a:p>
-        </p:txBody>
-      </p:sp>
-      <p:graphicFrame>
-        <p:nvGraphicFramePr>
-          <p:cNvPr id="4" name="Content Placeholder 3">
-            <a:extLst>
-              <a:ext uri="{FF2B5EF4-FFF2-40B4-BE49-F238E27FC236}">
-                <a16:creationId xmlns:a16="http://schemas.microsoft.com/office/drawing/2014/main" id="{978D22F3-271F-431C-81C2-31CE1CAAD2EA}"/>
-              </a:ext>
-            </a:extLst>
-          </p:cNvPr>
-          <p:cNvGraphicFramePr>
-            <a:graphicFrameLocks noGrp="1"/>
-          </p:cNvGraphicFramePr>
-          <p:nvPr>
-            <p:ph sz="quarter" idx="11"/>
-            <p:extLst>
-              <p:ext uri="{D42A27DB-BD31-4B8C-83A1-F6EECF244321}">
-                <p14:modId xmlns:p14="http://schemas.microsoft.com/office/powerpoint/2010/main" val="2660082134"/>
-              </p:ext>
-            </p:extLst>
-          </p:nvPr>
-        </p:nvGraphicFramePr>
-        <p:xfrm>
-          <a:off x="812800" y="1600200"/>
-          <a:ext cx="10668000" cy="4822825"/>
-        </p:xfrm>
-        <a:graphic>
-          <a:graphicData uri="http://schemas.openxmlformats.org/drawingml/2006/diagram">
-            <dgm:relIds xmlns:dgm="http://schemas.openxmlformats.org/drawingml/2006/diagram" xmlns:r="http://schemas.openxmlformats.org/officeDocument/2006/relationships" r:dm="rId2" r:lo="rId3" r:qs="rId4" r:cs="rId5"/>
-          </a:graphicData>
-        </a:graphic>
-      </p:graphicFrame>
-    </p:spTree>
-    <p:extLst>
-      <p:ext uri="{BB962C8B-B14F-4D97-AF65-F5344CB8AC3E}">
-        <p14:creationId xmlns:p14="http://schemas.microsoft.com/office/powerpoint/2010/main" val="3264063009"/>
-      </p:ext>
-    </p:extLst>
-  </p:cSld>
-  <p:clrMapOvr>
-    <a:masterClrMapping/>
-  </p:clrMapOvr>
-</p:sld>
-</file>
-
-<file path=ppt/slides/slide15.xml><?xml version="1.0" encoding="utf-8"?>
-<p:sld xmlns:a="http://schemas.openxmlformats.org/drawingml/2006/main" xmlns:r="http://schemas.openxmlformats.org/officeDocument/2006/relationships" xmlns:p="http://schemas.openxmlformats.org/presentationml/2006/main">
-  <p:cSld>
-    <p:spTree>
-      <p:nvGrpSpPr>
-        <p:cNvPr id="1" name=""/>
-        <p:cNvGrpSpPr/>
-        <p:nvPr/>
-      </p:nvGrpSpPr>
-      <p:grpSpPr>
-        <a:xfrm>
-          <a:off x="0" y="0"/>
-          <a:ext cx="0" cy="0"/>
-          <a:chOff x="0" y="0"/>
-          <a:chExt cx="0" cy="0"/>
-        </a:xfrm>
-      </p:grpSpPr>
-      <p:sp>
-        <p:nvSpPr>
-          <p:cNvPr id="4" name="Title 3">
-            <a:extLst>
-              <a:ext uri="{FF2B5EF4-FFF2-40B4-BE49-F238E27FC236}">
-                <a16:creationId xmlns:a16="http://schemas.microsoft.com/office/drawing/2014/main" id="{D96DD59A-D73A-475A-AE4E-5155CF5CB0D5}"/>
-              </a:ext>
-            </a:extLst>
-          </p:cNvPr>
-          <p:cNvSpPr>
-            <a:spLocks noGrp="1"/>
-          </p:cNvSpPr>
-          <p:nvPr>
-            <p:ph type="ctrTitle"/>
-          </p:nvPr>
-        </p:nvSpPr>
-        <p:spPr/>
-        <p:txBody>
-          <a:bodyPr>
-            <a:normAutofit fontScale="90000"/>
-          </a:bodyPr>
-          <a:lstStyle/>
-          <a:p>
-            <a:r>
-              <a:rPr lang="en-US" sz="6000"/>
-              <a:t>Thank you</a:t>
-            </a:r>
-          </a:p>
-        </p:txBody>
-      </p:sp>
-      <p:sp>
-        <p:nvSpPr>
-          <p:cNvPr id="20" name="Text Placeholder 19">
-            <a:extLst>
-              <a:ext uri="{FF2B5EF4-FFF2-40B4-BE49-F238E27FC236}">
-                <a16:creationId xmlns:a16="http://schemas.microsoft.com/office/drawing/2014/main" id="{09F51569-881D-4606-838D-7AB1E464C0BF}"/>
-              </a:ext>
-            </a:extLst>
-          </p:cNvPr>
-          <p:cNvSpPr>
-            <a:spLocks noGrp="1"/>
-          </p:cNvSpPr>
-          <p:nvPr>
-            <p:ph type="body" sz="quarter" idx="11"/>
-          </p:nvPr>
-        </p:nvSpPr>
-        <p:spPr>
-          <a:xfrm>
-            <a:off x="609600" y="2921000"/>
-            <a:ext cx="10668000" cy="914400"/>
-          </a:xfrm>
-        </p:spPr>
-        <p:txBody>
-          <a:bodyPr>
-            <a:normAutofit/>
-          </a:bodyPr>
-          <a:lstStyle/>
-          <a:p>
-            <a:r>
-              <a:rPr lang="en-US" sz="5400" b="1"/>
-              <a:t>Questions?</a:t>
-            </a:r>
-          </a:p>
-        </p:txBody>
-      </p:sp>
-    </p:spTree>
-    <p:extLst>
-      <p:ext uri="{BB962C8B-B14F-4D97-AF65-F5344CB8AC3E}">
-        <p14:creationId xmlns:p14="http://schemas.microsoft.com/office/powerpoint/2010/main" val="1559904320"/>
-      </p:ext>
-    </p:extLst>
-  </p:cSld>
-  <p:clrMapOvr>
-    <a:masterClrMapping/>
-  </p:clrMapOvr>
-</p:sld>
-</file>
-
-<file path=ppt/slides/slide16.xml><?xml version="1.0" encoding="utf-8"?>
-<p:sld xmlns:a="http://schemas.openxmlformats.org/drawingml/2006/main" xmlns:r="http://schemas.openxmlformats.org/officeDocument/2006/relationships" xmlns:p="http://schemas.openxmlformats.org/presentationml/2006/main">
-  <p:cSld>
-    <p:spTree>
-      <p:nvGrpSpPr>
-        <p:cNvPr id="1" name=""/>
-        <p:cNvGrpSpPr/>
-        <p:nvPr/>
-      </p:nvGrpSpPr>
-      <p:grpSpPr>
-        <a:xfrm>
-          <a:off x="0" y="0"/>
-          <a:ext cx="0" cy="0"/>
-          <a:chOff x="0" y="0"/>
-          <a:chExt cx="0" cy="0"/>
-        </a:xfrm>
-      </p:grpSpPr>
-      <p:sp>
-        <p:nvSpPr>
-          <p:cNvPr id="4" name="Text Placeholder 3">
-            <a:extLst>
-              <a:ext uri="{FF2B5EF4-FFF2-40B4-BE49-F238E27FC236}">
-                <a16:creationId xmlns:a16="http://schemas.microsoft.com/office/drawing/2014/main" id="{9663BB55-7F9A-47CF-8CDF-FF985A03EC89}"/>
-              </a:ext>
-            </a:extLst>
-          </p:cNvPr>
-          <p:cNvSpPr>
-            <a:spLocks noGrp="1"/>
-          </p:cNvSpPr>
-          <p:nvPr>
-            <p:ph type="body" sz="quarter" idx="10"/>
-          </p:nvPr>
-        </p:nvSpPr>
-        <p:spPr/>
-        <p:txBody>
-          <a:bodyPr/>
-          <a:lstStyle/>
-          <a:p>
-            <a:r>
-              <a:rPr lang="en-US" dirty="0"/>
-              <a:t>References</a:t>
-            </a:r>
-          </a:p>
-        </p:txBody>
-      </p:sp>
-      <p:sp>
-        <p:nvSpPr>
-          <p:cNvPr id="5" name="Content Placeholder 4">
-            <a:extLst>
-              <a:ext uri="{FF2B5EF4-FFF2-40B4-BE49-F238E27FC236}">
-                <a16:creationId xmlns:a16="http://schemas.microsoft.com/office/drawing/2014/main" id="{B3A09E25-87B7-41DD-B557-1743ACBB8C80}"/>
-              </a:ext>
-            </a:extLst>
-          </p:cNvPr>
-          <p:cNvSpPr>
-            <a:spLocks noGrp="1"/>
-          </p:cNvSpPr>
-          <p:nvPr>
-            <p:ph sz="quarter" idx="11"/>
-          </p:nvPr>
-        </p:nvSpPr>
-        <p:spPr/>
-        <p:txBody>
-          <a:bodyPr/>
-          <a:lstStyle/>
-          <a:p>
-            <a:r>
-              <a:rPr lang="en-US" dirty="0">
-                <a:hlinkClick r:id="rId2"/>
-              </a:rPr>
-              <a:t>https://dl.acm.org/doi/10.1145/3298689.3346997</a:t>
-            </a:r>
-            <a:endParaRPr lang="en-US" dirty="0"/>
-          </a:p>
-          <a:p>
-            <a:r>
-              <a:rPr lang="en-US" dirty="0">
-                <a:hlinkClick r:id="rId3"/>
-              </a:rPr>
-              <a:t>https://medium.com/@bhatia.suneet/a-multitask-ranking-system-how-youtube-recommends-the-next-videos-a23a63476073</a:t>
-            </a:r>
-            <a:endParaRPr lang="en-US" dirty="0"/>
-          </a:p>
-          <a:p>
-            <a:r>
-              <a:rPr lang="en-US" dirty="0">
-                <a:hlinkClick r:id="rId4"/>
-              </a:rPr>
-              <a:t>https://daiwk.github.io/assets/youtube-multitask.pdf</a:t>
-            </a:r>
-            <a:endParaRPr lang="en-US" dirty="0"/>
-          </a:p>
-        </p:txBody>
-      </p:sp>
-    </p:spTree>
-    <p:extLst>
-      <p:ext uri="{BB962C8B-B14F-4D97-AF65-F5344CB8AC3E}">
-        <p14:creationId xmlns:p14="http://schemas.microsoft.com/office/powerpoint/2010/main" val="3365252075"/>
-      </p:ext>
-    </p:extLst>
-  </p:cSld>
-  <p:clrMapOvr>
-    <a:masterClrMapping/>
-  </p:clrMapOvr>
-</p:sld>
-</file>
-
-<file path=ppt/slides/slide2.xml><?xml version="1.0" encoding="utf-8"?>
-<p:sld xmlns:a="http://schemas.openxmlformats.org/drawingml/2006/main" xmlns:r="http://schemas.openxmlformats.org/officeDocument/2006/relationships" xmlns:p="http://schemas.openxmlformats.org/presentationml/2006/main">
-  <p:cSld>
-    <p:spTree>
-      <p:nvGrpSpPr>
-        <p:cNvPr id="1" name=""/>
-        <p:cNvGrpSpPr/>
-        <p:nvPr/>
-      </p:nvGrpSpPr>
-      <p:grpSpPr>
-        <a:xfrm>
-          <a:off x="0" y="0"/>
-          <a:ext cx="0" cy="0"/>
-          <a:chOff x="0" y="0"/>
-          <a:chExt cx="0" cy="0"/>
-        </a:xfrm>
-      </p:grpSpPr>
-      <p:sp>
-        <p:nvSpPr>
-          <p:cNvPr id="4" name="Title 3">
-            <a:extLst>
-              <a:ext uri="{FF2B5EF4-FFF2-40B4-BE49-F238E27FC236}">
-                <a16:creationId xmlns:a16="http://schemas.microsoft.com/office/drawing/2014/main" id="{557BE12D-AFEB-4D08-A62A-03B902ADD08A}"/>
-              </a:ext>
-            </a:extLst>
-          </p:cNvPr>
-          <p:cNvSpPr>
-            <a:spLocks noGrp="1"/>
-          </p:cNvSpPr>
-          <p:nvPr>
-            <p:ph type="ctrTitle"/>
-          </p:nvPr>
-        </p:nvSpPr>
-        <p:spPr/>
-        <p:txBody>
-          <a:bodyPr/>
-          <a:lstStyle/>
-          <a:p>
-            <a:r>
-              <a:rPr lang="en-US" dirty="0"/>
-              <a:t>Introduction</a:t>
-            </a:r>
-          </a:p>
-        </p:txBody>
-      </p:sp>
-      <p:sp>
-        <p:nvSpPr>
-          <p:cNvPr id="5" name="Text Placeholder 4">
-            <a:extLst>
-              <a:ext uri="{FF2B5EF4-FFF2-40B4-BE49-F238E27FC236}">
-                <a16:creationId xmlns:a16="http://schemas.microsoft.com/office/drawing/2014/main" id="{737285AE-9A06-4FA7-BB35-4978D6677923}"/>
-              </a:ext>
-            </a:extLst>
-          </p:cNvPr>
-          <p:cNvSpPr>
-            <a:spLocks noGrp="1"/>
-          </p:cNvSpPr>
-          <p:nvPr>
-            <p:ph type="body" sz="quarter" idx="11"/>
-          </p:nvPr>
-        </p:nvSpPr>
-        <p:spPr/>
-        <p:txBody>
-          <a:bodyPr/>
-          <a:lstStyle/>
-          <a:p>
-            <a:r>
-              <a:rPr lang="en-US" dirty="0"/>
-              <a:t>Recommendation Engine</a:t>
-            </a:r>
-          </a:p>
-        </p:txBody>
-      </p:sp>
-    </p:spTree>
-    <p:extLst>
-      <p:ext uri="{BB962C8B-B14F-4D97-AF65-F5344CB8AC3E}">
-        <p14:creationId xmlns:p14="http://schemas.microsoft.com/office/powerpoint/2010/main" val="1560088969"/>
-      </p:ext>
-    </p:extLst>
-  </p:cSld>
-  <p:clrMapOvr>
-    <a:masterClrMapping/>
-  </p:clrMapOvr>
-</p:sld>
-</file>
-
-<file path=ppt/slides/slide3.xml><?xml version="1.0" encoding="utf-8"?>
-<p:sld xmlns:a="http://schemas.openxmlformats.org/drawingml/2006/main" xmlns:r="http://schemas.openxmlformats.org/officeDocument/2006/relationships" xmlns:p="http://schemas.openxmlformats.org/presentationml/2006/main">
-  <p:cSld>
-    <p:spTree>
-      <p:nvGrpSpPr>
-        <p:cNvPr id="1" name=""/>
-        <p:cNvGrpSpPr/>
-        <p:nvPr/>
-      </p:nvGrpSpPr>
-      <p:grpSpPr>
-        <a:xfrm>
-          <a:off x="0" y="0"/>
-          <a:ext cx="0" cy="0"/>
-          <a:chOff x="0" y="0"/>
-          <a:chExt cx="0" cy="0"/>
-        </a:xfrm>
-      </p:grpSpPr>
-      <p:sp>
-        <p:nvSpPr>
-          <p:cNvPr id="6" name="Text Placeholder 5">
-            <a:extLst>
-              <a:ext uri="{FF2B5EF4-FFF2-40B4-BE49-F238E27FC236}">
-                <a16:creationId xmlns:a16="http://schemas.microsoft.com/office/drawing/2014/main" id="{53763A7B-13E7-4A63-9F6E-03C09BE94626}"/>
-              </a:ext>
-            </a:extLst>
-          </p:cNvPr>
-          <p:cNvSpPr>
-            <a:spLocks noGrp="1"/>
-          </p:cNvSpPr>
-          <p:nvPr>
-            <p:ph type="body" sz="quarter" idx="10"/>
-          </p:nvPr>
-        </p:nvSpPr>
-        <p:spPr>
-          <a:xfrm>
-            <a:off x="812800" y="177800"/>
-            <a:ext cx="10668000" cy="711200"/>
-          </a:xfrm>
-        </p:spPr>
-        <p:txBody>
-          <a:bodyPr/>
-          <a:lstStyle/>
-          <a:p>
-            <a:r>
-              <a:rPr lang="en-US" dirty="0"/>
-              <a:t>Purpose and Objective</a:t>
-            </a:r>
-          </a:p>
-        </p:txBody>
-      </p:sp>
-      <p:sp>
-        <p:nvSpPr>
-          <p:cNvPr id="11" name="Text Placeholder 10">
-            <a:extLst>
-              <a:ext uri="{FF2B5EF4-FFF2-40B4-BE49-F238E27FC236}">
-                <a16:creationId xmlns:a16="http://schemas.microsoft.com/office/drawing/2014/main" id="{AC3B9336-539A-4634-9377-CADA04DBAB91}"/>
-              </a:ext>
-            </a:extLst>
-          </p:cNvPr>
-          <p:cNvSpPr>
-            <a:spLocks noGrp="1"/>
-          </p:cNvSpPr>
-          <p:nvPr>
-            <p:ph type="body" sz="quarter" idx="11"/>
-          </p:nvPr>
-        </p:nvSpPr>
-        <p:spPr/>
-        <p:txBody>
-          <a:bodyPr/>
-          <a:lstStyle/>
-          <a:p>
-            <a:r>
-              <a:rPr lang="en-US" dirty="0"/>
-              <a:t>Purpose</a:t>
-            </a:r>
-          </a:p>
-          <a:p>
-            <a:pPr lvl="1"/>
-            <a:r>
-              <a:rPr lang="en-US" dirty="0"/>
-              <a:t>The primary purpose of this project is to create a recommendation engine using </a:t>
-            </a:r>
-            <a:r>
-              <a:rPr lang="en-US" dirty="0" err="1"/>
-              <a:t>MMoE</a:t>
-            </a:r>
-            <a:r>
-              <a:rPr lang="en-US" dirty="0"/>
-              <a:t> (Multi gate Mixture of Experts) for a recommendation.</a:t>
-            </a:r>
-          </a:p>
-          <a:p>
-            <a:pPr lvl="1"/>
-            <a:r>
-              <a:rPr lang="en-US" dirty="0"/>
-              <a:t>Create a web application </a:t>
-            </a:r>
-          </a:p>
-          <a:p>
-            <a:endParaRPr lang="en-US" dirty="0"/>
-          </a:p>
-          <a:p>
-            <a:r>
-              <a:rPr lang="en-US" dirty="0"/>
-              <a:t>Objectives</a:t>
-            </a:r>
-          </a:p>
-          <a:p>
-            <a:pPr lvl="1"/>
-            <a:r>
-              <a:rPr lang="en-US" dirty="0"/>
-              <a:t>Create a web application for recommending Videos</a:t>
-            </a:r>
-          </a:p>
-          <a:p>
-            <a:pPr lvl="1"/>
-            <a:r>
-              <a:rPr lang="en-US" dirty="0" err="1"/>
-              <a:t>Colab</a:t>
-            </a:r>
-            <a:r>
-              <a:rPr lang="en-US" dirty="0"/>
-              <a:t> to train the </a:t>
-            </a:r>
-            <a:r>
-              <a:rPr lang="en-US" dirty="0" err="1"/>
-              <a:t>MMoE</a:t>
-            </a:r>
-            <a:r>
-              <a:rPr lang="en-US" dirty="0"/>
-              <a:t> model to give scores for ranking</a:t>
-            </a:r>
-          </a:p>
-          <a:p>
-            <a:pPr lvl="1"/>
-            <a:r>
-              <a:rPr lang="en-US" dirty="0"/>
-              <a:t>Using TFX as ML pipeline</a:t>
-            </a:r>
-          </a:p>
-        </p:txBody>
-      </p:sp>
-    </p:spTree>
-    <p:extLst>
-      <p:ext uri="{BB962C8B-B14F-4D97-AF65-F5344CB8AC3E}">
-        <p14:creationId xmlns:p14="http://schemas.microsoft.com/office/powerpoint/2010/main" val="1498521224"/>
-      </p:ext>
-    </p:extLst>
-  </p:cSld>
-  <p:clrMapOvr>
-    <a:masterClrMapping/>
-  </p:clrMapOvr>
-</p:sld>
-</file>
-
-<file path=ppt/slides/slide4.xml><?xml version="1.0" encoding="utf-8"?>
-<p:sld xmlns:a="http://schemas.openxmlformats.org/drawingml/2006/main" xmlns:r="http://schemas.openxmlformats.org/officeDocument/2006/relationships" xmlns:p="http://schemas.openxmlformats.org/presentationml/2006/main">
-  <p:cSld>
-    <p:spTree>
-      <p:nvGrpSpPr>
-        <p:cNvPr id="1" name=""/>
-        <p:cNvGrpSpPr/>
-        <p:nvPr/>
-      </p:nvGrpSpPr>
-      <p:grpSpPr>
-        <a:xfrm>
-          <a:off x="0" y="0"/>
-          <a:ext cx="0" cy="0"/>
-          <a:chOff x="0" y="0"/>
-          <a:chExt cx="0" cy="0"/>
-        </a:xfrm>
-      </p:grpSpPr>
-      <p:pic>
-        <p:nvPicPr>
-          <p:cNvPr id="5" name="Content Placeholder 4" descr="Diagram&#10;&#10;Description automatically generated">
-            <a:extLst>
-              <a:ext uri="{FF2B5EF4-FFF2-40B4-BE49-F238E27FC236}">
-                <a16:creationId xmlns:a16="http://schemas.microsoft.com/office/drawing/2014/main" id="{03AB6F13-0DD3-4842-B4D8-14C85D0FD49C}"/>
+                <a16:creationId xmlns:a16="http://schemas.microsoft.com/office/drawing/2014/main" id="{7CCA8F38-9779-44FA-ACE6-18B9C62E9176}"/>
               </a:ext>
             </a:extLst>
           </p:cNvPr>
@@ -34333,6 +33987,16 @@
         </p:nvPicPr>
         <p:blipFill>
           <a:blip r:embed="rId2">
+            <a:clrChange>
+              <a:clrFrom>
+                <a:srgbClr val="FFFFFF"/>
+              </a:clrFrom>
+              <a:clrTo>
+                <a:srgbClr val="FFFFFF">
+                  <a:alpha val="0"/>
+                </a:srgbClr>
+              </a:clrTo>
+            </a:clrChange>
             <a:extLst>
               <a:ext uri="{28A0092B-C50C-407E-A947-70E740481C1C}">
                 <a14:useLocalDpi xmlns:a14="http://schemas.microsoft.com/office/drawing/2010/main" val="0"/>
@@ -34345,17 +34009,17 @@
         </p:blipFill>
         <p:spPr>
           <a:xfrm>
-            <a:off x="4456113" y="778813"/>
-            <a:ext cx="7532687" cy="5254336"/>
+            <a:off x="4652775" y="727787"/>
+            <a:ext cx="7548946" cy="5663681"/>
           </a:xfrm>
         </p:spPr>
       </p:pic>
       <p:sp>
         <p:nvSpPr>
-          <p:cNvPr id="2" name="Text Placeholder 1">
+          <p:cNvPr id="5" name="Text Placeholder 4">
             <a:extLst>
               <a:ext uri="{FF2B5EF4-FFF2-40B4-BE49-F238E27FC236}">
-                <a16:creationId xmlns:a16="http://schemas.microsoft.com/office/drawing/2014/main" id="{3E7E7320-3EB3-4A5B-A671-9E2953469F5F}"/>
+                <a16:creationId xmlns:a16="http://schemas.microsoft.com/office/drawing/2014/main" id="{0C55D05C-717C-4256-8C19-3A162F57FD0C}"/>
               </a:ext>
             </a:extLst>
           </p:cNvPr>
@@ -34366,16 +34030,21 @@
             <p:ph type="body" sz="quarter" idx="14"/>
           </p:nvPr>
         </p:nvSpPr>
-        <p:spPr/>
+        <p:spPr>
+          <a:xfrm>
+            <a:off x="504660" y="1310666"/>
+            <a:ext cx="3650090" cy="711200"/>
+          </a:xfrm>
+        </p:spPr>
         <p:txBody>
-          <a:bodyPr>
+          <a:bodyPr lIns="91440" tIns="45720" rIns="91440" bIns="45720" anchor="t">
             <a:normAutofit fontScale="62500" lnSpcReduction="20000"/>
           </a:bodyPr>
           <a:lstStyle/>
           <a:p>
             <a:r>
-              <a:rPr lang="en-US" dirty="0"/>
-              <a:t>Recommendation System Architecture</a:t>
+              <a:rPr lang="en-US" sz="4000"/>
+              <a:t>MMoE &amp; Gating Network architecture:</a:t>
             </a:r>
           </a:p>
         </p:txBody>
@@ -34385,7 +34054,7 @@
           <p:cNvPr id="6" name="Text Placeholder 5">
             <a:extLst>
               <a:ext uri="{FF2B5EF4-FFF2-40B4-BE49-F238E27FC236}">
-                <a16:creationId xmlns:a16="http://schemas.microsoft.com/office/drawing/2014/main" id="{CC6A3330-15A4-4E54-AF04-F353D2B851F7}"/>
+                <a16:creationId xmlns:a16="http://schemas.microsoft.com/office/drawing/2014/main" id="{D67BFE4F-A0D4-4D41-AF2E-C0A647E45B45}"/>
               </a:ext>
             </a:extLst>
           </p:cNvPr>
@@ -34398,20 +34067,184 @@
         </p:nvSpPr>
         <p:spPr/>
         <p:txBody>
-          <a:bodyPr/>
+          <a:bodyPr lIns="91440" tIns="45720" rIns="91440" bIns="45720" anchor="t">
+            <a:normAutofit/>
+          </a:bodyPr>
           <a:lstStyle/>
           <a:p>
+            <a:pPr marL="285750" indent="-285750">
+              <a:buChar char="•"/>
+            </a:pPr>
             <a:r>
-              <a:rPr lang="en-US" dirty="0"/>
-              <a:t>Single Task Recommendation System</a:t>
+              <a:rPr lang="en-US">
+                <a:ea typeface="+mn-lt"/>
+                <a:cs typeface="+mn-lt"/>
+              </a:rPr>
+              <a:t>MMoE structure is a combination of Multi-Layer Perceptrons followed by ReLU activations. </a:t>
             </a:r>
+          </a:p>
+          <a:p>
+            <a:pPr marL="285750" indent="-285750">
+              <a:buChar char="•"/>
+            </a:pPr>
+            <a:r>
+              <a:rPr lang="en-US">
+                <a:ea typeface="+mn-lt"/>
+                <a:cs typeface="+mn-lt"/>
+              </a:rPr>
+              <a:t>There are experts in the MMoE layer which each of them are to learn a different feature of the input data.</a:t>
+            </a:r>
+            <a:endParaRPr lang="en-US">
+              <a:cs typeface="Calibri"/>
+            </a:endParaRPr>
+          </a:p>
+          <a:p>
+            <a:pPr marL="285750" indent="-285750">
+              <a:buChar char="•"/>
+            </a:pPr>
+            <a:r>
+              <a:rPr lang="en-US">
+                <a:ea typeface="+mn-lt"/>
+                <a:cs typeface="+mn-lt"/>
+              </a:rPr>
+              <a:t>The output of the MMoE layer goes to a Gating Network.</a:t>
+            </a:r>
+            <a:endParaRPr lang="en-US">
+              <a:cs typeface="Calibri"/>
+            </a:endParaRPr>
+          </a:p>
+          <a:p>
+            <a:pPr marL="285750" indent="-285750">
+              <a:buChar char="•"/>
+            </a:pPr>
+            <a:r>
+              <a:rPr lang="en-US">
+                <a:ea typeface="+mn-lt"/>
+                <a:cs typeface="+mn-lt"/>
+              </a:rPr>
+              <a:t>The output of the Gating Networks and the output of the shared hidden layer are inputs for the objective functions such as engagement and satisfaction. </a:t>
+            </a:r>
+          </a:p>
+          <a:p>
+            <a:pPr marL="285750" indent="-285750">
+              <a:buChar char="•"/>
+            </a:pPr>
+            <a:r>
+              <a:rPr lang="en-US">
+                <a:ea typeface="+mn-lt"/>
+                <a:cs typeface="+mn-lt"/>
+              </a:rPr>
+              <a:t>A sigmoid activation function represents each objective function.</a:t>
+            </a:r>
+            <a:endParaRPr lang="en-US">
+              <a:cs typeface="Calibri"/>
+            </a:endParaRPr>
+          </a:p>
+          <a:p>
+            <a:endParaRPr lang="en-US">
+              <a:cs typeface="Calibri"/>
+            </a:endParaRPr>
+          </a:p>
+        </p:txBody>
+      </p:sp>
+      <p:sp>
+        <p:nvSpPr>
+          <p:cNvPr id="7" name="Rectangle 6">
+            <a:extLst>
+              <a:ext uri="{FF2B5EF4-FFF2-40B4-BE49-F238E27FC236}">
+                <a16:creationId xmlns:a16="http://schemas.microsoft.com/office/drawing/2014/main" id="{92F39675-07DF-4716-85F2-83DF37218784}"/>
+              </a:ext>
+            </a:extLst>
+          </p:cNvPr>
+          <p:cNvSpPr/>
+          <p:nvPr/>
+        </p:nvSpPr>
+        <p:spPr>
+          <a:xfrm>
+            <a:off x="6098419" y="2131067"/>
+            <a:ext cx="6099225" cy="2385526"/>
+          </a:xfrm>
+          <a:prstGeom prst="rect">
+            <a:avLst/>
+          </a:prstGeom>
+          <a:noFill/>
+          <a:ln w="76200"/>
+        </p:spPr>
+        <p:style>
+          <a:lnRef idx="2">
+            <a:schemeClr val="accent1">
+              <a:shade val="50000"/>
+            </a:schemeClr>
+          </a:lnRef>
+          <a:fillRef idx="1">
+            <a:schemeClr val="accent1"/>
+          </a:fillRef>
+          <a:effectRef idx="0">
+            <a:schemeClr val="accent1"/>
+          </a:effectRef>
+          <a:fontRef idx="minor">
+            <a:schemeClr val="lt1"/>
+          </a:fontRef>
+        </p:style>
+        <p:txBody>
+          <a:bodyPr rtlCol="0" anchor="ctr"/>
+          <a:lstStyle/>
+          <a:p>
+            <a:pPr algn="ctr"/>
+            <a:endParaRPr lang="en-US"/>
+          </a:p>
+        </p:txBody>
+      </p:sp>
+      <p:sp>
+        <p:nvSpPr>
+          <p:cNvPr id="2" name="Arrow: Left 1">
+            <a:extLst>
+              <a:ext uri="{FF2B5EF4-FFF2-40B4-BE49-F238E27FC236}">
+                <a16:creationId xmlns:a16="http://schemas.microsoft.com/office/drawing/2014/main" id="{DFFAB23C-623E-437D-ACC0-99DE8610E9B7}"/>
+              </a:ext>
+            </a:extLst>
+          </p:cNvPr>
+          <p:cNvSpPr/>
+          <p:nvPr/>
+        </p:nvSpPr>
+        <p:spPr>
+          <a:xfrm>
+            <a:off x="4357950" y="3254771"/>
+            <a:ext cx="1729180" cy="541175"/>
+          </a:xfrm>
+          <a:prstGeom prst="leftArrow">
+            <a:avLst/>
+          </a:prstGeom>
+        </p:spPr>
+        <p:style>
+          <a:lnRef idx="2">
+            <a:schemeClr val="accent1">
+              <a:shade val="50000"/>
+            </a:schemeClr>
+          </a:lnRef>
+          <a:fillRef idx="1">
+            <a:schemeClr val="accent1"/>
+          </a:fillRef>
+          <a:effectRef idx="0">
+            <a:schemeClr val="accent1"/>
+          </a:effectRef>
+          <a:fontRef idx="minor">
+            <a:schemeClr val="lt1"/>
+          </a:fontRef>
+        </p:style>
+        <p:txBody>
+          <a:bodyPr rtlCol="0" anchor="ctr"/>
+          <a:lstStyle/>
+          <a:p>
+            <a:pPr algn="ctr"/>
+            <a:endParaRPr lang="en-US"/>
           </a:p>
         </p:txBody>
       </p:sp>
     </p:spTree>
     <p:extLst>
       <p:ext uri="{BB962C8B-B14F-4D97-AF65-F5344CB8AC3E}">
-        <p14:creationId xmlns:p14="http://schemas.microsoft.com/office/powerpoint/2010/main" val="2825620102"/>
+        <p14:creationId xmlns:p14="http://schemas.microsoft.com/office/powerpoint/2010/main" val="1329679889"/>
       </p:ext>
     </p:extLst>
   </p:cSld>
@@ -34421,348 +34254,7 @@
 </p:sld>
 </file>
 
-<file path=ppt/slides/slide5.xml><?xml version="1.0" encoding="utf-8"?>
-<p:sld xmlns:a="http://schemas.openxmlformats.org/drawingml/2006/main" xmlns:r="http://schemas.openxmlformats.org/officeDocument/2006/relationships" xmlns:p="http://schemas.openxmlformats.org/presentationml/2006/main">
-  <p:cSld>
-    <p:spTree>
-      <p:nvGrpSpPr>
-        <p:cNvPr id="1" name=""/>
-        <p:cNvGrpSpPr/>
-        <p:nvPr/>
-      </p:nvGrpSpPr>
-      <p:grpSpPr>
-        <a:xfrm>
-          <a:off x="0" y="0"/>
-          <a:ext cx="0" cy="0"/>
-          <a:chOff x="0" y="0"/>
-          <a:chExt cx="0" cy="0"/>
-        </a:xfrm>
-      </p:grpSpPr>
-      <p:sp>
-        <p:nvSpPr>
-          <p:cNvPr id="2" name="Text Placeholder 1">
-            <a:extLst>
-              <a:ext uri="{FF2B5EF4-FFF2-40B4-BE49-F238E27FC236}">
-                <a16:creationId xmlns:a16="http://schemas.microsoft.com/office/drawing/2014/main" id="{E08BC6F4-97D6-4B44-9F61-C640DD20AB48}"/>
-              </a:ext>
-            </a:extLst>
-          </p:cNvPr>
-          <p:cNvSpPr>
-            <a:spLocks noGrp="1"/>
-          </p:cNvSpPr>
-          <p:nvPr>
-            <p:ph type="body" sz="quarter" idx="10"/>
-          </p:nvPr>
-        </p:nvSpPr>
-        <p:spPr/>
-        <p:txBody>
-          <a:bodyPr/>
-          <a:lstStyle/>
-          <a:p>
-            <a:r>
-              <a:rPr lang="en-US" dirty="0"/>
-              <a:t>Challenges in Recommendation System</a:t>
-            </a:r>
-          </a:p>
-        </p:txBody>
-      </p:sp>
-      <p:graphicFrame>
-        <p:nvGraphicFramePr>
-          <p:cNvPr id="4" name="Content Placeholder 3">
-            <a:extLst>
-              <a:ext uri="{FF2B5EF4-FFF2-40B4-BE49-F238E27FC236}">
-                <a16:creationId xmlns:a16="http://schemas.microsoft.com/office/drawing/2014/main" id="{56B9C9E7-4291-4752-A9A9-71664E72ECE3}"/>
-              </a:ext>
-            </a:extLst>
-          </p:cNvPr>
-          <p:cNvGraphicFramePr>
-            <a:graphicFrameLocks noGrp="1"/>
-          </p:cNvGraphicFramePr>
-          <p:nvPr>
-            <p:ph sz="quarter" idx="11"/>
-            <p:extLst>
-              <p:ext uri="{D42A27DB-BD31-4B8C-83A1-F6EECF244321}">
-                <p14:modId xmlns:p14="http://schemas.microsoft.com/office/powerpoint/2010/main" val="1670500233"/>
-              </p:ext>
-            </p:extLst>
-          </p:nvPr>
-        </p:nvGraphicFramePr>
-        <p:xfrm>
-          <a:off x="812800" y="1600200"/>
-          <a:ext cx="10668000" cy="4822825"/>
-        </p:xfrm>
-        <a:graphic>
-          <a:graphicData uri="http://schemas.openxmlformats.org/drawingml/2006/diagram">
-            <dgm:relIds xmlns:dgm="http://schemas.openxmlformats.org/drawingml/2006/diagram" xmlns:r="http://schemas.openxmlformats.org/officeDocument/2006/relationships" r:dm="rId2" r:lo="rId3" r:qs="rId4" r:cs="rId5"/>
-          </a:graphicData>
-        </a:graphic>
-      </p:graphicFrame>
-    </p:spTree>
-    <p:extLst>
-      <p:ext uri="{BB962C8B-B14F-4D97-AF65-F5344CB8AC3E}">
-        <p14:creationId xmlns:p14="http://schemas.microsoft.com/office/powerpoint/2010/main" val="3111072064"/>
-      </p:ext>
-    </p:extLst>
-  </p:cSld>
-  <p:clrMapOvr>
-    <a:masterClrMapping/>
-  </p:clrMapOvr>
-</p:sld>
-</file>
-
-<file path=ppt/slides/slide6.xml><?xml version="1.0" encoding="utf-8"?>
-<p:sld xmlns:a="http://schemas.openxmlformats.org/drawingml/2006/main" xmlns:r="http://schemas.openxmlformats.org/officeDocument/2006/relationships" xmlns:p="http://schemas.openxmlformats.org/presentationml/2006/main">
-  <p:cSld>
-    <p:spTree>
-      <p:nvGrpSpPr>
-        <p:cNvPr id="1" name=""/>
-        <p:cNvGrpSpPr/>
-        <p:nvPr/>
-      </p:nvGrpSpPr>
-      <p:grpSpPr>
-        <a:xfrm>
-          <a:off x="0" y="0"/>
-          <a:ext cx="0" cy="0"/>
-          <a:chOff x="0" y="0"/>
-          <a:chExt cx="0" cy="0"/>
-        </a:xfrm>
-      </p:grpSpPr>
-      <p:sp>
-        <p:nvSpPr>
-          <p:cNvPr id="4" name="Title 3">
-            <a:extLst>
-              <a:ext uri="{FF2B5EF4-FFF2-40B4-BE49-F238E27FC236}">
-                <a16:creationId xmlns:a16="http://schemas.microsoft.com/office/drawing/2014/main" id="{429816BD-5963-465C-AB66-D24B3F218FCA}"/>
-              </a:ext>
-            </a:extLst>
-          </p:cNvPr>
-          <p:cNvSpPr>
-            <a:spLocks noGrp="1"/>
-          </p:cNvSpPr>
-          <p:nvPr>
-            <p:ph type="ctrTitle"/>
-          </p:nvPr>
-        </p:nvSpPr>
-        <p:spPr/>
-        <p:txBody>
-          <a:bodyPr>
-            <a:normAutofit fontScale="90000"/>
-          </a:bodyPr>
-          <a:lstStyle/>
-          <a:p>
-            <a:r>
-              <a:rPr lang="en-US" dirty="0"/>
-              <a:t>Multi Gate Mixture of Experts</a:t>
-            </a:r>
-          </a:p>
-        </p:txBody>
-      </p:sp>
-      <p:sp>
-        <p:nvSpPr>
-          <p:cNvPr id="5" name="Text Placeholder 4">
-            <a:extLst>
-              <a:ext uri="{FF2B5EF4-FFF2-40B4-BE49-F238E27FC236}">
-                <a16:creationId xmlns:a16="http://schemas.microsoft.com/office/drawing/2014/main" id="{69DA4E6A-085F-4D12-9C5A-3CA826CA547E}"/>
-              </a:ext>
-            </a:extLst>
-          </p:cNvPr>
-          <p:cNvSpPr>
-            <a:spLocks noGrp="1"/>
-          </p:cNvSpPr>
-          <p:nvPr>
-            <p:ph type="body" sz="quarter" idx="11"/>
-          </p:nvPr>
-        </p:nvSpPr>
-        <p:spPr/>
-        <p:txBody>
-          <a:bodyPr/>
-          <a:lstStyle/>
-          <a:p>
-            <a:r>
-              <a:rPr lang="en-US" dirty="0" err="1"/>
-              <a:t>MMoE</a:t>
-            </a:r>
-            <a:r>
-              <a:rPr lang="en-US" dirty="0"/>
-              <a:t> based ranking system</a:t>
-            </a:r>
-          </a:p>
-        </p:txBody>
-      </p:sp>
-    </p:spTree>
-    <p:extLst>
-      <p:ext uri="{BB962C8B-B14F-4D97-AF65-F5344CB8AC3E}">
-        <p14:creationId xmlns:p14="http://schemas.microsoft.com/office/powerpoint/2010/main" val="2464431670"/>
-      </p:ext>
-    </p:extLst>
-  </p:cSld>
-  <p:clrMapOvr>
-    <a:masterClrMapping/>
-  </p:clrMapOvr>
-</p:sld>
-</file>
-
-<file path=ppt/slides/slide7.xml><?xml version="1.0" encoding="utf-8"?>
-<p:sld xmlns:a="http://schemas.openxmlformats.org/drawingml/2006/main" xmlns:r="http://schemas.openxmlformats.org/officeDocument/2006/relationships" xmlns:p="http://schemas.openxmlformats.org/presentationml/2006/main">
-  <p:cSld>
-    <p:spTree>
-      <p:nvGrpSpPr>
-        <p:cNvPr id="1" name=""/>
-        <p:cNvGrpSpPr/>
-        <p:nvPr/>
-      </p:nvGrpSpPr>
-      <p:grpSpPr>
-        <a:xfrm>
-          <a:off x="0" y="0"/>
-          <a:ext cx="0" cy="0"/>
-          <a:chOff x="0" y="0"/>
-          <a:chExt cx="0" cy="0"/>
-        </a:xfrm>
-      </p:grpSpPr>
-      <p:pic>
-        <p:nvPicPr>
-          <p:cNvPr id="8" name="Content Placeholder 7" descr="Diagram&#10;&#10;Description automatically generated">
-            <a:extLst>
-              <a:ext uri="{FF2B5EF4-FFF2-40B4-BE49-F238E27FC236}">
-                <a16:creationId xmlns:a16="http://schemas.microsoft.com/office/drawing/2014/main" id="{5E34DB90-101B-470C-95EA-D4BBE67C8C2E}"/>
-              </a:ext>
-            </a:extLst>
-          </p:cNvPr>
-          <p:cNvPicPr>
-            <a:picLocks noGrp="1" noChangeAspect="1"/>
-          </p:cNvPicPr>
-          <p:nvPr>
-            <p:ph sz="quarter" idx="11"/>
-          </p:nvPr>
-        </p:nvPicPr>
-        <p:blipFill>
-          <a:blip r:embed="rId2">
-            <a:extLst>
-              <a:ext uri="{28A0092B-C50C-407E-A947-70E740481C1C}">
-                <a14:useLocalDpi xmlns:a14="http://schemas.microsoft.com/office/drawing/2010/main" val="0"/>
-              </a:ext>
-            </a:extLst>
-          </a:blip>
-          <a:stretch>
-            <a:fillRect/>
-          </a:stretch>
-        </p:blipFill>
-        <p:spPr bwMode="auto">
-          <a:xfrm>
-            <a:off x="4612481" y="1591469"/>
-            <a:ext cx="7219950" cy="3629025"/>
-          </a:xfrm>
-          <a:prstGeom prst="rect">
-            <a:avLst/>
-          </a:prstGeom>
-          <a:noFill/>
-          <a:extLst>
-            <a:ext uri="{909E8E84-426E-40DD-AFC4-6F175D3DCCD1}">
-              <a14:hiddenFill xmlns:a14="http://schemas.microsoft.com/office/drawing/2010/main">
-                <a:solidFill>
-                  <a:srgbClr val="FFFFFF"/>
-                </a:solidFill>
-              </a14:hiddenFill>
-            </a:ext>
-          </a:extLst>
-        </p:spPr>
-      </p:pic>
-      <p:sp>
-        <p:nvSpPr>
-          <p:cNvPr id="4" name="Text Placeholder 3">
-            <a:extLst>
-              <a:ext uri="{FF2B5EF4-FFF2-40B4-BE49-F238E27FC236}">
-                <a16:creationId xmlns:a16="http://schemas.microsoft.com/office/drawing/2014/main" id="{6826A5E1-0CCC-48C4-9672-2F0BFD07AA8A}"/>
-              </a:ext>
-            </a:extLst>
-          </p:cNvPr>
-          <p:cNvSpPr>
-            <a:spLocks noGrp="1"/>
-          </p:cNvSpPr>
-          <p:nvPr>
-            <p:ph type="body" sz="quarter" idx="14"/>
-          </p:nvPr>
-        </p:nvSpPr>
-        <p:spPr/>
-        <p:txBody>
-          <a:bodyPr>
-            <a:normAutofit fontScale="62500" lnSpcReduction="20000"/>
-          </a:bodyPr>
-          <a:lstStyle/>
-          <a:p>
-            <a:r>
-              <a:rPr lang="en-US" dirty="0"/>
-              <a:t>Recommendation System Web app Architecture</a:t>
-            </a:r>
-          </a:p>
-        </p:txBody>
-      </p:sp>
-      <p:sp>
-        <p:nvSpPr>
-          <p:cNvPr id="19" name="Text Placeholder 18">
-            <a:extLst>
-              <a:ext uri="{FF2B5EF4-FFF2-40B4-BE49-F238E27FC236}">
-                <a16:creationId xmlns:a16="http://schemas.microsoft.com/office/drawing/2014/main" id="{C4DECFA7-E6D2-4B1F-9B8C-76A047B68E20}"/>
-              </a:ext>
-            </a:extLst>
-          </p:cNvPr>
-          <p:cNvSpPr>
-            <a:spLocks noGrp="1"/>
-          </p:cNvSpPr>
-          <p:nvPr>
-            <p:ph type="body" sz="quarter" idx="18"/>
-          </p:nvPr>
-        </p:nvSpPr>
-        <p:spPr/>
-        <p:txBody>
-          <a:bodyPr/>
-          <a:lstStyle/>
-          <a:p>
-            <a:r>
-              <a:rPr lang="en-US" dirty="0"/>
-              <a:t>We are using NMF for getting ranking a list of movies from candidate lists</a:t>
-            </a:r>
-          </a:p>
-          <a:p>
-            <a:endParaRPr lang="en-US" dirty="0"/>
-          </a:p>
-          <a:p>
-            <a:endParaRPr lang="en-US" dirty="0"/>
-          </a:p>
-          <a:p>
-            <a:r>
-              <a:rPr lang="en-US" dirty="0" err="1"/>
-              <a:t>MMoE</a:t>
-            </a:r>
-            <a:r>
-              <a:rPr lang="en-US" dirty="0"/>
-              <a:t> is used to rank the videos from </a:t>
-            </a:r>
-            <a:r>
-              <a:rPr lang="en-US" dirty="0" err="1"/>
-              <a:t>Youtube</a:t>
-            </a:r>
-            <a:r>
-              <a:rPr lang="en-US" dirty="0"/>
-              <a:t> dataset based on queries given by user</a:t>
-            </a:r>
-          </a:p>
-        </p:txBody>
-      </p:sp>
-    </p:spTree>
-    <p:extLst>
-      <p:ext uri="{BB962C8B-B14F-4D97-AF65-F5344CB8AC3E}">
-        <p14:creationId xmlns:p14="http://schemas.microsoft.com/office/powerpoint/2010/main" val="367749637"/>
-      </p:ext>
-    </p:extLst>
-  </p:cSld>
-  <p:clrMapOvr>
-    <a:masterClrMapping/>
-  </p:clrMapOvr>
-</p:sld>
-</file>
-
-<file path=ppt/slides/slide8.xml><?xml version="1.0" encoding="utf-8"?>
+<file path=ppt/slides/slide11.xml><?xml version="1.0" encoding="utf-8"?>
 <p:sld xmlns:a="http://schemas.openxmlformats.org/drawingml/2006/main" xmlns:r="http://schemas.openxmlformats.org/officeDocument/2006/relationships" xmlns:p="http://schemas.openxmlformats.org/presentationml/2006/main">
   <p:cSld>
     <p:spTree>
@@ -34840,20 +34332,21 @@
             <p:ph type="body" sz="quarter" idx="14"/>
           </p:nvPr>
         </p:nvSpPr>
-        <p:spPr/>
+        <p:spPr>
+          <a:xfrm>
+            <a:off x="504660" y="1355822"/>
+            <a:ext cx="4090356" cy="711200"/>
+          </a:xfrm>
+        </p:spPr>
         <p:txBody>
-          <a:bodyPr>
-            <a:normAutofit fontScale="85000" lnSpcReduction="10000"/>
+          <a:bodyPr lIns="91440" tIns="45720" rIns="91440" bIns="45720" anchor="t">
+            <a:normAutofit fontScale="62500" lnSpcReduction="20000"/>
           </a:bodyPr>
           <a:lstStyle/>
           <a:p>
             <a:r>
-              <a:rPr lang="en-US" sz="4000" dirty="0" err="1"/>
-              <a:t>MMoE</a:t>
-            </a:r>
-            <a:r>
-              <a:rPr lang="en-US" sz="4000" dirty="0"/>
-              <a:t> Architecture</a:t>
+              <a:rPr lang="en-US" sz="4000"/>
+              <a:t>Shallow Tower architecture:</a:t>
             </a:r>
           </a:p>
         </p:txBody>
@@ -34874,33 +34367,97 @@
             <p:ph type="body" sz="quarter" idx="18"/>
           </p:nvPr>
         </p:nvSpPr>
-        <p:spPr/>
+        <p:spPr>
+          <a:xfrm>
+            <a:off x="203290" y="1893712"/>
+            <a:ext cx="3951460" cy="4654234"/>
+          </a:xfrm>
+        </p:spPr>
         <p:txBody>
-          <a:bodyPr/>
+          <a:bodyPr lIns="91440" tIns="45720" rIns="91440" bIns="45720" anchor="t">
+            <a:normAutofit/>
+          </a:bodyPr>
           <a:lstStyle/>
           <a:p>
+            <a:pPr marL="285750" indent="-285750">
+              <a:buChar char="•"/>
+            </a:pPr>
             <a:r>
-              <a:rPr lang="en-US" dirty="0"/>
-              <a:t>Shallow Tower, can separate the learning of user utility and position bias.</a:t>
+              <a:rPr lang="en-US" sz="1200">
+                <a:ea typeface="+mn-lt"/>
+                <a:cs typeface="+mn-lt"/>
+              </a:rPr>
+              <a:t>Using implicit feedback data for training because explicit feedback data which are ideal for training are not available or are expensive, might not be ideal as there is a bias in this data. </a:t>
+            </a:r>
+            <a:endParaRPr lang="en-US" sz="1200">
+              <a:cs typeface="Calibri"/>
+            </a:endParaRPr>
+          </a:p>
+          <a:p>
+            <a:pPr marL="285750" indent="-285750">
+              <a:buChar char="•"/>
+            </a:pPr>
+            <a:endParaRPr lang="en-US" sz="1200">
+              <a:cs typeface="Calibri"/>
+            </a:endParaRPr>
+          </a:p>
+          <a:p>
+            <a:pPr marL="285750" indent="-285750">
+              <a:buChar char="•"/>
+            </a:pPr>
+            <a:r>
+              <a:rPr lang="en-US" sz="1200">
+                <a:ea typeface="+mn-lt"/>
+                <a:cs typeface="+mn-lt"/>
+              </a:rPr>
+              <a:t>For this, a shallow tower is introduced into the model architecture. </a:t>
             </a:r>
           </a:p>
           <a:p>
-            <a:endParaRPr lang="en-US" dirty="0"/>
+            <a:pPr marL="285750" indent="-285750">
+              <a:buChar char="•"/>
+            </a:pPr>
+            <a:r>
+              <a:rPr lang="en-US" sz="1200">
+                <a:ea typeface="+mn-lt"/>
+                <a:cs typeface="+mn-lt"/>
+              </a:rPr>
+              <a:t>The shallow tower is trained using features that contribute to the bias like position of the recommendation and tries to predict whether there is a bias component involved in the current instance. </a:t>
+            </a:r>
+            <a:endParaRPr lang="en-US" sz="1200">
+              <a:cs typeface="Calibri"/>
+            </a:endParaRPr>
+          </a:p>
+          <a:p>
+            <a:endParaRPr lang="en-US" sz="1200">
+              <a:cs typeface="Calibri"/>
+            </a:endParaRPr>
+          </a:p>
+          <a:p>
+            <a:pPr marL="285750" indent="-285750">
+              <a:buChar char="•"/>
+            </a:pPr>
+            <a:r>
+              <a:rPr lang="en-US" sz="1200"/>
+              <a:t>It is removing the selection bias, takes input related to the selection bias, e.g., ranking order decided by the current system, and outputs a scalar serving as a bias term to the final prediction of the main model.</a:t>
+            </a:r>
+            <a:endParaRPr lang="en-US" sz="1200">
+              <a:cs typeface="Calibri"/>
+            </a:endParaRPr>
+          </a:p>
+          <a:p>
+            <a:endParaRPr lang="en-US" sz="1200">
+              <a:cs typeface="Calibri"/>
+            </a:endParaRPr>
           </a:p>
           <a:p>
             <a:r>
-              <a:rPr lang="en-US" dirty="0"/>
-              <a:t>It is removing the selection bias, takes input related to the selection bias, e.g., ranking order decided by the current system, and outputs a scalar serving as a bias term to the final prediction of the main model.</a:t>
+              <a:rPr lang="en-US" sz="1200"/>
+              <a:t>The Shallow tower factorizes the label in training data in two parts the unbiased user utility learned from the main model, and the estimated propensity score learned from the shallow tower.</a:t>
             </a:r>
-          </a:p>
-          <a:p>
-            <a:endParaRPr lang="en-US" dirty="0"/>
-          </a:p>
-          <a:p>
-            <a:r>
-              <a:rPr lang="en-US" dirty="0"/>
-              <a:t>The Shallow tower factorizes the label in training data in two parts: the unbiased user utility learned from the main model, and the estimated propensity score learned from the shallow tower.</a:t>
-            </a:r>
+            <a:endParaRPr lang="en-US" sz="1200">
+              <a:cs typeface="Calibri"/>
+            </a:endParaRPr>
           </a:p>
         </p:txBody>
       </p:sp>
@@ -35011,7 +34568,114 @@
 </p:sld>
 </file>
 
-<file path=ppt/slides/slide9.xml><?xml version="1.0" encoding="utf-8"?>
+<file path=ppt/slides/slide12.xml><?xml version="1.0" encoding="utf-8"?>
+<p:sld xmlns:a="http://schemas.openxmlformats.org/drawingml/2006/main" xmlns:r="http://schemas.openxmlformats.org/officeDocument/2006/relationships" xmlns:p="http://schemas.openxmlformats.org/presentationml/2006/main">
+  <p:cSld>
+    <p:spTree>
+      <p:nvGrpSpPr>
+        <p:cNvPr id="1" name=""/>
+        <p:cNvGrpSpPr/>
+        <p:nvPr/>
+      </p:nvGrpSpPr>
+      <p:grpSpPr>
+        <a:xfrm>
+          <a:off x="0" y="0"/>
+          <a:ext cx="0" cy="0"/>
+          <a:chOff x="0" y="0"/>
+          <a:chExt cx="0" cy="0"/>
+        </a:xfrm>
+      </p:grpSpPr>
+      <p:sp>
+        <p:nvSpPr>
+          <p:cNvPr id="5" name="Title 4">
+            <a:extLst>
+              <a:ext uri="{FF2B5EF4-FFF2-40B4-BE49-F238E27FC236}">
+                <a16:creationId xmlns:a16="http://schemas.microsoft.com/office/drawing/2014/main" id="{B36E2C18-A2E3-47CD-BEA1-2164A25FB7D3}"/>
+              </a:ext>
+            </a:extLst>
+          </p:cNvPr>
+          <p:cNvSpPr>
+            <a:spLocks noGrp="1"/>
+          </p:cNvSpPr>
+          <p:nvPr>
+            <p:ph type="ctrTitle"/>
+          </p:nvPr>
+        </p:nvSpPr>
+        <p:spPr/>
+        <p:txBody>
+          <a:bodyPr/>
+          <a:lstStyle/>
+          <a:p>
+            <a:r>
+              <a:rPr lang="en-US"/>
+              <a:t>Our Approach for </a:t>
+            </a:r>
+            <a:r>
+              <a:rPr lang="en-US" err="1"/>
+              <a:t>MMoE</a:t>
+            </a:r>
+            <a:endParaRPr lang="en-US"/>
+          </a:p>
+        </p:txBody>
+      </p:sp>
+      <p:sp>
+        <p:nvSpPr>
+          <p:cNvPr id="6" name="Text Placeholder 5">
+            <a:extLst>
+              <a:ext uri="{FF2B5EF4-FFF2-40B4-BE49-F238E27FC236}">
+                <a16:creationId xmlns:a16="http://schemas.microsoft.com/office/drawing/2014/main" id="{A4E84401-3030-489B-AE0B-E9DE6FC68F14}"/>
+              </a:ext>
+            </a:extLst>
+          </p:cNvPr>
+          <p:cNvSpPr>
+            <a:spLocks noGrp="1"/>
+          </p:cNvSpPr>
+          <p:nvPr>
+            <p:ph type="body" sz="quarter" idx="11"/>
+          </p:nvPr>
+        </p:nvSpPr>
+        <p:spPr/>
+        <p:txBody>
+          <a:bodyPr/>
+          <a:lstStyle/>
+          <a:p>
+            <a:r>
+              <a:rPr lang="en-US"/>
+              <a:t>Recommending YouTube videos using </a:t>
+            </a:r>
+            <a:r>
+              <a:rPr lang="en-US" err="1"/>
+              <a:t>MMoE</a:t>
+            </a:r>
+            <a:r>
+              <a:rPr lang="en-US"/>
+              <a:t> (</a:t>
+            </a:r>
+            <a:r>
+              <a:rPr lang="en-US" err="1"/>
+              <a:t>Multigate</a:t>
+            </a:r>
+            <a:r>
+              <a:rPr lang="en-US"/>
+              <a:t> Mixture of Experts)</a:t>
+            </a:r>
+          </a:p>
+        </p:txBody>
+      </p:sp>
+    </p:spTree>
+    <p:extLst>
+      <p:ext uri="{BB962C8B-B14F-4D97-AF65-F5344CB8AC3E}">
+        <p14:creationId xmlns:p14="http://schemas.microsoft.com/office/powerpoint/2010/main" val="2385084533"/>
+      </p:ext>
+    </p:extLst>
+  </p:cSld>
+  <p:clrMapOvr>
+    <a:masterClrMapping/>
+  </p:clrMapOvr>
+</p:sld>
+</file>
+
+<file path=ppt/slides/slide13.xml><?xml version="1.0" encoding="utf-8"?>
 <p:sld xmlns:a="http://schemas.openxmlformats.org/drawingml/2006/main" xmlns:r="http://schemas.openxmlformats.org/officeDocument/2006/relationships" xmlns:p="http://schemas.openxmlformats.org/presentationml/2006/main">
   <p:cSld>
     <p:spTree>
@@ -35050,7 +34714,7 @@
           <a:lstStyle/>
           <a:p>
             <a:r>
-              <a:rPr lang="en-US" dirty="0"/>
+              <a:rPr lang="en-US"/>
               <a:t>Recommendation Engine</a:t>
             </a:r>
           </a:p>
@@ -35072,7 +34736,7 @@
             <p:ph sz="quarter" idx="11"/>
             <p:extLst>
               <p:ext uri="{D42A27DB-BD31-4B8C-83A1-F6EECF244321}">
-                <p14:modId xmlns:p14="http://schemas.microsoft.com/office/powerpoint/2010/main" val="14561222"/>
+                <p14:modId xmlns:p14="http://schemas.microsoft.com/office/powerpoint/2010/main" val="3566613165"/>
               </p:ext>
             </p:extLst>
           </p:nvPr>
@@ -35091,6 +34755,2301 @@
     <p:extLst>
       <p:ext uri="{BB962C8B-B14F-4D97-AF65-F5344CB8AC3E}">
         <p14:creationId xmlns:p14="http://schemas.microsoft.com/office/powerpoint/2010/main" val="3473102551"/>
+      </p:ext>
+    </p:extLst>
+  </p:cSld>
+  <p:clrMapOvr>
+    <a:masterClrMapping/>
+  </p:clrMapOvr>
+</p:sld>
+</file>
+
+<file path=ppt/slides/slide14.xml><?xml version="1.0" encoding="utf-8"?>
+<p:sld xmlns:a="http://schemas.openxmlformats.org/drawingml/2006/main" xmlns:r="http://schemas.openxmlformats.org/officeDocument/2006/relationships" xmlns:p="http://schemas.openxmlformats.org/presentationml/2006/main">
+  <p:cSld>
+    <p:spTree>
+      <p:nvGrpSpPr>
+        <p:cNvPr id="1" name=""/>
+        <p:cNvGrpSpPr/>
+        <p:nvPr/>
+      </p:nvGrpSpPr>
+      <p:grpSpPr>
+        <a:xfrm>
+          <a:off x="0" y="0"/>
+          <a:ext cx="0" cy="0"/>
+          <a:chOff x="0" y="0"/>
+          <a:chExt cx="0" cy="0"/>
+        </a:xfrm>
+      </p:grpSpPr>
+      <p:sp>
+        <p:nvSpPr>
+          <p:cNvPr id="2" name="Text Placeholder 1">
+            <a:extLst>
+              <a:ext uri="{FF2B5EF4-FFF2-40B4-BE49-F238E27FC236}">
+                <a16:creationId xmlns:a16="http://schemas.microsoft.com/office/drawing/2014/main" id="{3334973E-E54B-4703-89AA-CC195FAE67A2}"/>
+              </a:ext>
+            </a:extLst>
+          </p:cNvPr>
+          <p:cNvSpPr>
+            <a:spLocks noGrp="1"/>
+          </p:cNvSpPr>
+          <p:nvPr>
+            <p:ph type="body" sz="quarter" idx="10"/>
+          </p:nvPr>
+        </p:nvSpPr>
+        <p:spPr/>
+        <p:txBody>
+          <a:bodyPr/>
+          <a:lstStyle/>
+          <a:p>
+            <a:r>
+              <a:rPr lang="en-US"/>
+              <a:t>Candidate List</a:t>
+            </a:r>
+          </a:p>
+        </p:txBody>
+      </p:sp>
+      <p:graphicFrame>
+        <p:nvGraphicFramePr>
+          <p:cNvPr id="4" name="Content Placeholder 3">
+            <a:extLst>
+              <a:ext uri="{FF2B5EF4-FFF2-40B4-BE49-F238E27FC236}">
+                <a16:creationId xmlns:a16="http://schemas.microsoft.com/office/drawing/2014/main" id="{5B3A7893-9977-42D9-A591-693197302AFF}"/>
+              </a:ext>
+            </a:extLst>
+          </p:cNvPr>
+          <p:cNvGraphicFramePr>
+            <a:graphicFrameLocks noGrp="1"/>
+          </p:cNvGraphicFramePr>
+          <p:nvPr>
+            <p:ph sz="quarter" idx="11"/>
+            <p:extLst>
+              <p:ext uri="{D42A27DB-BD31-4B8C-83A1-F6EECF244321}">
+                <p14:modId xmlns:p14="http://schemas.microsoft.com/office/powerpoint/2010/main" val="288810024"/>
+              </p:ext>
+            </p:extLst>
+          </p:nvPr>
+        </p:nvGraphicFramePr>
+        <p:xfrm>
+          <a:off x="812800" y="1600200"/>
+          <a:ext cx="10668000" cy="4822825"/>
+        </p:xfrm>
+        <a:graphic>
+          <a:graphicData uri="http://schemas.openxmlformats.org/drawingml/2006/diagram">
+            <dgm:relIds xmlns:dgm="http://schemas.openxmlformats.org/drawingml/2006/diagram" xmlns:r="http://schemas.openxmlformats.org/officeDocument/2006/relationships" r:dm="rId2" r:lo="rId3" r:qs="rId4" r:cs="rId5"/>
+          </a:graphicData>
+        </a:graphic>
+      </p:graphicFrame>
+    </p:spTree>
+    <p:extLst>
+      <p:ext uri="{BB962C8B-B14F-4D97-AF65-F5344CB8AC3E}">
+        <p14:creationId xmlns:p14="http://schemas.microsoft.com/office/powerpoint/2010/main" val="1497588716"/>
+      </p:ext>
+    </p:extLst>
+  </p:cSld>
+  <p:clrMapOvr>
+    <a:masterClrMapping/>
+  </p:clrMapOvr>
+</p:sld>
+</file>
+
+<file path=ppt/slides/slide15.xml><?xml version="1.0" encoding="utf-8"?>
+<p:sld xmlns:a="http://schemas.openxmlformats.org/drawingml/2006/main" xmlns:r="http://schemas.openxmlformats.org/officeDocument/2006/relationships" xmlns:p="http://schemas.openxmlformats.org/presentationml/2006/main">
+  <p:cSld>
+    <p:spTree>
+      <p:nvGrpSpPr>
+        <p:cNvPr id="1" name=""/>
+        <p:cNvGrpSpPr/>
+        <p:nvPr/>
+      </p:nvGrpSpPr>
+      <p:grpSpPr>
+        <a:xfrm>
+          <a:off x="0" y="0"/>
+          <a:ext cx="0" cy="0"/>
+          <a:chOff x="0" y="0"/>
+          <a:chExt cx="0" cy="0"/>
+        </a:xfrm>
+      </p:grpSpPr>
+      <p:sp>
+        <p:nvSpPr>
+          <p:cNvPr id="23" name="Text Placeholder 22">
+            <a:extLst>
+              <a:ext uri="{FF2B5EF4-FFF2-40B4-BE49-F238E27FC236}">
+                <a16:creationId xmlns:a16="http://schemas.microsoft.com/office/drawing/2014/main" id="{E03A5053-9AB2-482A-B6AC-0AE2BD4D3447}"/>
+              </a:ext>
+            </a:extLst>
+          </p:cNvPr>
+          <p:cNvSpPr>
+            <a:spLocks noGrp="1"/>
+          </p:cNvSpPr>
+          <p:nvPr>
+            <p:ph type="body" sz="quarter" idx="10"/>
+          </p:nvPr>
+        </p:nvSpPr>
+        <p:spPr/>
+        <p:txBody>
+          <a:bodyPr/>
+          <a:lstStyle/>
+          <a:p>
+            <a:r>
+              <a:rPr lang="en-US" err="1"/>
+              <a:t>Colab</a:t>
+            </a:r>
+            <a:r>
+              <a:rPr lang="en-US"/>
+              <a:t> Demo</a:t>
+            </a:r>
+          </a:p>
+        </p:txBody>
+      </p:sp>
+      <p:graphicFrame>
+        <p:nvGraphicFramePr>
+          <p:cNvPr id="6" name="Content Placeholder 5">
+            <a:extLst>
+              <a:ext uri="{FF2B5EF4-FFF2-40B4-BE49-F238E27FC236}">
+                <a16:creationId xmlns:a16="http://schemas.microsoft.com/office/drawing/2014/main" id="{215D1ED2-2276-4F00-AE52-872A08D30321}"/>
+              </a:ext>
+            </a:extLst>
+          </p:cNvPr>
+          <p:cNvGraphicFramePr>
+            <a:graphicFrameLocks noGrp="1"/>
+          </p:cNvGraphicFramePr>
+          <p:nvPr>
+            <p:ph sz="quarter" idx="11"/>
+            <p:extLst>
+              <p:ext uri="{D42A27DB-BD31-4B8C-83A1-F6EECF244321}">
+                <p14:modId xmlns:p14="http://schemas.microsoft.com/office/powerpoint/2010/main" val="3937469889"/>
+              </p:ext>
+            </p:extLst>
+          </p:nvPr>
+        </p:nvGraphicFramePr>
+        <p:xfrm>
+          <a:off x="812800" y="1600200"/>
+          <a:ext cx="10668000" cy="4822825"/>
+        </p:xfrm>
+        <a:graphic>
+          <a:graphicData uri="http://schemas.openxmlformats.org/drawingml/2006/diagram">
+            <dgm:relIds xmlns:dgm="http://schemas.openxmlformats.org/drawingml/2006/diagram" xmlns:r="http://schemas.openxmlformats.org/officeDocument/2006/relationships" r:dm="rId2" r:lo="rId3" r:qs="rId4" r:cs="rId5"/>
+          </a:graphicData>
+        </a:graphic>
+      </p:graphicFrame>
+    </p:spTree>
+    <p:extLst>
+      <p:ext uri="{BB962C8B-B14F-4D97-AF65-F5344CB8AC3E}">
+        <p14:creationId xmlns:p14="http://schemas.microsoft.com/office/powerpoint/2010/main" val="4047241573"/>
+      </p:ext>
+    </p:extLst>
+  </p:cSld>
+  <p:clrMapOvr>
+    <a:masterClrMapping/>
+  </p:clrMapOvr>
+</p:sld>
+</file>
+
+<file path=ppt/slides/slide16.xml><?xml version="1.0" encoding="utf-8"?>
+<p:sld xmlns:a="http://schemas.openxmlformats.org/drawingml/2006/main" xmlns:r="http://schemas.openxmlformats.org/officeDocument/2006/relationships" xmlns:p="http://schemas.openxmlformats.org/presentationml/2006/main">
+  <p:cSld>
+    <p:spTree>
+      <p:nvGrpSpPr>
+        <p:cNvPr id="1" name=""/>
+        <p:cNvGrpSpPr/>
+        <p:nvPr/>
+      </p:nvGrpSpPr>
+      <p:grpSpPr>
+        <a:xfrm>
+          <a:off x="0" y="0"/>
+          <a:ext cx="0" cy="0"/>
+          <a:chOff x="0" y="0"/>
+          <a:chExt cx="0" cy="0"/>
+        </a:xfrm>
+      </p:grpSpPr>
+      <p:sp>
+        <p:nvSpPr>
+          <p:cNvPr id="2" name="Text Placeholder 1">
+            <a:extLst>
+              <a:ext uri="{FF2B5EF4-FFF2-40B4-BE49-F238E27FC236}">
+                <a16:creationId xmlns:a16="http://schemas.microsoft.com/office/drawing/2014/main" id="{558EED3B-F77A-425D-BC6C-8D7ADFE61985}"/>
+              </a:ext>
+            </a:extLst>
+          </p:cNvPr>
+          <p:cNvSpPr>
+            <a:spLocks noGrp="1"/>
+          </p:cNvSpPr>
+          <p:nvPr>
+            <p:ph type="body" sz="quarter" idx="10"/>
+          </p:nvPr>
+        </p:nvSpPr>
+        <p:spPr/>
+        <p:txBody>
+          <a:bodyPr lIns="91440" tIns="45720" rIns="91440" bIns="45720" anchor="t">
+            <a:normAutofit/>
+          </a:bodyPr>
+          <a:lstStyle/>
+          <a:p>
+            <a:r>
+              <a:rPr lang="en-US" sz="3700">
+                <a:cs typeface="Calibri"/>
+              </a:rPr>
+              <a:t>Results from production</a:t>
+            </a:r>
+            <a:endParaRPr lang="en-US"/>
+          </a:p>
+        </p:txBody>
+      </p:sp>
+      <p:sp>
+        <p:nvSpPr>
+          <p:cNvPr id="3" name="Text Placeholder 2">
+            <a:extLst>
+              <a:ext uri="{FF2B5EF4-FFF2-40B4-BE49-F238E27FC236}">
+                <a16:creationId xmlns:a16="http://schemas.microsoft.com/office/drawing/2014/main" id="{E7D4DE9A-547D-455A-B8EA-B086C2E6587C}"/>
+              </a:ext>
+            </a:extLst>
+          </p:cNvPr>
+          <p:cNvSpPr>
+            <a:spLocks noGrp="1"/>
+          </p:cNvSpPr>
+          <p:nvPr>
+            <p:ph type="body" sz="quarter" idx="11"/>
+          </p:nvPr>
+        </p:nvSpPr>
+        <p:spPr/>
+        <p:txBody>
+          <a:bodyPr/>
+          <a:lstStyle/>
+          <a:p>
+            <a:endParaRPr lang="en-US"/>
+          </a:p>
+        </p:txBody>
+      </p:sp>
+      <p:pic>
+        <p:nvPicPr>
+          <p:cNvPr id="4" name="Picture 4" descr="Table&#10;&#10;Description automatically generated">
+            <a:extLst>
+              <a:ext uri="{FF2B5EF4-FFF2-40B4-BE49-F238E27FC236}">
+                <a16:creationId xmlns:a16="http://schemas.microsoft.com/office/drawing/2014/main" id="{51BFD076-74B3-44A9-9EC1-0ACB55030125}"/>
+              </a:ext>
+            </a:extLst>
+          </p:cNvPr>
+          <p:cNvPicPr>
+            <a:picLocks noChangeAspect="1"/>
+          </p:cNvPicPr>
+          <p:nvPr/>
+        </p:nvPicPr>
+        <p:blipFill>
+          <a:blip r:embed="rId2"/>
+          <a:stretch>
+            <a:fillRect/>
+          </a:stretch>
+        </p:blipFill>
+        <p:spPr>
+          <a:xfrm>
+            <a:off x="1122220" y="993051"/>
+            <a:ext cx="9826334" cy="2490649"/>
+          </a:xfrm>
+          <a:prstGeom prst="rect">
+            <a:avLst/>
+          </a:prstGeom>
+        </p:spPr>
+      </p:pic>
+      <p:pic>
+        <p:nvPicPr>
+          <p:cNvPr id="5" name="Picture 5" descr="Table&#10;&#10;Description automatically generated">
+            <a:extLst>
+              <a:ext uri="{FF2B5EF4-FFF2-40B4-BE49-F238E27FC236}">
+                <a16:creationId xmlns:a16="http://schemas.microsoft.com/office/drawing/2014/main" id="{1DFF0103-0B46-4F6B-8DA8-13AA7B64D439}"/>
+              </a:ext>
+            </a:extLst>
+          </p:cNvPr>
+          <p:cNvPicPr>
+            <a:picLocks noChangeAspect="1"/>
+          </p:cNvPicPr>
+          <p:nvPr/>
+        </p:nvPicPr>
+        <p:blipFill>
+          <a:blip r:embed="rId3"/>
+          <a:stretch>
+            <a:fillRect/>
+          </a:stretch>
+        </p:blipFill>
+        <p:spPr>
+          <a:xfrm>
+            <a:off x="2429741" y="3482687"/>
+            <a:ext cx="6795654" cy="2819399"/>
+          </a:xfrm>
+          <a:prstGeom prst="rect">
+            <a:avLst/>
+          </a:prstGeom>
+        </p:spPr>
+      </p:pic>
+    </p:spTree>
+    <p:extLst>
+      <p:ext uri="{BB962C8B-B14F-4D97-AF65-F5344CB8AC3E}">
+        <p14:creationId xmlns:p14="http://schemas.microsoft.com/office/powerpoint/2010/main" val="1973050822"/>
+      </p:ext>
+    </p:extLst>
+  </p:cSld>
+  <p:clrMapOvr>
+    <a:masterClrMapping/>
+  </p:clrMapOvr>
+</p:sld>
+</file>
+
+<file path=ppt/slides/slide17.xml><?xml version="1.0" encoding="utf-8"?>
+<p:sld xmlns:a="http://schemas.openxmlformats.org/drawingml/2006/main" xmlns:r="http://schemas.openxmlformats.org/officeDocument/2006/relationships" xmlns:p="http://schemas.openxmlformats.org/presentationml/2006/main">
+  <p:cSld>
+    <p:spTree>
+      <p:nvGrpSpPr>
+        <p:cNvPr id="1" name=""/>
+        <p:cNvGrpSpPr/>
+        <p:nvPr/>
+      </p:nvGrpSpPr>
+      <p:grpSpPr>
+        <a:xfrm>
+          <a:off x="0" y="0"/>
+          <a:ext cx="0" cy="0"/>
+          <a:chOff x="0" y="0"/>
+          <a:chExt cx="0" cy="0"/>
+        </a:xfrm>
+      </p:grpSpPr>
+      <p:sp>
+        <p:nvSpPr>
+          <p:cNvPr id="2" name="Text Placeholder 1">
+            <a:extLst>
+              <a:ext uri="{FF2B5EF4-FFF2-40B4-BE49-F238E27FC236}">
+                <a16:creationId xmlns:a16="http://schemas.microsoft.com/office/drawing/2014/main" id="{24D057D6-3D9C-4C4E-825D-44CC1F8D5D59}"/>
+              </a:ext>
+            </a:extLst>
+          </p:cNvPr>
+          <p:cNvSpPr>
+            <a:spLocks noGrp="1"/>
+          </p:cNvSpPr>
+          <p:nvPr>
+            <p:ph type="body" sz="quarter" idx="10"/>
+          </p:nvPr>
+        </p:nvSpPr>
+        <p:spPr/>
+        <p:txBody>
+          <a:bodyPr/>
+          <a:lstStyle/>
+          <a:p>
+            <a:r>
+              <a:rPr lang="en-US"/>
+              <a:t>Application Demo</a:t>
+            </a:r>
+          </a:p>
+        </p:txBody>
+      </p:sp>
+      <p:graphicFrame>
+        <p:nvGraphicFramePr>
+          <p:cNvPr id="4" name="Content Placeholder 3">
+            <a:extLst>
+              <a:ext uri="{FF2B5EF4-FFF2-40B4-BE49-F238E27FC236}">
+                <a16:creationId xmlns:a16="http://schemas.microsoft.com/office/drawing/2014/main" id="{14C42B7B-E664-42A5-A2BE-DD9EFE8223D4}"/>
+              </a:ext>
+            </a:extLst>
+          </p:cNvPr>
+          <p:cNvGraphicFramePr>
+            <a:graphicFrameLocks noGrp="1"/>
+          </p:cNvGraphicFramePr>
+          <p:nvPr>
+            <p:ph sz="quarter" idx="11"/>
+            <p:extLst>
+              <p:ext uri="{D42A27DB-BD31-4B8C-83A1-F6EECF244321}">
+                <p14:modId xmlns:p14="http://schemas.microsoft.com/office/powerpoint/2010/main" val="2425475037"/>
+              </p:ext>
+            </p:extLst>
+          </p:nvPr>
+        </p:nvGraphicFramePr>
+        <p:xfrm>
+          <a:off x="219788" y="1448578"/>
+          <a:ext cx="11261012" cy="5126070"/>
+        </p:xfrm>
+        <a:graphic>
+          <a:graphicData uri="http://schemas.openxmlformats.org/drawingml/2006/diagram">
+            <dgm:relIds xmlns:dgm="http://schemas.openxmlformats.org/drawingml/2006/diagram" xmlns:r="http://schemas.openxmlformats.org/officeDocument/2006/relationships" r:dm="rId2" r:lo="rId3" r:qs="rId4" r:cs="rId5"/>
+          </a:graphicData>
+        </a:graphic>
+      </p:graphicFrame>
+      <p:sp>
+        <p:nvSpPr>
+          <p:cNvPr id="6" name="Rectangle 5">
+            <a:extLst>
+              <a:ext uri="{FF2B5EF4-FFF2-40B4-BE49-F238E27FC236}">
+                <a16:creationId xmlns:a16="http://schemas.microsoft.com/office/drawing/2014/main" id="{9A4C6C14-88B2-4560-9459-31DCAE9A3528}"/>
+              </a:ext>
+            </a:extLst>
+          </p:cNvPr>
+          <p:cNvSpPr/>
+          <p:nvPr/>
+        </p:nvSpPr>
+        <p:spPr>
+          <a:xfrm rot="1169698">
+            <a:off x="2908163" y="3549948"/>
+            <a:ext cx="7521996" cy="923330"/>
+          </a:xfrm>
+          <a:prstGeom prst="rect">
+            <a:avLst/>
+          </a:prstGeom>
+          <a:solidFill>
+            <a:schemeClr val="accent4">
+              <a:lumMod val="50000"/>
+            </a:schemeClr>
+          </a:solidFill>
+        </p:spPr>
+        <p:style>
+          <a:lnRef idx="0">
+            <a:schemeClr val="accent4"/>
+          </a:lnRef>
+          <a:fillRef idx="3">
+            <a:schemeClr val="accent4"/>
+          </a:fillRef>
+          <a:effectRef idx="3">
+            <a:schemeClr val="accent4"/>
+          </a:effectRef>
+          <a:fontRef idx="minor">
+            <a:schemeClr val="lt1"/>
+          </a:fontRef>
+        </p:style>
+        <p:txBody>
+          <a:bodyPr wrap="none" lIns="91440" tIns="45720" rIns="91440" bIns="45720">
+            <a:spAutoFit/>
+          </a:bodyPr>
+          <a:lstStyle/>
+          <a:p>
+            <a:r>
+              <a:rPr lang="en-US" sz="5400" b="1">
+                <a:ln w="10160">
+                  <a:solidFill>
+                    <a:schemeClr val="accent5"/>
+                  </a:solidFill>
+                  <a:prstDash val="solid"/>
+                </a:ln>
+                <a:solidFill>
+                  <a:srgbClr val="FFFFFF"/>
+                </a:solidFill>
+                <a:effectLst>
+                  <a:outerShdw blurRad="38100" dist="22860" dir="5400000" algn="tl" rotWithShape="0">
+                    <a:srgbClr val="000000">
+                      <a:alpha val="30000"/>
+                    </a:srgbClr>
+                  </a:outerShdw>
+                </a:effectLst>
+              </a:rPr>
+              <a:t>WEB APPLICATION DEMO</a:t>
+            </a:r>
+          </a:p>
+        </p:txBody>
+      </p:sp>
+    </p:spTree>
+    <p:extLst>
+      <p:ext uri="{BB962C8B-B14F-4D97-AF65-F5344CB8AC3E}">
+        <p14:creationId xmlns:p14="http://schemas.microsoft.com/office/powerpoint/2010/main" val="1761205809"/>
+      </p:ext>
+    </p:extLst>
+  </p:cSld>
+  <p:clrMapOvr>
+    <a:masterClrMapping/>
+  </p:clrMapOvr>
+</p:sld>
+</file>
+
+<file path=ppt/slides/slide18.xml><?xml version="1.0" encoding="utf-8"?>
+<p:sld xmlns:a="http://schemas.openxmlformats.org/drawingml/2006/main" xmlns:r="http://schemas.openxmlformats.org/officeDocument/2006/relationships" xmlns:p="http://schemas.openxmlformats.org/presentationml/2006/main">
+  <p:cSld>
+    <p:spTree>
+      <p:nvGrpSpPr>
+        <p:cNvPr id="1" name=""/>
+        <p:cNvGrpSpPr/>
+        <p:nvPr/>
+      </p:nvGrpSpPr>
+      <p:grpSpPr>
+        <a:xfrm>
+          <a:off x="0" y="0"/>
+          <a:ext cx="0" cy="0"/>
+          <a:chOff x="0" y="0"/>
+          <a:chExt cx="0" cy="0"/>
+        </a:xfrm>
+      </p:grpSpPr>
+      <p:sp>
+        <p:nvSpPr>
+          <p:cNvPr id="2" name="Text Placeholder 1">
+            <a:extLst>
+              <a:ext uri="{FF2B5EF4-FFF2-40B4-BE49-F238E27FC236}">
+                <a16:creationId xmlns:a16="http://schemas.microsoft.com/office/drawing/2014/main" id="{2883A6B3-011A-4457-8ADA-E5501456D9B6}"/>
+              </a:ext>
+            </a:extLst>
+          </p:cNvPr>
+          <p:cNvSpPr>
+            <a:spLocks noGrp="1"/>
+          </p:cNvSpPr>
+          <p:nvPr>
+            <p:ph type="body" sz="quarter" idx="10"/>
+          </p:nvPr>
+        </p:nvSpPr>
+        <p:spPr>
+          <a:xfrm>
+            <a:off x="812800" y="889000"/>
+            <a:ext cx="10668000" cy="711200"/>
+          </a:xfrm>
+        </p:spPr>
+        <p:txBody>
+          <a:bodyPr/>
+          <a:lstStyle/>
+          <a:p>
+            <a:r>
+              <a:rPr lang="en-US"/>
+              <a:t>TFX Pipelines</a:t>
+            </a:r>
+          </a:p>
+        </p:txBody>
+      </p:sp>
+      <p:graphicFrame>
+        <p:nvGraphicFramePr>
+          <p:cNvPr id="7" name="Content Placeholder 6">
+            <a:extLst>
+              <a:ext uri="{FF2B5EF4-FFF2-40B4-BE49-F238E27FC236}">
+                <a16:creationId xmlns:a16="http://schemas.microsoft.com/office/drawing/2014/main" id="{26992904-A595-40B8-B72E-896F49F2C271}"/>
+              </a:ext>
+            </a:extLst>
+          </p:cNvPr>
+          <p:cNvGraphicFramePr>
+            <a:graphicFrameLocks noGrp="1"/>
+          </p:cNvGraphicFramePr>
+          <p:nvPr>
+            <p:ph sz="quarter" idx="11"/>
+            <p:extLst>
+              <p:ext uri="{D42A27DB-BD31-4B8C-83A1-F6EECF244321}">
+                <p14:modId xmlns:p14="http://schemas.microsoft.com/office/powerpoint/2010/main" val="2137331320"/>
+              </p:ext>
+            </p:extLst>
+          </p:nvPr>
+        </p:nvGraphicFramePr>
+        <p:xfrm>
+          <a:off x="812800" y="1600200"/>
+          <a:ext cx="10668000" cy="4822825"/>
+        </p:xfrm>
+        <a:graphic>
+          <a:graphicData uri="http://schemas.openxmlformats.org/drawingml/2006/diagram">
+            <dgm:relIds xmlns:dgm="http://schemas.openxmlformats.org/drawingml/2006/diagram" xmlns:r="http://schemas.openxmlformats.org/officeDocument/2006/relationships" r:dm="rId2" r:lo="rId3" r:qs="rId4" r:cs="rId5"/>
+          </a:graphicData>
+        </a:graphic>
+      </p:graphicFrame>
+      <p:graphicFrame>
+        <p:nvGraphicFramePr>
+          <p:cNvPr id="3" name="Table 3">
+            <a:extLst>
+              <a:ext uri="{FF2B5EF4-FFF2-40B4-BE49-F238E27FC236}">
+                <a16:creationId xmlns:a16="http://schemas.microsoft.com/office/drawing/2014/main" id="{2C8BE11D-4358-47E4-9F59-3F56D586A901}"/>
+              </a:ext>
+            </a:extLst>
+          </p:cNvPr>
+          <p:cNvGraphicFramePr>
+            <a:graphicFrameLocks noGrp="1"/>
+          </p:cNvGraphicFramePr>
+          <p:nvPr>
+            <p:extLst>
+              <p:ext uri="{D42A27DB-BD31-4B8C-83A1-F6EECF244321}">
+                <p14:modId xmlns:p14="http://schemas.microsoft.com/office/powerpoint/2010/main" val="1195535119"/>
+              </p:ext>
+            </p:extLst>
+          </p:nvPr>
+        </p:nvGraphicFramePr>
+        <p:xfrm>
+          <a:off x="9573443" y="5694680"/>
+          <a:ext cx="1559611" cy="548640"/>
+        </p:xfrm>
+        <a:graphic>
+          <a:graphicData uri="http://schemas.openxmlformats.org/drawingml/2006/table">
+            <a:tbl>
+              <a:tblPr firstRow="1" bandRow="1">
+                <a:tableStyleId>{5C22544A-7EE6-4342-B048-85BDC9FD1C3A}</a:tableStyleId>
+              </a:tblPr>
+              <a:tblGrid>
+                <a:gridCol w="400115">
+                  <a:extLst>
+                    <a:ext uri="{9D8B030D-6E8A-4147-A177-3AD203B41FA5}">
+                      <a16:colId xmlns:a16="http://schemas.microsoft.com/office/drawing/2014/main" val="3480410046"/>
+                    </a:ext>
+                  </a:extLst>
+                </a:gridCol>
+                <a:gridCol w="1159496">
+                  <a:extLst>
+                    <a:ext uri="{9D8B030D-6E8A-4147-A177-3AD203B41FA5}">
+                      <a16:colId xmlns:a16="http://schemas.microsoft.com/office/drawing/2014/main" val="1595418289"/>
+                    </a:ext>
+                  </a:extLst>
+                </a:gridCol>
+              </a:tblGrid>
+              <a:tr h="274320">
+                <a:tc>
+                  <a:txBody>
+                    <a:bodyPr/>
+                    <a:lstStyle/>
+                    <a:p>
+                      <a:endParaRPr lang="en-US" sz="1100" b="0">
+                        <a:solidFill>
+                          <a:schemeClr val="tx1"/>
+                        </a:solidFill>
+                      </a:endParaRPr>
+                    </a:p>
+                  </a:txBody>
+                  <a:tcPr>
+                    <a:lnL w="12700" cap="flat" cmpd="sng" algn="ctr">
+                      <a:solidFill>
+                        <a:schemeClr val="tx1"/>
+                      </a:solidFill>
+                      <a:prstDash val="solid"/>
+                      <a:round/>
+                      <a:headEnd type="none" w="med" len="med"/>
+                      <a:tailEnd type="none" w="med" len="med"/>
+                    </a:lnL>
+                    <a:lnR w="12700" cap="flat" cmpd="sng" algn="ctr">
+                      <a:solidFill>
+                        <a:schemeClr val="tx1"/>
+                      </a:solidFill>
+                      <a:prstDash val="solid"/>
+                      <a:round/>
+                      <a:headEnd type="none" w="med" len="med"/>
+                      <a:tailEnd type="none" w="med" len="med"/>
+                    </a:lnR>
+                    <a:lnT w="12700" cap="flat" cmpd="sng" algn="ctr">
+                      <a:solidFill>
+                        <a:schemeClr val="tx1"/>
+                      </a:solidFill>
+                      <a:prstDash val="solid"/>
+                      <a:round/>
+                      <a:headEnd type="none" w="med" len="med"/>
+                      <a:tailEnd type="none" w="med" len="med"/>
+                    </a:lnT>
+                    <a:lnB w="12700" cap="flat" cmpd="sng" algn="ctr">
+                      <a:solidFill>
+                        <a:schemeClr val="tx1"/>
+                      </a:solidFill>
+                      <a:prstDash val="solid"/>
+                      <a:round/>
+                      <a:headEnd type="none" w="med" len="med"/>
+                      <a:tailEnd type="none" w="med" len="med"/>
+                    </a:lnB>
+                    <a:solidFill>
+                      <a:schemeClr val="accent4">
+                        <a:lumMod val="75000"/>
+                      </a:schemeClr>
+                    </a:solidFill>
+                  </a:tcPr>
+                </a:tc>
+                <a:tc>
+                  <a:txBody>
+                    <a:bodyPr/>
+                    <a:lstStyle/>
+                    <a:p>
+                      <a:r>
+                        <a:rPr lang="en-US" sz="1100" b="0">
+                          <a:solidFill>
+                            <a:schemeClr val="tx1"/>
+                          </a:solidFill>
+                        </a:rPr>
+                        <a:t>Completed</a:t>
+                      </a:r>
+                    </a:p>
+                  </a:txBody>
+                  <a:tcPr>
+                    <a:lnL w="12700" cap="flat" cmpd="sng" algn="ctr">
+                      <a:solidFill>
+                        <a:schemeClr val="tx1"/>
+                      </a:solidFill>
+                      <a:prstDash val="solid"/>
+                      <a:round/>
+                      <a:headEnd type="none" w="med" len="med"/>
+                      <a:tailEnd type="none" w="med" len="med"/>
+                    </a:lnL>
+                    <a:lnR w="12700" cap="flat" cmpd="sng" algn="ctr">
+                      <a:solidFill>
+                        <a:schemeClr val="tx1"/>
+                      </a:solidFill>
+                      <a:prstDash val="solid"/>
+                      <a:round/>
+                      <a:headEnd type="none" w="med" len="med"/>
+                      <a:tailEnd type="none" w="med" len="med"/>
+                    </a:lnR>
+                    <a:lnT w="12700" cap="flat" cmpd="sng" algn="ctr">
+                      <a:solidFill>
+                        <a:schemeClr val="tx1"/>
+                      </a:solidFill>
+                      <a:prstDash val="solid"/>
+                      <a:round/>
+                      <a:headEnd type="none" w="med" len="med"/>
+                      <a:tailEnd type="none" w="med" len="med"/>
+                    </a:lnT>
+                    <a:lnB w="12700" cap="flat" cmpd="sng" algn="ctr">
+                      <a:solidFill>
+                        <a:schemeClr val="tx1"/>
+                      </a:solidFill>
+                      <a:prstDash val="solid"/>
+                      <a:round/>
+                      <a:headEnd type="none" w="med" len="med"/>
+                      <a:tailEnd type="none" w="med" len="med"/>
+                    </a:lnB>
+                    <a:noFill/>
+                  </a:tcPr>
+                </a:tc>
+                <a:extLst>
+                  <a:ext uri="{0D108BD9-81ED-4DB2-BD59-A6C34878D82A}">
+                    <a16:rowId xmlns:a16="http://schemas.microsoft.com/office/drawing/2014/main" val="1805350228"/>
+                  </a:ext>
+                </a:extLst>
+              </a:tr>
+              <a:tr h="274320">
+                <a:tc>
+                  <a:txBody>
+                    <a:bodyPr/>
+                    <a:lstStyle/>
+                    <a:p>
+                      <a:endParaRPr lang="en-US" sz="1100" b="0">
+                        <a:solidFill>
+                          <a:schemeClr val="tx1"/>
+                        </a:solidFill>
+                      </a:endParaRPr>
+                    </a:p>
+                  </a:txBody>
+                  <a:tcPr>
+                    <a:lnL w="12700" cap="flat" cmpd="sng" algn="ctr">
+                      <a:solidFill>
+                        <a:schemeClr val="tx1"/>
+                      </a:solidFill>
+                      <a:prstDash val="solid"/>
+                      <a:round/>
+                      <a:headEnd type="none" w="med" len="med"/>
+                      <a:tailEnd type="none" w="med" len="med"/>
+                    </a:lnL>
+                    <a:lnR w="12700" cap="flat" cmpd="sng" algn="ctr">
+                      <a:solidFill>
+                        <a:schemeClr val="tx1"/>
+                      </a:solidFill>
+                      <a:prstDash val="solid"/>
+                      <a:round/>
+                      <a:headEnd type="none" w="med" len="med"/>
+                      <a:tailEnd type="none" w="med" len="med"/>
+                    </a:lnR>
+                    <a:lnT w="12700" cap="flat" cmpd="sng" algn="ctr">
+                      <a:solidFill>
+                        <a:schemeClr val="tx1"/>
+                      </a:solidFill>
+                      <a:prstDash val="solid"/>
+                      <a:round/>
+                      <a:headEnd type="none" w="med" len="med"/>
+                      <a:tailEnd type="none" w="med" len="med"/>
+                    </a:lnT>
+                    <a:lnB w="12700" cap="flat" cmpd="sng" algn="ctr">
+                      <a:solidFill>
+                        <a:schemeClr val="tx1"/>
+                      </a:solidFill>
+                      <a:prstDash val="solid"/>
+                      <a:round/>
+                      <a:headEnd type="none" w="med" len="med"/>
+                      <a:tailEnd type="none" w="med" len="med"/>
+                    </a:lnB>
+                    <a:solidFill>
+                      <a:schemeClr val="accent1"/>
+                    </a:solidFill>
+                  </a:tcPr>
+                </a:tc>
+                <a:tc>
+                  <a:txBody>
+                    <a:bodyPr/>
+                    <a:lstStyle/>
+                    <a:p>
+                      <a:r>
+                        <a:rPr lang="en-US" sz="1100" b="0">
+                          <a:solidFill>
+                            <a:schemeClr val="tx1"/>
+                          </a:solidFill>
+                        </a:rPr>
+                        <a:t>Work in Progress</a:t>
+                      </a:r>
+                    </a:p>
+                  </a:txBody>
+                  <a:tcPr>
+                    <a:lnL w="12700" cap="flat" cmpd="sng" algn="ctr">
+                      <a:solidFill>
+                        <a:schemeClr val="tx1"/>
+                      </a:solidFill>
+                      <a:prstDash val="solid"/>
+                      <a:round/>
+                      <a:headEnd type="none" w="med" len="med"/>
+                      <a:tailEnd type="none" w="med" len="med"/>
+                    </a:lnL>
+                    <a:lnR w="12700" cap="flat" cmpd="sng" algn="ctr">
+                      <a:solidFill>
+                        <a:schemeClr val="tx1"/>
+                      </a:solidFill>
+                      <a:prstDash val="solid"/>
+                      <a:round/>
+                      <a:headEnd type="none" w="med" len="med"/>
+                      <a:tailEnd type="none" w="med" len="med"/>
+                    </a:lnR>
+                    <a:lnT w="12700" cap="flat" cmpd="sng" algn="ctr">
+                      <a:solidFill>
+                        <a:schemeClr val="tx1"/>
+                      </a:solidFill>
+                      <a:prstDash val="solid"/>
+                      <a:round/>
+                      <a:headEnd type="none" w="med" len="med"/>
+                      <a:tailEnd type="none" w="med" len="med"/>
+                    </a:lnT>
+                    <a:lnB w="12700" cap="flat" cmpd="sng" algn="ctr">
+                      <a:solidFill>
+                        <a:schemeClr val="tx1"/>
+                      </a:solidFill>
+                      <a:prstDash val="solid"/>
+                      <a:round/>
+                      <a:headEnd type="none" w="med" len="med"/>
+                      <a:tailEnd type="none" w="med" len="med"/>
+                    </a:lnB>
+                    <a:noFill/>
+                  </a:tcPr>
+                </a:tc>
+                <a:extLst>
+                  <a:ext uri="{0D108BD9-81ED-4DB2-BD59-A6C34878D82A}">
+                    <a16:rowId xmlns:a16="http://schemas.microsoft.com/office/drawing/2014/main" val="3320505134"/>
+                  </a:ext>
+                </a:extLst>
+              </a:tr>
+            </a:tbl>
+          </a:graphicData>
+        </a:graphic>
+      </p:graphicFrame>
+    </p:spTree>
+    <p:extLst>
+      <p:ext uri="{BB962C8B-B14F-4D97-AF65-F5344CB8AC3E}">
+        <p14:creationId xmlns:p14="http://schemas.microsoft.com/office/powerpoint/2010/main" val="2568346607"/>
+      </p:ext>
+    </p:extLst>
+  </p:cSld>
+  <p:clrMapOvr>
+    <a:masterClrMapping/>
+  </p:clrMapOvr>
+</p:sld>
+</file>
+
+<file path=ppt/slides/slide19.xml><?xml version="1.0" encoding="utf-8"?>
+<p:sld xmlns:a="http://schemas.openxmlformats.org/drawingml/2006/main" xmlns:r="http://schemas.openxmlformats.org/officeDocument/2006/relationships" xmlns:p="http://schemas.openxmlformats.org/presentationml/2006/main">
+  <p:cSld>
+    <p:spTree>
+      <p:nvGrpSpPr>
+        <p:cNvPr id="1" name=""/>
+        <p:cNvGrpSpPr/>
+        <p:nvPr/>
+      </p:nvGrpSpPr>
+      <p:grpSpPr>
+        <a:xfrm>
+          <a:off x="0" y="0"/>
+          <a:ext cx="0" cy="0"/>
+          <a:chOff x="0" y="0"/>
+          <a:chExt cx="0" cy="0"/>
+        </a:xfrm>
+      </p:grpSpPr>
+      <p:sp>
+        <p:nvSpPr>
+          <p:cNvPr id="2" name="Text Placeholder 1">
+            <a:extLst>
+              <a:ext uri="{FF2B5EF4-FFF2-40B4-BE49-F238E27FC236}">
+                <a16:creationId xmlns:a16="http://schemas.microsoft.com/office/drawing/2014/main" id="{4AB837BF-CB19-4577-8806-557440221AF6}"/>
+              </a:ext>
+            </a:extLst>
+          </p:cNvPr>
+          <p:cNvSpPr>
+            <a:spLocks noGrp="1"/>
+          </p:cNvSpPr>
+          <p:nvPr>
+            <p:ph type="body" sz="quarter" idx="10"/>
+          </p:nvPr>
+        </p:nvSpPr>
+        <p:spPr/>
+        <p:txBody>
+          <a:bodyPr/>
+          <a:lstStyle/>
+          <a:p>
+            <a:r>
+              <a:rPr lang="en-US"/>
+              <a:t>Project Management</a:t>
+            </a:r>
+          </a:p>
+        </p:txBody>
+      </p:sp>
+      <p:graphicFrame>
+        <p:nvGraphicFramePr>
+          <p:cNvPr id="4" name="Content Placeholder 3">
+            <a:extLst>
+              <a:ext uri="{FF2B5EF4-FFF2-40B4-BE49-F238E27FC236}">
+                <a16:creationId xmlns:a16="http://schemas.microsoft.com/office/drawing/2014/main" id="{978D22F3-271F-431C-81C2-31CE1CAAD2EA}"/>
+              </a:ext>
+            </a:extLst>
+          </p:cNvPr>
+          <p:cNvGraphicFramePr>
+            <a:graphicFrameLocks noGrp="1"/>
+          </p:cNvGraphicFramePr>
+          <p:nvPr>
+            <p:ph sz="quarter" idx="11"/>
+            <p:extLst>
+              <p:ext uri="{D42A27DB-BD31-4B8C-83A1-F6EECF244321}">
+                <p14:modId xmlns:p14="http://schemas.microsoft.com/office/powerpoint/2010/main" val="2660082134"/>
+              </p:ext>
+            </p:extLst>
+          </p:nvPr>
+        </p:nvGraphicFramePr>
+        <p:xfrm>
+          <a:off x="812800" y="1600200"/>
+          <a:ext cx="10668000" cy="4822825"/>
+        </p:xfrm>
+        <a:graphic>
+          <a:graphicData uri="http://schemas.openxmlformats.org/drawingml/2006/diagram">
+            <dgm:relIds xmlns:dgm="http://schemas.openxmlformats.org/drawingml/2006/diagram" xmlns:r="http://schemas.openxmlformats.org/officeDocument/2006/relationships" r:dm="rId2" r:lo="rId3" r:qs="rId4" r:cs="rId5"/>
+          </a:graphicData>
+        </a:graphic>
+      </p:graphicFrame>
+    </p:spTree>
+    <p:extLst>
+      <p:ext uri="{BB962C8B-B14F-4D97-AF65-F5344CB8AC3E}">
+        <p14:creationId xmlns:p14="http://schemas.microsoft.com/office/powerpoint/2010/main" val="3264063009"/>
+      </p:ext>
+    </p:extLst>
+  </p:cSld>
+  <p:clrMapOvr>
+    <a:masterClrMapping/>
+  </p:clrMapOvr>
+</p:sld>
+</file>
+
+<file path=ppt/slides/slide2.xml><?xml version="1.0" encoding="utf-8"?>
+<p:sld xmlns:a="http://schemas.openxmlformats.org/drawingml/2006/main" xmlns:r="http://schemas.openxmlformats.org/officeDocument/2006/relationships" xmlns:p="http://schemas.openxmlformats.org/presentationml/2006/main">
+  <p:cSld>
+    <p:spTree>
+      <p:nvGrpSpPr>
+        <p:cNvPr id="1" name=""/>
+        <p:cNvGrpSpPr/>
+        <p:nvPr/>
+      </p:nvGrpSpPr>
+      <p:grpSpPr>
+        <a:xfrm>
+          <a:off x="0" y="0"/>
+          <a:ext cx="0" cy="0"/>
+          <a:chOff x="0" y="0"/>
+          <a:chExt cx="0" cy="0"/>
+        </a:xfrm>
+      </p:grpSpPr>
+      <p:sp>
+        <p:nvSpPr>
+          <p:cNvPr id="4" name="Title 3">
+            <a:extLst>
+              <a:ext uri="{FF2B5EF4-FFF2-40B4-BE49-F238E27FC236}">
+                <a16:creationId xmlns:a16="http://schemas.microsoft.com/office/drawing/2014/main" id="{557BE12D-AFEB-4D08-A62A-03B902ADD08A}"/>
+              </a:ext>
+            </a:extLst>
+          </p:cNvPr>
+          <p:cNvSpPr>
+            <a:spLocks noGrp="1"/>
+          </p:cNvSpPr>
+          <p:nvPr>
+            <p:ph type="ctrTitle"/>
+          </p:nvPr>
+        </p:nvSpPr>
+        <p:spPr/>
+        <p:txBody>
+          <a:bodyPr/>
+          <a:lstStyle/>
+          <a:p>
+            <a:r>
+              <a:rPr lang="en-US"/>
+              <a:t>Introduction</a:t>
+            </a:r>
+          </a:p>
+        </p:txBody>
+      </p:sp>
+      <p:sp>
+        <p:nvSpPr>
+          <p:cNvPr id="5" name="Text Placeholder 4">
+            <a:extLst>
+              <a:ext uri="{FF2B5EF4-FFF2-40B4-BE49-F238E27FC236}">
+                <a16:creationId xmlns:a16="http://schemas.microsoft.com/office/drawing/2014/main" id="{737285AE-9A06-4FA7-BB35-4978D6677923}"/>
+              </a:ext>
+            </a:extLst>
+          </p:cNvPr>
+          <p:cNvSpPr>
+            <a:spLocks noGrp="1"/>
+          </p:cNvSpPr>
+          <p:nvPr>
+            <p:ph type="body" sz="quarter" idx="11"/>
+          </p:nvPr>
+        </p:nvSpPr>
+        <p:spPr/>
+        <p:txBody>
+          <a:bodyPr/>
+          <a:lstStyle/>
+          <a:p>
+            <a:r>
+              <a:rPr lang="en-US"/>
+              <a:t>Recommendation Engine</a:t>
+            </a:r>
+          </a:p>
+        </p:txBody>
+      </p:sp>
+    </p:spTree>
+    <p:extLst>
+      <p:ext uri="{BB962C8B-B14F-4D97-AF65-F5344CB8AC3E}">
+        <p14:creationId xmlns:p14="http://schemas.microsoft.com/office/powerpoint/2010/main" val="1560088969"/>
+      </p:ext>
+    </p:extLst>
+  </p:cSld>
+  <p:clrMapOvr>
+    <a:masterClrMapping/>
+  </p:clrMapOvr>
+</p:sld>
+</file>
+
+<file path=ppt/slides/slide20.xml><?xml version="1.0" encoding="utf-8"?>
+<p:sld xmlns:a="http://schemas.openxmlformats.org/drawingml/2006/main" xmlns:r="http://schemas.openxmlformats.org/officeDocument/2006/relationships" xmlns:p="http://schemas.openxmlformats.org/presentationml/2006/main">
+  <p:cSld>
+    <p:spTree>
+      <p:nvGrpSpPr>
+        <p:cNvPr id="1" name=""/>
+        <p:cNvGrpSpPr/>
+        <p:nvPr/>
+      </p:nvGrpSpPr>
+      <p:grpSpPr>
+        <a:xfrm>
+          <a:off x="0" y="0"/>
+          <a:ext cx="0" cy="0"/>
+          <a:chOff x="0" y="0"/>
+          <a:chExt cx="0" cy="0"/>
+        </a:xfrm>
+      </p:grpSpPr>
+      <p:sp>
+        <p:nvSpPr>
+          <p:cNvPr id="4" name="Title 3">
+            <a:extLst>
+              <a:ext uri="{FF2B5EF4-FFF2-40B4-BE49-F238E27FC236}">
+                <a16:creationId xmlns:a16="http://schemas.microsoft.com/office/drawing/2014/main" id="{D96DD59A-D73A-475A-AE4E-5155CF5CB0D5}"/>
+              </a:ext>
+            </a:extLst>
+          </p:cNvPr>
+          <p:cNvSpPr>
+            <a:spLocks noGrp="1"/>
+          </p:cNvSpPr>
+          <p:nvPr>
+            <p:ph type="ctrTitle"/>
+          </p:nvPr>
+        </p:nvSpPr>
+        <p:spPr/>
+        <p:txBody>
+          <a:bodyPr>
+            <a:normAutofit fontScale="90000"/>
+          </a:bodyPr>
+          <a:lstStyle/>
+          <a:p>
+            <a:r>
+              <a:rPr lang="en-US" sz="6000"/>
+              <a:t>Thank you</a:t>
+            </a:r>
+          </a:p>
+        </p:txBody>
+      </p:sp>
+      <p:sp>
+        <p:nvSpPr>
+          <p:cNvPr id="20" name="Text Placeholder 19">
+            <a:extLst>
+              <a:ext uri="{FF2B5EF4-FFF2-40B4-BE49-F238E27FC236}">
+                <a16:creationId xmlns:a16="http://schemas.microsoft.com/office/drawing/2014/main" id="{09F51569-881D-4606-838D-7AB1E464C0BF}"/>
+              </a:ext>
+            </a:extLst>
+          </p:cNvPr>
+          <p:cNvSpPr>
+            <a:spLocks noGrp="1"/>
+          </p:cNvSpPr>
+          <p:nvPr>
+            <p:ph type="body" sz="quarter" idx="11"/>
+          </p:nvPr>
+        </p:nvSpPr>
+        <p:spPr>
+          <a:xfrm>
+            <a:off x="609600" y="2921000"/>
+            <a:ext cx="10668000" cy="914400"/>
+          </a:xfrm>
+        </p:spPr>
+        <p:txBody>
+          <a:bodyPr>
+            <a:normAutofit/>
+          </a:bodyPr>
+          <a:lstStyle/>
+          <a:p>
+            <a:r>
+              <a:rPr lang="en-US" sz="5400" b="1"/>
+              <a:t>Questions?</a:t>
+            </a:r>
+          </a:p>
+        </p:txBody>
+      </p:sp>
+    </p:spTree>
+    <p:extLst>
+      <p:ext uri="{BB962C8B-B14F-4D97-AF65-F5344CB8AC3E}">
+        <p14:creationId xmlns:p14="http://schemas.microsoft.com/office/powerpoint/2010/main" val="1559904320"/>
+      </p:ext>
+    </p:extLst>
+  </p:cSld>
+  <p:clrMapOvr>
+    <a:masterClrMapping/>
+  </p:clrMapOvr>
+</p:sld>
+</file>
+
+<file path=ppt/slides/slide21.xml><?xml version="1.0" encoding="utf-8"?>
+<p:sld xmlns:a="http://schemas.openxmlformats.org/drawingml/2006/main" xmlns:r="http://schemas.openxmlformats.org/officeDocument/2006/relationships" xmlns:p="http://schemas.openxmlformats.org/presentationml/2006/main">
+  <p:cSld>
+    <p:spTree>
+      <p:nvGrpSpPr>
+        <p:cNvPr id="1" name=""/>
+        <p:cNvGrpSpPr/>
+        <p:nvPr/>
+      </p:nvGrpSpPr>
+      <p:grpSpPr>
+        <a:xfrm>
+          <a:off x="0" y="0"/>
+          <a:ext cx="0" cy="0"/>
+          <a:chOff x="0" y="0"/>
+          <a:chExt cx="0" cy="0"/>
+        </a:xfrm>
+      </p:grpSpPr>
+      <p:sp>
+        <p:nvSpPr>
+          <p:cNvPr id="4" name="Text Placeholder 3">
+            <a:extLst>
+              <a:ext uri="{FF2B5EF4-FFF2-40B4-BE49-F238E27FC236}">
+                <a16:creationId xmlns:a16="http://schemas.microsoft.com/office/drawing/2014/main" id="{9663BB55-7F9A-47CF-8CDF-FF985A03EC89}"/>
+              </a:ext>
+            </a:extLst>
+          </p:cNvPr>
+          <p:cNvSpPr>
+            <a:spLocks noGrp="1"/>
+          </p:cNvSpPr>
+          <p:nvPr>
+            <p:ph type="body" sz="quarter" idx="10"/>
+          </p:nvPr>
+        </p:nvSpPr>
+        <p:spPr/>
+        <p:txBody>
+          <a:bodyPr/>
+          <a:lstStyle/>
+          <a:p>
+            <a:r>
+              <a:rPr lang="en-US"/>
+              <a:t>References</a:t>
+            </a:r>
+          </a:p>
+        </p:txBody>
+      </p:sp>
+      <p:sp>
+        <p:nvSpPr>
+          <p:cNvPr id="5" name="Content Placeholder 4">
+            <a:extLst>
+              <a:ext uri="{FF2B5EF4-FFF2-40B4-BE49-F238E27FC236}">
+                <a16:creationId xmlns:a16="http://schemas.microsoft.com/office/drawing/2014/main" id="{B3A09E25-87B7-41DD-B557-1743ACBB8C80}"/>
+              </a:ext>
+            </a:extLst>
+          </p:cNvPr>
+          <p:cNvSpPr>
+            <a:spLocks noGrp="1"/>
+          </p:cNvSpPr>
+          <p:nvPr>
+            <p:ph sz="quarter" idx="11"/>
+          </p:nvPr>
+        </p:nvSpPr>
+        <p:spPr/>
+        <p:txBody>
+          <a:bodyPr/>
+          <a:lstStyle/>
+          <a:p>
+            <a:r>
+              <a:rPr lang="en-US">
+                <a:hlinkClick r:id="rId2"/>
+              </a:rPr>
+              <a:t>https://medium.com/@bhatia.suneet/a-multitask-ranking-system-how-youtube-recommends-the-next-videos-a23a63476073</a:t>
+            </a:r>
+            <a:endParaRPr lang="en-US"/>
+          </a:p>
+          <a:p>
+            <a:r>
+              <a:rPr lang="en-US">
+                <a:hlinkClick r:id="rId3"/>
+              </a:rPr>
+              <a:t>https://daiwk.github.io/assets/youtube-multitask.pdf</a:t>
+            </a:r>
+            <a:endParaRPr lang="en-US"/>
+          </a:p>
+          <a:p>
+            <a:r>
+              <a:rPr lang="en-US">
+                <a:hlinkClick r:id="rId4"/>
+              </a:rPr>
+              <a:t>https://dl.acm.org/doi/10.1145/3298689.3346997</a:t>
+            </a:r>
+            <a:endParaRPr lang="en-US"/>
+          </a:p>
+        </p:txBody>
+      </p:sp>
+    </p:spTree>
+    <p:extLst>
+      <p:ext uri="{BB962C8B-B14F-4D97-AF65-F5344CB8AC3E}">
+        <p14:creationId xmlns:p14="http://schemas.microsoft.com/office/powerpoint/2010/main" val="3365252075"/>
+      </p:ext>
+    </p:extLst>
+  </p:cSld>
+  <p:clrMapOvr>
+    <a:masterClrMapping/>
+  </p:clrMapOvr>
+</p:sld>
+</file>
+
+<file path=ppt/slides/slide3.xml><?xml version="1.0" encoding="utf-8"?>
+<p:sld xmlns:a="http://schemas.openxmlformats.org/drawingml/2006/main" xmlns:r="http://schemas.openxmlformats.org/officeDocument/2006/relationships" xmlns:p="http://schemas.openxmlformats.org/presentationml/2006/main">
+  <p:cSld>
+    <p:spTree>
+      <p:nvGrpSpPr>
+        <p:cNvPr id="1" name=""/>
+        <p:cNvGrpSpPr/>
+        <p:nvPr/>
+      </p:nvGrpSpPr>
+      <p:grpSpPr>
+        <a:xfrm>
+          <a:off x="0" y="0"/>
+          <a:ext cx="0" cy="0"/>
+          <a:chOff x="0" y="0"/>
+          <a:chExt cx="0" cy="0"/>
+        </a:xfrm>
+      </p:grpSpPr>
+      <p:sp>
+        <p:nvSpPr>
+          <p:cNvPr id="6" name="Text Placeholder 5">
+            <a:extLst>
+              <a:ext uri="{FF2B5EF4-FFF2-40B4-BE49-F238E27FC236}">
+                <a16:creationId xmlns:a16="http://schemas.microsoft.com/office/drawing/2014/main" id="{53763A7B-13E7-4A63-9F6E-03C09BE94626}"/>
+              </a:ext>
+            </a:extLst>
+          </p:cNvPr>
+          <p:cNvSpPr>
+            <a:spLocks noGrp="1"/>
+          </p:cNvSpPr>
+          <p:nvPr>
+            <p:ph type="body" sz="quarter" idx="10"/>
+          </p:nvPr>
+        </p:nvSpPr>
+        <p:spPr>
+          <a:xfrm>
+            <a:off x="812800" y="177800"/>
+            <a:ext cx="10668000" cy="711200"/>
+          </a:xfrm>
+        </p:spPr>
+        <p:txBody>
+          <a:bodyPr/>
+          <a:lstStyle/>
+          <a:p>
+            <a:r>
+              <a:rPr lang="en-US"/>
+              <a:t>Purpose and Objective</a:t>
+            </a:r>
+          </a:p>
+        </p:txBody>
+      </p:sp>
+      <p:sp>
+        <p:nvSpPr>
+          <p:cNvPr id="11" name="Text Placeholder 10">
+            <a:extLst>
+              <a:ext uri="{FF2B5EF4-FFF2-40B4-BE49-F238E27FC236}">
+                <a16:creationId xmlns:a16="http://schemas.microsoft.com/office/drawing/2014/main" id="{AC3B9336-539A-4634-9377-CADA04DBAB91}"/>
+              </a:ext>
+            </a:extLst>
+          </p:cNvPr>
+          <p:cNvSpPr>
+            <a:spLocks noGrp="1"/>
+          </p:cNvSpPr>
+          <p:nvPr>
+            <p:ph type="body" sz="quarter" idx="11"/>
+          </p:nvPr>
+        </p:nvSpPr>
+        <p:spPr/>
+        <p:txBody>
+          <a:bodyPr/>
+          <a:lstStyle/>
+          <a:p>
+            <a:r>
+              <a:rPr lang="en-US"/>
+              <a:t>Purpose</a:t>
+            </a:r>
+          </a:p>
+          <a:p>
+            <a:pPr lvl="1"/>
+            <a:r>
+              <a:rPr lang="en-US"/>
+              <a:t>The primary purpose of this project is to create a recommendation engine using </a:t>
+            </a:r>
+            <a:r>
+              <a:rPr lang="en-US" err="1"/>
+              <a:t>MMoE</a:t>
+            </a:r>
+            <a:r>
+              <a:rPr lang="en-US"/>
+              <a:t> (Multi gate Mixture of Experts) for a recommendation.</a:t>
+            </a:r>
+          </a:p>
+          <a:p>
+            <a:pPr lvl="1"/>
+            <a:r>
+              <a:rPr lang="en-US"/>
+              <a:t>Create a web application </a:t>
+            </a:r>
+          </a:p>
+          <a:p>
+            <a:endParaRPr lang="en-US"/>
+          </a:p>
+          <a:p>
+            <a:r>
+              <a:rPr lang="en-US"/>
+              <a:t>Objectives</a:t>
+            </a:r>
+          </a:p>
+          <a:p>
+            <a:pPr lvl="1"/>
+            <a:r>
+              <a:rPr lang="en-US"/>
+              <a:t>Create a web application for recommending Videos</a:t>
+            </a:r>
+          </a:p>
+          <a:p>
+            <a:pPr lvl="1"/>
+            <a:r>
+              <a:rPr lang="en-US" err="1"/>
+              <a:t>Colab</a:t>
+            </a:r>
+            <a:r>
+              <a:rPr lang="en-US"/>
+              <a:t> to train the </a:t>
+            </a:r>
+            <a:r>
+              <a:rPr lang="en-US" err="1"/>
+              <a:t>MMoE</a:t>
+            </a:r>
+            <a:r>
+              <a:rPr lang="en-US"/>
+              <a:t> model to give scores for ranking</a:t>
+            </a:r>
+          </a:p>
+          <a:p>
+            <a:pPr lvl="1"/>
+            <a:r>
+              <a:rPr lang="en-US"/>
+              <a:t>Using TFX as ML pipeline</a:t>
+            </a:r>
+          </a:p>
+        </p:txBody>
+      </p:sp>
+    </p:spTree>
+    <p:extLst>
+      <p:ext uri="{BB962C8B-B14F-4D97-AF65-F5344CB8AC3E}">
+        <p14:creationId xmlns:p14="http://schemas.microsoft.com/office/powerpoint/2010/main" val="1498521224"/>
+      </p:ext>
+    </p:extLst>
+  </p:cSld>
+  <p:clrMapOvr>
+    <a:masterClrMapping/>
+  </p:clrMapOvr>
+</p:sld>
+</file>
+
+<file path=ppt/slides/slide4.xml><?xml version="1.0" encoding="utf-8"?>
+<p:sld xmlns:a="http://schemas.openxmlformats.org/drawingml/2006/main" xmlns:r="http://schemas.openxmlformats.org/officeDocument/2006/relationships" xmlns:p="http://schemas.openxmlformats.org/presentationml/2006/main">
+  <p:cSld>
+    <p:spTree>
+      <p:nvGrpSpPr>
+        <p:cNvPr id="1" name=""/>
+        <p:cNvGrpSpPr/>
+        <p:nvPr/>
+      </p:nvGrpSpPr>
+      <p:grpSpPr>
+        <a:xfrm>
+          <a:off x="0" y="0"/>
+          <a:ext cx="0" cy="0"/>
+          <a:chOff x="0" y="0"/>
+          <a:chExt cx="0" cy="0"/>
+        </a:xfrm>
+      </p:grpSpPr>
+      <p:pic>
+        <p:nvPicPr>
+          <p:cNvPr id="5" name="Content Placeholder 4" descr="Diagram&#10;&#10;Description automatically generated">
+            <a:extLst>
+              <a:ext uri="{FF2B5EF4-FFF2-40B4-BE49-F238E27FC236}">
+                <a16:creationId xmlns:a16="http://schemas.microsoft.com/office/drawing/2014/main" id="{03AB6F13-0DD3-4842-B4D8-14C85D0FD49C}"/>
+              </a:ext>
+            </a:extLst>
+          </p:cNvPr>
+          <p:cNvPicPr>
+            <a:picLocks noGrp="1" noChangeAspect="1"/>
+          </p:cNvPicPr>
+          <p:nvPr>
+            <p:ph sz="quarter" idx="11"/>
+          </p:nvPr>
+        </p:nvPicPr>
+        <p:blipFill>
+          <a:blip r:embed="rId2">
+            <a:extLst>
+              <a:ext uri="{28A0092B-C50C-407E-A947-70E740481C1C}">
+                <a14:useLocalDpi xmlns:a14="http://schemas.microsoft.com/office/drawing/2010/main" val="0"/>
+              </a:ext>
+            </a:extLst>
+          </a:blip>
+          <a:stretch>
+            <a:fillRect/>
+          </a:stretch>
+        </p:blipFill>
+        <p:spPr>
+          <a:xfrm>
+            <a:off x="4456113" y="778813"/>
+            <a:ext cx="7532687" cy="5254336"/>
+          </a:xfrm>
+        </p:spPr>
+      </p:pic>
+      <p:sp>
+        <p:nvSpPr>
+          <p:cNvPr id="2" name="Text Placeholder 1">
+            <a:extLst>
+              <a:ext uri="{FF2B5EF4-FFF2-40B4-BE49-F238E27FC236}">
+                <a16:creationId xmlns:a16="http://schemas.microsoft.com/office/drawing/2014/main" id="{3E7E7320-3EB3-4A5B-A671-9E2953469F5F}"/>
+              </a:ext>
+            </a:extLst>
+          </p:cNvPr>
+          <p:cNvSpPr>
+            <a:spLocks noGrp="1"/>
+          </p:cNvSpPr>
+          <p:nvPr>
+            <p:ph type="body" sz="quarter" idx="14"/>
+          </p:nvPr>
+        </p:nvSpPr>
+        <p:spPr/>
+        <p:txBody>
+          <a:bodyPr>
+            <a:normAutofit fontScale="62500" lnSpcReduction="20000"/>
+          </a:bodyPr>
+          <a:lstStyle/>
+          <a:p>
+            <a:r>
+              <a:rPr lang="en-US"/>
+              <a:t>Recommendation System Architecture</a:t>
+            </a:r>
+          </a:p>
+        </p:txBody>
+      </p:sp>
+      <p:sp>
+        <p:nvSpPr>
+          <p:cNvPr id="6" name="Text Placeholder 5">
+            <a:extLst>
+              <a:ext uri="{FF2B5EF4-FFF2-40B4-BE49-F238E27FC236}">
+                <a16:creationId xmlns:a16="http://schemas.microsoft.com/office/drawing/2014/main" id="{CC6A3330-15A4-4E54-AF04-F353D2B851F7}"/>
+              </a:ext>
+            </a:extLst>
+          </p:cNvPr>
+          <p:cNvSpPr>
+            <a:spLocks noGrp="1"/>
+          </p:cNvSpPr>
+          <p:nvPr>
+            <p:ph type="body" sz="quarter" idx="18"/>
+          </p:nvPr>
+        </p:nvSpPr>
+        <p:spPr/>
+        <p:txBody>
+          <a:bodyPr/>
+          <a:lstStyle/>
+          <a:p>
+            <a:r>
+              <a:rPr lang="en-US"/>
+              <a:t>Single Task Recommendation System. </a:t>
+            </a:r>
+          </a:p>
+          <a:p>
+            <a:endParaRPr lang="en-US"/>
+          </a:p>
+          <a:p>
+            <a:r>
+              <a:rPr lang="en-US"/>
+              <a:t>A Recommendation system has two components:</a:t>
+            </a:r>
+          </a:p>
+          <a:p>
+            <a:endParaRPr lang="en-US"/>
+          </a:p>
+          <a:p>
+            <a:pPr marL="285750" indent="-285750">
+              <a:buFont typeface="Arial" panose="020B0604020202020204" pitchFamily="34" charset="0"/>
+              <a:buChar char="•"/>
+            </a:pPr>
+            <a:r>
+              <a:rPr lang="en-US"/>
+              <a:t>Candidate Generation</a:t>
+            </a:r>
+          </a:p>
+          <a:p>
+            <a:pPr marL="285750" indent="-285750">
+              <a:buFont typeface="Arial" panose="020B0604020202020204" pitchFamily="34" charset="0"/>
+              <a:buChar char="•"/>
+            </a:pPr>
+            <a:r>
+              <a:rPr lang="en-US"/>
+              <a:t>Ranking List</a:t>
+            </a:r>
+          </a:p>
+          <a:p>
+            <a:pPr marL="285750" indent="-285750">
+              <a:buFont typeface="Arial" panose="020B0604020202020204" pitchFamily="34" charset="0"/>
+              <a:buChar char="•"/>
+            </a:pPr>
+            <a:endParaRPr lang="en-US"/>
+          </a:p>
+          <a:p>
+            <a:r>
+              <a:rPr lang="en-US"/>
+              <a:t>For any recommendation engine it needs to know the user history, their likes, dislikes, user clicks, time spent on a video or content etc. to determine the best candidates and carry out the most appropriate ranking of a content that user will click and watch</a:t>
+            </a:r>
+          </a:p>
+        </p:txBody>
+      </p:sp>
+    </p:spTree>
+    <p:extLst>
+      <p:ext uri="{BB962C8B-B14F-4D97-AF65-F5344CB8AC3E}">
+        <p14:creationId xmlns:p14="http://schemas.microsoft.com/office/powerpoint/2010/main" val="2825620102"/>
+      </p:ext>
+    </p:extLst>
+  </p:cSld>
+  <p:clrMapOvr>
+    <a:masterClrMapping/>
+  </p:clrMapOvr>
+</p:sld>
+</file>
+
+<file path=ppt/slides/slide5.xml><?xml version="1.0" encoding="utf-8"?>
+<p:sld xmlns:a="http://schemas.openxmlformats.org/drawingml/2006/main" xmlns:r="http://schemas.openxmlformats.org/officeDocument/2006/relationships" xmlns:p="http://schemas.openxmlformats.org/presentationml/2006/main">
+  <p:cSld>
+    <p:spTree>
+      <p:nvGrpSpPr>
+        <p:cNvPr id="1" name=""/>
+        <p:cNvGrpSpPr/>
+        <p:nvPr/>
+      </p:nvGrpSpPr>
+      <p:grpSpPr>
+        <a:xfrm>
+          <a:off x="0" y="0"/>
+          <a:ext cx="0" cy="0"/>
+          <a:chOff x="0" y="0"/>
+          <a:chExt cx="0" cy="0"/>
+        </a:xfrm>
+      </p:grpSpPr>
+      <p:sp>
+        <p:nvSpPr>
+          <p:cNvPr id="2" name="Text Placeholder 1">
+            <a:extLst>
+              <a:ext uri="{FF2B5EF4-FFF2-40B4-BE49-F238E27FC236}">
+                <a16:creationId xmlns:a16="http://schemas.microsoft.com/office/drawing/2014/main" id="{E08BC6F4-97D6-4B44-9F61-C640DD20AB48}"/>
+              </a:ext>
+            </a:extLst>
+          </p:cNvPr>
+          <p:cNvSpPr>
+            <a:spLocks noGrp="1"/>
+          </p:cNvSpPr>
+          <p:nvPr>
+            <p:ph type="body" sz="quarter" idx="10"/>
+          </p:nvPr>
+        </p:nvSpPr>
+        <p:spPr/>
+        <p:txBody>
+          <a:bodyPr/>
+          <a:lstStyle/>
+          <a:p>
+            <a:r>
+              <a:rPr lang="en-US"/>
+              <a:t>Challenges in Recommendation System</a:t>
+            </a:r>
+          </a:p>
+        </p:txBody>
+      </p:sp>
+      <p:graphicFrame>
+        <p:nvGraphicFramePr>
+          <p:cNvPr id="4" name="Content Placeholder 3">
+            <a:extLst>
+              <a:ext uri="{FF2B5EF4-FFF2-40B4-BE49-F238E27FC236}">
+                <a16:creationId xmlns:a16="http://schemas.microsoft.com/office/drawing/2014/main" id="{56B9C9E7-4291-4752-A9A9-71664E72ECE3}"/>
+              </a:ext>
+            </a:extLst>
+          </p:cNvPr>
+          <p:cNvGraphicFramePr>
+            <a:graphicFrameLocks noGrp="1"/>
+          </p:cNvGraphicFramePr>
+          <p:nvPr>
+            <p:ph sz="quarter" idx="11"/>
+            <p:extLst>
+              <p:ext uri="{D42A27DB-BD31-4B8C-83A1-F6EECF244321}">
+                <p14:modId xmlns:p14="http://schemas.microsoft.com/office/powerpoint/2010/main" val="1670500233"/>
+              </p:ext>
+            </p:extLst>
+          </p:nvPr>
+        </p:nvGraphicFramePr>
+        <p:xfrm>
+          <a:off x="812800" y="1600200"/>
+          <a:ext cx="10668000" cy="4822825"/>
+        </p:xfrm>
+        <a:graphic>
+          <a:graphicData uri="http://schemas.openxmlformats.org/drawingml/2006/diagram">
+            <dgm:relIds xmlns:dgm="http://schemas.openxmlformats.org/drawingml/2006/diagram" xmlns:r="http://schemas.openxmlformats.org/officeDocument/2006/relationships" r:dm="rId2" r:lo="rId3" r:qs="rId4" r:cs="rId5"/>
+          </a:graphicData>
+        </a:graphic>
+      </p:graphicFrame>
+    </p:spTree>
+    <p:extLst>
+      <p:ext uri="{BB962C8B-B14F-4D97-AF65-F5344CB8AC3E}">
+        <p14:creationId xmlns:p14="http://schemas.microsoft.com/office/powerpoint/2010/main" val="3111072064"/>
+      </p:ext>
+    </p:extLst>
+  </p:cSld>
+  <p:clrMapOvr>
+    <a:masterClrMapping/>
+  </p:clrMapOvr>
+</p:sld>
+</file>
+
+<file path=ppt/slides/slide6.xml><?xml version="1.0" encoding="utf-8"?>
+<p:sld xmlns:a="http://schemas.openxmlformats.org/drawingml/2006/main" xmlns:r="http://schemas.openxmlformats.org/officeDocument/2006/relationships" xmlns:p="http://schemas.openxmlformats.org/presentationml/2006/main">
+  <p:cSld>
+    <p:spTree>
+      <p:nvGrpSpPr>
+        <p:cNvPr id="1" name=""/>
+        <p:cNvGrpSpPr/>
+        <p:nvPr/>
+      </p:nvGrpSpPr>
+      <p:grpSpPr>
+        <a:xfrm>
+          <a:off x="0" y="0"/>
+          <a:ext cx="0" cy="0"/>
+          <a:chOff x="0" y="0"/>
+          <a:chExt cx="0" cy="0"/>
+        </a:xfrm>
+      </p:grpSpPr>
+      <p:sp>
+        <p:nvSpPr>
+          <p:cNvPr id="4" name="Text Placeholder 3">
+            <a:extLst>
+              <a:ext uri="{FF2B5EF4-FFF2-40B4-BE49-F238E27FC236}">
+                <a16:creationId xmlns:a16="http://schemas.microsoft.com/office/drawing/2014/main" id="{6826A5E1-0CCC-48C4-9672-2F0BFD07AA8A}"/>
+              </a:ext>
+            </a:extLst>
+          </p:cNvPr>
+          <p:cNvSpPr>
+            <a:spLocks noGrp="1"/>
+          </p:cNvSpPr>
+          <p:nvPr>
+            <p:ph type="body" sz="quarter" idx="14"/>
+          </p:nvPr>
+        </p:nvSpPr>
+        <p:spPr/>
+        <p:txBody>
+          <a:bodyPr>
+            <a:normAutofit fontScale="62500" lnSpcReduction="20000"/>
+          </a:bodyPr>
+          <a:lstStyle/>
+          <a:p>
+            <a:r>
+              <a:rPr lang="en-US"/>
+              <a:t>Recommendation System Web app Architecture</a:t>
+            </a:r>
+          </a:p>
+        </p:txBody>
+      </p:sp>
+      <p:sp>
+        <p:nvSpPr>
+          <p:cNvPr id="19" name="Text Placeholder 18">
+            <a:extLst>
+              <a:ext uri="{FF2B5EF4-FFF2-40B4-BE49-F238E27FC236}">
+                <a16:creationId xmlns:a16="http://schemas.microsoft.com/office/drawing/2014/main" id="{C4DECFA7-E6D2-4B1F-9B8C-76A047B68E20}"/>
+              </a:ext>
+            </a:extLst>
+          </p:cNvPr>
+          <p:cNvSpPr>
+            <a:spLocks noGrp="1"/>
+          </p:cNvSpPr>
+          <p:nvPr>
+            <p:ph type="body" sz="quarter" idx="18"/>
+          </p:nvPr>
+        </p:nvSpPr>
+        <p:spPr/>
+        <p:txBody>
+          <a:bodyPr lIns="91440" tIns="45720" rIns="91440" bIns="45720" anchor="t">
+            <a:normAutofit/>
+          </a:bodyPr>
+          <a:lstStyle/>
+          <a:p>
+            <a:pPr marL="285750" indent="-285750">
+              <a:buChar char="•"/>
+            </a:pPr>
+            <a:r>
+              <a:rPr lang="en-US"/>
+              <a:t>We are using NMF(</a:t>
+            </a:r>
+            <a:r>
+              <a:rPr lang="en-US">
+                <a:ea typeface="+mn-lt"/>
+                <a:cs typeface="+mn-lt"/>
+              </a:rPr>
+              <a:t>Non-negative matrix factorization for recommendation systems) </a:t>
+            </a:r>
+            <a:r>
+              <a:rPr lang="en-US"/>
+              <a:t>for getting ranking a list of movies from candidate lists</a:t>
+            </a:r>
+          </a:p>
+          <a:p>
+            <a:endParaRPr lang="en-US"/>
+          </a:p>
+          <a:p>
+            <a:endParaRPr lang="en-US"/>
+          </a:p>
+          <a:p>
+            <a:pPr marL="285750" indent="-285750">
+              <a:buChar char="•"/>
+            </a:pPr>
+            <a:r>
+              <a:rPr lang="en-US" err="1"/>
+              <a:t>MMoE</a:t>
+            </a:r>
+            <a:r>
+              <a:rPr lang="en-US"/>
+              <a:t>(</a:t>
+            </a:r>
+            <a:r>
+              <a:rPr lang="en-US">
+                <a:ea typeface="+mn-lt"/>
+                <a:cs typeface="+mn-lt"/>
+              </a:rPr>
+              <a:t>Multi-gate Mixture-of-Experts) </a:t>
+            </a:r>
+            <a:r>
+              <a:rPr lang="en-US"/>
+              <a:t>is used to rank the videos from YouTube dataset based on queries given by user</a:t>
+            </a:r>
+            <a:endParaRPr lang="en-US">
+              <a:cs typeface="Calibri"/>
+            </a:endParaRPr>
+          </a:p>
+        </p:txBody>
+      </p:sp>
+      <p:pic>
+        <p:nvPicPr>
+          <p:cNvPr id="5" name="Picture 5" descr="Diagram&#10;&#10;Description automatically generated">
+            <a:extLst>
+              <a:ext uri="{FF2B5EF4-FFF2-40B4-BE49-F238E27FC236}">
+                <a16:creationId xmlns:a16="http://schemas.microsoft.com/office/drawing/2014/main" id="{F2259625-BDDC-43B2-AE94-17E1196E5F17}"/>
+              </a:ext>
+            </a:extLst>
+          </p:cNvPr>
+          <p:cNvPicPr>
+            <a:picLocks noGrp="1" noChangeAspect="1"/>
+          </p:cNvPicPr>
+          <p:nvPr>
+            <p:ph sz="quarter" idx="11"/>
+          </p:nvPr>
+        </p:nvPicPr>
+        <p:blipFill>
+          <a:blip r:embed="rId2"/>
+          <a:stretch>
+            <a:fillRect/>
+          </a:stretch>
+        </p:blipFill>
+        <p:spPr>
+          <a:xfrm>
+            <a:off x="4285298" y="1342485"/>
+            <a:ext cx="7400572" cy="3719336"/>
+          </a:xfrm>
+        </p:spPr>
+      </p:pic>
+    </p:spTree>
+    <p:extLst>
+      <p:ext uri="{BB962C8B-B14F-4D97-AF65-F5344CB8AC3E}">
+        <p14:creationId xmlns:p14="http://schemas.microsoft.com/office/powerpoint/2010/main" val="367749637"/>
+      </p:ext>
+    </p:extLst>
+  </p:cSld>
+  <p:clrMapOvr>
+    <a:masterClrMapping/>
+  </p:clrMapOvr>
+</p:sld>
+</file>
+
+<file path=ppt/slides/slide7.xml><?xml version="1.0" encoding="utf-8"?>
+<p:sld xmlns:a="http://schemas.openxmlformats.org/drawingml/2006/main" xmlns:r="http://schemas.openxmlformats.org/officeDocument/2006/relationships" xmlns:p="http://schemas.openxmlformats.org/presentationml/2006/main">
+  <p:cSld>
+    <p:spTree>
+      <p:nvGrpSpPr>
+        <p:cNvPr id="1" name=""/>
+        <p:cNvGrpSpPr/>
+        <p:nvPr/>
+      </p:nvGrpSpPr>
+      <p:grpSpPr>
+        <a:xfrm>
+          <a:off x="0" y="0"/>
+          <a:ext cx="0" cy="0"/>
+          <a:chOff x="0" y="0"/>
+          <a:chExt cx="0" cy="0"/>
+        </a:xfrm>
+      </p:grpSpPr>
+      <p:sp>
+        <p:nvSpPr>
+          <p:cNvPr id="4" name="Title 3">
+            <a:extLst>
+              <a:ext uri="{FF2B5EF4-FFF2-40B4-BE49-F238E27FC236}">
+                <a16:creationId xmlns:a16="http://schemas.microsoft.com/office/drawing/2014/main" id="{429816BD-5963-465C-AB66-D24B3F218FCA}"/>
+              </a:ext>
+            </a:extLst>
+          </p:cNvPr>
+          <p:cNvSpPr>
+            <a:spLocks noGrp="1"/>
+          </p:cNvSpPr>
+          <p:nvPr>
+            <p:ph type="ctrTitle"/>
+          </p:nvPr>
+        </p:nvSpPr>
+        <p:spPr/>
+        <p:txBody>
+          <a:bodyPr>
+            <a:normAutofit fontScale="90000"/>
+          </a:bodyPr>
+          <a:lstStyle/>
+          <a:p>
+            <a:r>
+              <a:rPr lang="en-US"/>
+              <a:t>Multi Gate Mixture of Experts</a:t>
+            </a:r>
+          </a:p>
+        </p:txBody>
+      </p:sp>
+      <p:sp>
+        <p:nvSpPr>
+          <p:cNvPr id="5" name="Text Placeholder 4">
+            <a:extLst>
+              <a:ext uri="{FF2B5EF4-FFF2-40B4-BE49-F238E27FC236}">
+                <a16:creationId xmlns:a16="http://schemas.microsoft.com/office/drawing/2014/main" id="{69DA4E6A-085F-4D12-9C5A-3CA826CA547E}"/>
+              </a:ext>
+            </a:extLst>
+          </p:cNvPr>
+          <p:cNvSpPr>
+            <a:spLocks noGrp="1"/>
+          </p:cNvSpPr>
+          <p:nvPr>
+            <p:ph type="body" sz="quarter" idx="11"/>
+          </p:nvPr>
+        </p:nvSpPr>
+        <p:spPr/>
+        <p:txBody>
+          <a:bodyPr/>
+          <a:lstStyle/>
+          <a:p>
+            <a:r>
+              <a:rPr lang="en-US" err="1"/>
+              <a:t>MMoE</a:t>
+            </a:r>
+            <a:r>
+              <a:rPr lang="en-US"/>
+              <a:t> based ranking system</a:t>
+            </a:r>
+          </a:p>
+        </p:txBody>
+      </p:sp>
+    </p:spTree>
+    <p:extLst>
+      <p:ext uri="{BB962C8B-B14F-4D97-AF65-F5344CB8AC3E}">
+        <p14:creationId xmlns:p14="http://schemas.microsoft.com/office/powerpoint/2010/main" val="2464431670"/>
+      </p:ext>
+    </p:extLst>
+  </p:cSld>
+  <p:clrMapOvr>
+    <a:masterClrMapping/>
+  </p:clrMapOvr>
+</p:sld>
+</file>
+
+<file path=ppt/slides/slide8.xml><?xml version="1.0" encoding="utf-8"?>
+<p:sld xmlns:a="http://schemas.openxmlformats.org/drawingml/2006/main" xmlns:r="http://schemas.openxmlformats.org/officeDocument/2006/relationships" xmlns:p="http://schemas.openxmlformats.org/presentationml/2006/main">
+  <p:cSld>
+    <p:spTree>
+      <p:nvGrpSpPr>
+        <p:cNvPr id="1" name=""/>
+        <p:cNvGrpSpPr/>
+        <p:nvPr/>
+      </p:nvGrpSpPr>
+      <p:grpSpPr>
+        <a:xfrm>
+          <a:off x="0" y="0"/>
+          <a:ext cx="0" cy="0"/>
+          <a:chOff x="0" y="0"/>
+          <a:chExt cx="0" cy="0"/>
+        </a:xfrm>
+      </p:grpSpPr>
+      <p:sp>
+        <p:nvSpPr>
+          <p:cNvPr id="2" name="Content Placeholder 1">
+            <a:extLst>
+              <a:ext uri="{FF2B5EF4-FFF2-40B4-BE49-F238E27FC236}">
+                <a16:creationId xmlns:a16="http://schemas.microsoft.com/office/drawing/2014/main" id="{DD73F764-834E-4E6A-A97F-C8DFF575B073}"/>
+              </a:ext>
+            </a:extLst>
+          </p:cNvPr>
+          <p:cNvSpPr>
+            <a:spLocks noGrp="1"/>
+          </p:cNvSpPr>
+          <p:nvPr>
+            <p:ph sz="quarter" idx="11"/>
+          </p:nvPr>
+        </p:nvSpPr>
+        <p:spPr>
+          <a:xfrm>
+            <a:off x="544667" y="1767345"/>
+            <a:ext cx="11152115" cy="4664118"/>
+          </a:xfrm>
+        </p:spPr>
+        <p:txBody>
+          <a:bodyPr lIns="91440" tIns="45720" rIns="91440" bIns="45720" anchor="t"/>
+          <a:lstStyle/>
+          <a:p>
+            <a:pPr marL="0" indent="0">
+              <a:buNone/>
+            </a:pPr>
+            <a:endParaRPr lang="en-US" sz="1600">
+              <a:cs typeface="Calibri"/>
+            </a:endParaRPr>
+          </a:p>
+          <a:p>
+            <a:pPr marL="456565" indent="-456565">
+              <a:buFont typeface="Arial"/>
+              <a:buChar char="•"/>
+            </a:pPr>
+            <a:r>
+              <a:rPr lang="en-US" sz="1600" b="1">
+                <a:ea typeface="+mn-lt"/>
+                <a:cs typeface="+mn-lt"/>
+              </a:rPr>
+              <a:t>Multiple Objective Functions:</a:t>
+            </a:r>
+            <a:r>
+              <a:rPr lang="en-US" sz="1600">
+                <a:ea typeface="+mn-lt"/>
+                <a:cs typeface="+mn-lt"/>
+              </a:rPr>
+              <a:t> There are two common objective functions that may create a conflict and should be optimized:</a:t>
+            </a:r>
+          </a:p>
+          <a:p>
+            <a:pPr marL="989965" lvl="1" indent="-380365">
+              <a:buClr>
+                <a:srgbClr val="B4186E"/>
+              </a:buClr>
+            </a:pPr>
+            <a:r>
+              <a:rPr lang="en-US" sz="1600" b="1">
+                <a:ea typeface="+mn-lt"/>
+                <a:cs typeface="+mn-lt"/>
+              </a:rPr>
+              <a:t>Engagement Objectives:</a:t>
+            </a:r>
+            <a:r>
+              <a:rPr lang="en-US" sz="1600">
+                <a:ea typeface="+mn-lt"/>
+                <a:cs typeface="+mn-lt"/>
+              </a:rPr>
+              <a:t> These objectives can be measured using dataset on clicks, time spent of the user while watching the recommended video, etc.</a:t>
+            </a:r>
+            <a:endParaRPr lang="en-US" sz="1600">
+              <a:cs typeface="Calibri"/>
+            </a:endParaRPr>
+          </a:p>
+          <a:p>
+            <a:pPr marL="989965" lvl="1" indent="-380365"/>
+            <a:r>
+              <a:rPr lang="en-US" sz="1600" b="1">
+                <a:ea typeface="+mn-lt"/>
+                <a:cs typeface="+mn-lt"/>
+              </a:rPr>
+              <a:t>Satisfaction Objective: </a:t>
+            </a:r>
+            <a:r>
+              <a:rPr lang="en-US" sz="1600">
+                <a:ea typeface="+mn-lt"/>
+                <a:cs typeface="+mn-lt"/>
+              </a:rPr>
+              <a:t>These objectives can be measured by dataset in likes, shares, comments, rating, etc.</a:t>
+            </a:r>
+            <a:endParaRPr lang="en-US" sz="1600">
+              <a:cs typeface="Calibri"/>
+            </a:endParaRPr>
+          </a:p>
+          <a:p>
+            <a:pPr marL="0" indent="0">
+              <a:buNone/>
+            </a:pPr>
+            <a:endParaRPr lang="en-US" sz="1600">
+              <a:ea typeface="+mn-lt"/>
+              <a:cs typeface="+mn-lt"/>
+            </a:endParaRPr>
+          </a:p>
+          <a:p>
+            <a:pPr marL="0" indent="0">
+              <a:buNone/>
+            </a:pPr>
+            <a:r>
+              <a:rPr lang="en-US" sz="1600">
+                <a:ea typeface="+mn-lt"/>
+                <a:cs typeface="+mn-lt"/>
+              </a:rPr>
+              <a:t>Both these objectives contain:</a:t>
+            </a:r>
+          </a:p>
+          <a:p>
+            <a:pPr marL="989965" lvl="1" indent="-380365">
+              <a:buFont typeface="Arial"/>
+              <a:buChar char="•"/>
+            </a:pPr>
+            <a:r>
+              <a:rPr lang="en-US" sz="1600">
+                <a:ea typeface="+mn-lt"/>
+                <a:cs typeface="+mn-lt"/>
+              </a:rPr>
+              <a:t>binary classification tasks (click or not, like or not, etc.)</a:t>
+            </a:r>
+          </a:p>
+          <a:p>
+            <a:pPr marL="989965" lvl="1" indent="-380365">
+              <a:buFont typeface="Arial"/>
+              <a:buChar char="•"/>
+            </a:pPr>
+            <a:r>
+              <a:rPr lang="en-US" sz="1600">
+                <a:ea typeface="+mn-lt"/>
+                <a:cs typeface="+mn-lt"/>
+              </a:rPr>
+              <a:t>regression tasks (time spent, rating given, etc.)</a:t>
+            </a:r>
+            <a:endParaRPr lang="en-US" sz="1600">
+              <a:cs typeface="Calibri"/>
+            </a:endParaRPr>
+          </a:p>
+          <a:p>
+            <a:pPr marL="0" indent="0">
+              <a:buNone/>
+            </a:pPr>
+            <a:endParaRPr lang="en-US" sz="1600">
+              <a:ea typeface="+mn-lt"/>
+              <a:cs typeface="+mn-lt"/>
+            </a:endParaRPr>
+          </a:p>
+          <a:p>
+            <a:pPr marL="456565" indent="-456565">
+              <a:buFont typeface="Arial"/>
+              <a:buChar char="•"/>
+            </a:pPr>
+            <a:r>
+              <a:rPr lang="en-US" sz="1600" b="1">
+                <a:ea typeface="+mn-lt"/>
+                <a:cs typeface="+mn-lt"/>
+              </a:rPr>
+              <a:t>Removal of Implicit Bias:</a:t>
+            </a:r>
+            <a:r>
+              <a:rPr lang="en-US" sz="1600">
+                <a:ea typeface="+mn-lt"/>
+                <a:cs typeface="+mn-lt"/>
+              </a:rPr>
+              <a:t> For training the model, the used dataset contains some implicit bias: </a:t>
+            </a:r>
+          </a:p>
+          <a:p>
+            <a:pPr marL="989965" lvl="1" indent="-380365">
+              <a:buFont typeface="Arial"/>
+              <a:buChar char="•"/>
+            </a:pPr>
+            <a:r>
+              <a:rPr lang="en-US" sz="1600">
+                <a:ea typeface="+mn-lt"/>
+                <a:cs typeface="+mn-lt"/>
+              </a:rPr>
+              <a:t>The reason is because a user historically might have clicked and watched a video simply because it was being ranked high, not because it was the one that the user liked the most. </a:t>
+            </a:r>
+          </a:p>
+          <a:p>
+            <a:pPr marL="989965" lvl="1" indent="-380365">
+              <a:buClr>
+                <a:srgbClr val="B4186E"/>
+              </a:buClr>
+              <a:buFont typeface="Arial"/>
+              <a:buChar char="•"/>
+            </a:pPr>
+            <a:r>
+              <a:rPr lang="en-US" sz="1600">
+                <a:ea typeface="+mn-lt"/>
+                <a:cs typeface="+mn-lt"/>
+              </a:rPr>
+              <a:t>So, if the model is trained using such data, it will produce biased non-optimal recommendations which the user might not like.</a:t>
+            </a:r>
+            <a:endParaRPr lang="en-US" sz="1600">
+              <a:cs typeface="Calibri"/>
+            </a:endParaRPr>
+          </a:p>
+          <a:p>
+            <a:pPr marL="456565" indent="-456565"/>
+            <a:endParaRPr lang="en-US" sz="1600">
+              <a:cs typeface="Calibri"/>
+            </a:endParaRPr>
+          </a:p>
+        </p:txBody>
+      </p:sp>
+      <p:sp>
+        <p:nvSpPr>
+          <p:cNvPr id="3" name="Text Placeholder 2">
+            <a:extLst>
+              <a:ext uri="{FF2B5EF4-FFF2-40B4-BE49-F238E27FC236}">
+                <a16:creationId xmlns:a16="http://schemas.microsoft.com/office/drawing/2014/main" id="{D08929BE-5CF3-4BD9-8691-64C986660DA8}"/>
+              </a:ext>
+            </a:extLst>
+          </p:cNvPr>
+          <p:cNvSpPr>
+            <a:spLocks noGrp="1"/>
+          </p:cNvSpPr>
+          <p:nvPr>
+            <p:ph type="body" sz="quarter" idx="14"/>
+          </p:nvPr>
+        </p:nvSpPr>
+        <p:spPr>
+          <a:xfrm>
+            <a:off x="504660" y="1141333"/>
+            <a:ext cx="9678140" cy="711200"/>
+          </a:xfrm>
+        </p:spPr>
+        <p:txBody>
+          <a:bodyPr lIns="91440" tIns="45720" rIns="91440" bIns="45720" anchor="t">
+            <a:normAutofit fontScale="85000" lnSpcReduction="10000"/>
+          </a:bodyPr>
+          <a:lstStyle/>
+          <a:p>
+            <a:r>
+              <a:rPr lang="en-US" sz="3700" b="1">
+                <a:ea typeface="+mn-lt"/>
+                <a:cs typeface="+mn-lt"/>
+              </a:rPr>
+              <a:t>Two main challenges in video recommendation systems:</a:t>
+            </a:r>
+            <a:endParaRPr lang="en-US" sz="3700" b="1">
+              <a:cs typeface="Calibri"/>
+            </a:endParaRPr>
+          </a:p>
+        </p:txBody>
+      </p:sp>
+    </p:spTree>
+    <p:extLst>
+      <p:ext uri="{BB962C8B-B14F-4D97-AF65-F5344CB8AC3E}">
+        <p14:creationId xmlns:p14="http://schemas.microsoft.com/office/powerpoint/2010/main" val="1795105771"/>
+      </p:ext>
+    </p:extLst>
+  </p:cSld>
+  <p:clrMapOvr>
+    <a:masterClrMapping/>
+  </p:clrMapOvr>
+</p:sld>
+</file>
+
+<file path=ppt/slides/slide9.xml><?xml version="1.0" encoding="utf-8"?>
+<p:sld xmlns:a="http://schemas.openxmlformats.org/drawingml/2006/main" xmlns:r="http://schemas.openxmlformats.org/officeDocument/2006/relationships" xmlns:p="http://schemas.openxmlformats.org/presentationml/2006/main">
+  <p:cSld>
+    <p:spTree>
+      <p:nvGrpSpPr>
+        <p:cNvPr id="1" name=""/>
+        <p:cNvGrpSpPr/>
+        <p:nvPr/>
+      </p:nvGrpSpPr>
+      <p:grpSpPr>
+        <a:xfrm>
+          <a:off x="0" y="0"/>
+          <a:ext cx="0" cy="0"/>
+          <a:chOff x="0" y="0"/>
+          <a:chExt cx="0" cy="0"/>
+        </a:xfrm>
+      </p:grpSpPr>
+      <p:sp>
+        <p:nvSpPr>
+          <p:cNvPr id="3" name="Text Placeholder 2">
+            <a:extLst>
+              <a:ext uri="{FF2B5EF4-FFF2-40B4-BE49-F238E27FC236}">
+                <a16:creationId xmlns:a16="http://schemas.microsoft.com/office/drawing/2014/main" id="{F055F83E-66F4-4A94-9345-121C15B0A2C0}"/>
+              </a:ext>
+            </a:extLst>
+          </p:cNvPr>
+          <p:cNvSpPr>
+            <a:spLocks noGrp="1"/>
+          </p:cNvSpPr>
+          <p:nvPr>
+            <p:ph type="body" sz="quarter" idx="10"/>
+          </p:nvPr>
+        </p:nvSpPr>
+        <p:spPr>
+          <a:xfrm>
+            <a:off x="812800" y="1035756"/>
+            <a:ext cx="10668000" cy="711200"/>
+          </a:xfrm>
+        </p:spPr>
+        <p:txBody>
+          <a:bodyPr lIns="91440" tIns="45720" rIns="91440" bIns="45720" anchor="t">
+            <a:normAutofit fontScale="77500" lnSpcReduction="20000"/>
+          </a:bodyPr>
+          <a:lstStyle/>
+          <a:p>
+            <a:r>
+              <a:rPr lang="en-US"/>
+              <a:t>Two main challenges in video recommendations system and solutions</a:t>
+            </a:r>
+          </a:p>
+        </p:txBody>
+      </p:sp>
+      <p:pic>
+        <p:nvPicPr>
+          <p:cNvPr id="5" name="Picture 5" descr="Diagram&#10;&#10;Description automatically generated">
+            <a:extLst>
+              <a:ext uri="{FF2B5EF4-FFF2-40B4-BE49-F238E27FC236}">
+                <a16:creationId xmlns:a16="http://schemas.microsoft.com/office/drawing/2014/main" id="{22420DC8-96FB-4FCB-A020-C3EB15668600}"/>
+              </a:ext>
+            </a:extLst>
+          </p:cNvPr>
+          <p:cNvPicPr>
+            <a:picLocks noGrp="1" noChangeAspect="1"/>
+          </p:cNvPicPr>
+          <p:nvPr>
+            <p:ph sz="quarter" idx="11"/>
+          </p:nvPr>
+        </p:nvPicPr>
+        <p:blipFill>
+          <a:blip r:embed="rId2"/>
+          <a:stretch>
+            <a:fillRect/>
+          </a:stretch>
+        </p:blipFill>
+        <p:spPr>
+          <a:xfrm>
+            <a:off x="931090" y="1600201"/>
+            <a:ext cx="10222577" cy="4924425"/>
+          </a:xfrm>
+        </p:spPr>
+      </p:pic>
+    </p:spTree>
+    <p:extLst>
+      <p:ext uri="{BB962C8B-B14F-4D97-AF65-F5344CB8AC3E}">
+        <p14:creationId xmlns:p14="http://schemas.microsoft.com/office/powerpoint/2010/main" val="3726870543"/>
       </p:ext>
     </p:extLst>
   </p:cSld>
